--- a/Lectures/06-data-exploration.pptx
+++ b/Lectures/06-data-exploration.pptx
@@ -5,34 +5,37 @@
     <p:sldMasterId id="2147483648" r:id="rId1"/>
   </p:sldMasterIdLst>
   <p:notesMasterIdLst>
-    <p:notesMasterId r:id="rId27"/>
+    <p:notesMasterId r:id="rId30"/>
   </p:notesMasterIdLst>
   <p:sldIdLst>
     <p:sldId id="256" r:id="rId2"/>
     <p:sldId id="308" r:id="rId3"/>
     <p:sldId id="302" r:id="rId4"/>
     <p:sldId id="281" r:id="rId5"/>
-    <p:sldId id="316" r:id="rId6"/>
-    <p:sldId id="301" r:id="rId7"/>
-    <p:sldId id="306" r:id="rId8"/>
-    <p:sldId id="299" r:id="rId9"/>
-    <p:sldId id="307" r:id="rId10"/>
-    <p:sldId id="310" r:id="rId11"/>
-    <p:sldId id="303" r:id="rId12"/>
-    <p:sldId id="312" r:id="rId13"/>
-    <p:sldId id="295" r:id="rId14"/>
-    <p:sldId id="282" r:id="rId15"/>
-    <p:sldId id="300" r:id="rId16"/>
-    <p:sldId id="285" r:id="rId17"/>
-    <p:sldId id="283" r:id="rId18"/>
-    <p:sldId id="298" r:id="rId19"/>
-    <p:sldId id="260" r:id="rId20"/>
-    <p:sldId id="261" r:id="rId21"/>
-    <p:sldId id="313" r:id="rId22"/>
-    <p:sldId id="262" r:id="rId23"/>
-    <p:sldId id="309" r:id="rId24"/>
-    <p:sldId id="311" r:id="rId25"/>
-    <p:sldId id="315" r:id="rId26"/>
+    <p:sldId id="319" r:id="rId6"/>
+    <p:sldId id="316" r:id="rId7"/>
+    <p:sldId id="301" r:id="rId8"/>
+    <p:sldId id="306" r:id="rId9"/>
+    <p:sldId id="299" r:id="rId10"/>
+    <p:sldId id="307" r:id="rId11"/>
+    <p:sldId id="310" r:id="rId12"/>
+    <p:sldId id="303" r:id="rId13"/>
+    <p:sldId id="312" r:id="rId14"/>
+    <p:sldId id="295" r:id="rId15"/>
+    <p:sldId id="282" r:id="rId16"/>
+    <p:sldId id="518" r:id="rId17"/>
+    <p:sldId id="261" r:id="rId18"/>
+    <p:sldId id="313" r:id="rId19"/>
+    <p:sldId id="517" r:id="rId20"/>
+    <p:sldId id="317" r:id="rId21"/>
+    <p:sldId id="300" r:id="rId22"/>
+    <p:sldId id="285" r:id="rId23"/>
+    <p:sldId id="283" r:id="rId24"/>
+    <p:sldId id="298" r:id="rId25"/>
+    <p:sldId id="260" r:id="rId26"/>
+    <p:sldId id="311" r:id="rId27"/>
+    <p:sldId id="318" r:id="rId28"/>
+    <p:sldId id="315" r:id="rId29"/>
   </p:sldIdLst>
   <p:sldSz cx="12192000" cy="6858000"/>
   <p:notesSz cx="6858000" cy="9144000"/>
@@ -270,7 +273,7 @@
       <p15:sldGuideLst xmlns:p15="http://schemas.microsoft.com/office/powerpoint/2012/main"/>
     </p:ext>
     <p:ext uri="http://customooxmlschemas.google.com/">
-      <go:slidesCustomData xmlns="" xmlns:mc="http://schemas.openxmlformats.org/markup-compatibility/2006" xmlns:mv="urn:schemas-microsoft-com:mac:vml" xmlns:c="http://schemas.openxmlformats.org/drawingml/2006/chart" xmlns:dgm="http://schemas.openxmlformats.org/drawingml/2006/diagram" xmlns:o="urn:schemas-microsoft-com:office:office" xmlns:v="urn:schemas-microsoft-com:vml" xmlns:pvml="urn:schemas-microsoft-com:office:powerpoint" xmlns:com="http://schemas.openxmlformats.org/drawingml/2006/compatibility" xmlns:p14="http://schemas.microsoft.com/office/powerpoint/2010/main" xmlns:p15="http://schemas.microsoft.com/office/powerpoint/2012/main" xmlns:go="http://customooxmlschemas.google.com/" r:id="rId30" roundtripDataSignature="AMtx7mjFyVUGRZWio+dc9dxzYsimUxNJbg=="/>
+      <go:slidesCustomData xmlns:go="http://customooxmlschemas.google.com/" xmlns:p15="http://schemas.microsoft.com/office/powerpoint/2012/main" xmlns:p14="http://schemas.microsoft.com/office/powerpoint/2010/main" xmlns:com="http://schemas.openxmlformats.org/drawingml/2006/compatibility" xmlns:pvml="urn:schemas-microsoft-com:office:powerpoint" xmlns:v="urn:schemas-microsoft-com:vml" xmlns:o="urn:schemas-microsoft-com:office:office" xmlns:dgm="http://schemas.openxmlformats.org/drawingml/2006/diagram" xmlns:c="http://schemas.openxmlformats.org/drawingml/2006/chart" xmlns:mv="urn:schemas-microsoft-com:mac:vml" xmlns:mc="http://schemas.openxmlformats.org/markup-compatibility/2006" xmlns="" r:id="rId31" roundtripDataSignature="AMtx7mjFyVUGRZWio+dc9dxzYsimUxNJbg=="/>
     </p:ext>
   </p:extLst>
 </p:presentation>
@@ -6579,11 +6582,11 @@
 </file>
 
 <file path=ppt/notesSlides/notesSlide2.xml><?xml version="1.0" encoding="utf-8"?>
-<p:notes xmlns:a="http://schemas.openxmlformats.org/drawingml/2006/main" xmlns:r="http://schemas.openxmlformats.org/officeDocument/2006/relationships" xmlns:p="http://schemas.openxmlformats.org/presentationml/2006/main" showMasterSp="0" showMasterPhAnim="0">
+<p:notes xmlns:a="http://schemas.openxmlformats.org/drawingml/2006/main" xmlns:r="http://schemas.openxmlformats.org/officeDocument/2006/relationships" xmlns:p="http://schemas.openxmlformats.org/presentationml/2006/main">
   <p:cSld>
     <p:spTree>
       <p:nvGrpSpPr>
-        <p:cNvPr id="1" name="Shape 238"/>
+        <p:cNvPr id="1" name=""/>
         <p:cNvGrpSpPr/>
         <p:nvPr/>
       </p:nvGrpSpPr>
@@ -6597,84 +6600,70 @@
       </p:grpSpPr>
       <p:sp>
         <p:nvSpPr>
-          <p:cNvPr id="239" name="Google Shape;239;gd4f7128003_0_794:notes"/>
-          <p:cNvSpPr txBox="1">
+          <p:cNvPr id="2" name="Slide Image Placeholder 1"/>
+          <p:cNvSpPr>
+            <a:spLocks noGrp="1" noRot="1" noChangeAspect="1"/>
+          </p:cNvSpPr>
+          <p:nvPr>
+            <p:ph type="sldImg"/>
+          </p:nvPr>
+        </p:nvSpPr>
+        <p:spPr/>
+      </p:sp>
+      <p:sp>
+        <p:nvSpPr>
+          <p:cNvPr id="3" name="Notes Placeholder 2"/>
+          <p:cNvSpPr>
             <a:spLocks noGrp="1"/>
           </p:cNvSpPr>
           <p:nvPr>
             <p:ph type="body" idx="1"/>
           </p:nvPr>
         </p:nvSpPr>
-        <p:spPr>
-          <a:xfrm>
-            <a:off x="685800" y="4343400"/>
-            <a:ext cx="5486400" cy="4114800"/>
-          </a:xfrm>
-          <a:prstGeom prst="rect">
-            <a:avLst/>
-          </a:prstGeom>
-        </p:spPr>
+        <p:spPr/>
         <p:txBody>
-          <a:bodyPr spcFirstLastPara="1" wrap="square" lIns="91425" tIns="91425" rIns="91425" bIns="91425" anchor="t" anchorCtr="0">
-            <a:noAutofit/>
-          </a:bodyPr>
+          <a:bodyPr/>
           <a:lstStyle/>
           <a:p>
-            <a:pPr marL="0" lvl="0" indent="0" algn="l" rtl="0">
-              <a:spcBef>
-                <a:spcPts val="0"/>
-              </a:spcBef>
-              <a:spcAft>
-                <a:spcPts val="0"/>
-              </a:spcAft>
-              <a:buNone/>
-            </a:pPr>
-            <a:endParaRPr/>
+            <a:endParaRPr lang="en-US" dirty="0"/>
           </a:p>
         </p:txBody>
       </p:sp>
       <p:sp>
         <p:nvSpPr>
-          <p:cNvPr id="240" name="Google Shape;240;gd4f7128003_0_794:notes"/>
+          <p:cNvPr id="4" name="Slide Number Placeholder 3"/>
           <p:cNvSpPr>
-            <a:spLocks noGrp="1" noRot="1" noChangeAspect="1"/>
+            <a:spLocks noGrp="1"/>
           </p:cNvSpPr>
           <p:nvPr>
-            <p:ph type="sldImg" idx="2"/>
+            <p:ph type="sldNum" sz="quarter" idx="10"/>
           </p:nvPr>
         </p:nvSpPr>
-        <p:spPr>
-          <a:xfrm>
-            <a:off x="381000" y="685800"/>
-            <a:ext cx="6096000" cy="3429000"/>
-          </a:xfrm>
-          <a:custGeom>
-            <a:avLst/>
-            <a:gdLst/>
-            <a:ahLst/>
-            <a:cxnLst/>
-            <a:rect l="l" t="t" r="r" b="b"/>
-            <a:pathLst>
-              <a:path w="120000" h="120000" extrusionOk="0">
-                <a:moveTo>
-                  <a:pt x="0" y="0"/>
-                </a:moveTo>
-                <a:lnTo>
-                  <a:pt x="120000" y="0"/>
-                </a:lnTo>
-                <a:lnTo>
-                  <a:pt x="120000" y="120000"/>
-                </a:lnTo>
-                <a:lnTo>
-                  <a:pt x="0" y="120000"/>
-                </a:lnTo>
-                <a:close/>
-              </a:path>
-            </a:pathLst>
-          </a:custGeom>
-        </p:spPr>
+        <p:spPr/>
+        <p:txBody>
+          <a:bodyPr/>
+          <a:lstStyle/>
+          <a:p>
+            <a:pPr>
+              <a:defRPr/>
+            </a:pPr>
+            <a:fld id="{20CBC395-CF3C-A24F-8682-006CE1DBC2D7}" type="slidenum">
+              <a:rPr lang="en-US" smtClean="0"/>
+              <a:pPr>
+                <a:defRPr/>
+              </a:pPr>
+              <a:t>19</a:t>
+            </a:fld>
+            <a:endParaRPr lang="en-US"/>
+          </a:p>
+        </p:txBody>
       </p:sp>
     </p:spTree>
+    <p:extLst>
+      <p:ext uri="{BB962C8B-B14F-4D97-AF65-F5344CB8AC3E}">
+        <p14:creationId xmlns:p14="http://schemas.microsoft.com/office/powerpoint/2010/main" val="1717432304"/>
+      </p:ext>
+    </p:extLst>
   </p:cSld>
   <p:clrMapOvr>
     <a:masterClrMapping/>
@@ -7857,6 +7846,58 @@
         </p:txBody>
       </p:sp>
     </p:spTree>
+  </p:cSld>
+  <p:clrMapOvr>
+    <a:masterClrMapping/>
+  </p:clrMapOvr>
+</p:sldLayout>
+</file>
+
+<file path=ppt/slideLayouts/slideLayout13.xml><?xml version="1.0" encoding="utf-8"?>
+<p:sldLayout xmlns:a="http://schemas.openxmlformats.org/drawingml/2006/main" xmlns:r="http://schemas.openxmlformats.org/officeDocument/2006/relationships" xmlns:p="http://schemas.openxmlformats.org/presentationml/2006/main" type="titleOnly">
+  <p:cSld name="Title Only">
+    <p:spTree>
+      <p:nvGrpSpPr>
+        <p:cNvPr id="1" name=""/>
+        <p:cNvGrpSpPr/>
+        <p:nvPr/>
+      </p:nvGrpSpPr>
+      <p:grpSpPr>
+        <a:xfrm>
+          <a:off x="0" y="0"/>
+          <a:ext cx="0" cy="0"/>
+          <a:chOff x="0" y="0"/>
+          <a:chExt cx="0" cy="0"/>
+        </a:xfrm>
+      </p:grpSpPr>
+      <p:sp>
+        <p:nvSpPr>
+          <p:cNvPr id="2" name="Title 1"/>
+          <p:cNvSpPr>
+            <a:spLocks noGrp="1"/>
+          </p:cNvSpPr>
+          <p:nvPr>
+            <p:ph type="title"/>
+          </p:nvPr>
+        </p:nvSpPr>
+        <p:spPr/>
+        <p:txBody>
+          <a:bodyPr/>
+          <a:lstStyle/>
+          <a:p>
+            <a:r>
+              <a:rPr lang="en-US"/>
+              <a:t>Click to edit Master title style</a:t>
+            </a:r>
+          </a:p>
+        </p:txBody>
+      </p:sp>
+    </p:spTree>
+    <p:extLst>
+      <p:ext uri="{BB962C8B-B14F-4D97-AF65-F5344CB8AC3E}">
+        <p14:creationId xmlns:p14="http://schemas.microsoft.com/office/powerpoint/2010/main" val="1283825340"/>
+      </p:ext>
+    </p:extLst>
   </p:cSld>
   <p:clrMapOvr>
     <a:masterClrMapping/>
@@ -11344,6 +11385,7 @@
     <p:sldLayoutId id="2147483659" r:id="rId10"/>
     <p:sldLayoutId id="2147483660" r:id="rId11"/>
     <p:sldLayoutId id="2147483661" r:id="rId12"/>
+    <p:sldLayoutId id="2147483662" r:id="rId13"/>
   </p:sldLayoutIdLst>
   <p:hf sldNum="0" hdr="0" ftr="0" dt="0"/>
   <p:txStyles>
@@ -12192,7 +12234,121 @@
 </file>
 
 <file path=ppt/slides/slide10.xml><?xml version="1.0" encoding="utf-8"?>
-<p:sld xmlns:a="http://schemas.openxmlformats.org/drawingml/2006/main" xmlns:r="http://schemas.openxmlformats.org/officeDocument/2006/relationships" xmlns:p="http://schemas.openxmlformats.org/presentationml/2006/main">
+<p:sld xmlns:a="http://schemas.openxmlformats.org/drawingml/2006/main" xmlns:r="http://schemas.openxmlformats.org/officeDocument/2006/relationships" xmlns:p="http://schemas.openxmlformats.org/presentationml/2006/main" show="0">
+  <p:cSld>
+    <p:spTree>
+      <p:nvGrpSpPr>
+        <p:cNvPr id="1" name=""/>
+        <p:cNvGrpSpPr/>
+        <p:nvPr/>
+      </p:nvGrpSpPr>
+      <p:grpSpPr>
+        <a:xfrm>
+          <a:off x="0" y="0"/>
+          <a:ext cx="0" cy="0"/>
+          <a:chOff x="0" y="0"/>
+          <a:chExt cx="0" cy="0"/>
+        </a:xfrm>
+      </p:grpSpPr>
+      <p:sp>
+        <p:nvSpPr>
+          <p:cNvPr id="8194" name="Rectangle 2"/>
+          <p:cNvSpPr>
+            <a:spLocks noGrp="1" noChangeArrowheads="1"/>
+          </p:cNvSpPr>
+          <p:nvPr>
+            <p:ph type="title"/>
+          </p:nvPr>
+        </p:nvSpPr>
+        <p:spPr/>
+        <p:txBody>
+          <a:bodyPr/>
+          <a:lstStyle/>
+          <a:p>
+            <a:r>
+              <a:rPr lang="en-US" altLang="en-US" dirty="0"/>
+              <a:t> Working with Your Project Team</a:t>
+            </a:r>
+          </a:p>
+        </p:txBody>
+      </p:sp>
+      <p:sp>
+        <p:nvSpPr>
+          <p:cNvPr id="8195" name="Rectangle 3"/>
+          <p:cNvSpPr>
+            <a:spLocks noGrp="1" noChangeArrowheads="1"/>
+          </p:cNvSpPr>
+          <p:nvPr>
+            <p:ph type="body" idx="1"/>
+          </p:nvPr>
+        </p:nvSpPr>
+        <p:spPr>
+          <a:xfrm>
+            <a:off x="207750" y="1548990"/>
+            <a:ext cx="11776400" cy="4555200"/>
+          </a:xfrm>
+        </p:spPr>
+        <p:txBody>
+          <a:bodyPr/>
+          <a:lstStyle/>
+          <a:p>
+            <a:pPr>
+              <a:lnSpc>
+                <a:spcPct val="150000"/>
+              </a:lnSpc>
+            </a:pPr>
+            <a:r>
+              <a:rPr lang="en-US" altLang="en-US" dirty="0"/>
+              <a:t>Active participation in the group work throughout the entire semester is required by all the team members, and a very large component of your grade</a:t>
+            </a:r>
+            <a:br>
+              <a:rPr lang="en-US" altLang="en-US" dirty="0"/>
+            </a:br>
+            <a:endParaRPr lang="en-US" altLang="en-US" dirty="0"/>
+          </a:p>
+          <a:p>
+            <a:pPr>
+              <a:lnSpc>
+                <a:spcPct val="150000"/>
+              </a:lnSpc>
+            </a:pPr>
+            <a:r>
+              <a:rPr lang="en-US" altLang="en-US" dirty="0"/>
+              <a:t>Collaboration is encouraged, both within and across teams! Learning from each others’ strengths is a big benefit of group work, and you should feel free to discuss strategies and approaches with other teams (i.e., it’s not a competition)</a:t>
+            </a:r>
+            <a:br>
+              <a:rPr lang="en-US" altLang="en-US" dirty="0"/>
+            </a:br>
+            <a:endParaRPr lang="en-US" altLang="en-US" dirty="0"/>
+          </a:p>
+          <a:p>
+            <a:pPr>
+              <a:lnSpc>
+                <a:spcPct val="150000"/>
+              </a:lnSpc>
+            </a:pPr>
+            <a:r>
+              <a:rPr lang="en-US" altLang="en-US" dirty="0"/>
+              <a:t>Pacing your work is important. You won’t be able to do everything the week before the final report, and if everyone tries to, you’ll break the server.</a:t>
+            </a:r>
+          </a:p>
+        </p:txBody>
+      </p:sp>
+    </p:spTree>
+    <p:extLst>
+      <p:ext uri="{BB962C8B-B14F-4D97-AF65-F5344CB8AC3E}">
+        <p14:creationId xmlns:p14="http://schemas.microsoft.com/office/powerpoint/2010/main" val="2457927461"/>
+      </p:ext>
+    </p:extLst>
+  </p:cSld>
+  <p:clrMapOvr>
+    <a:masterClrMapping/>
+  </p:clrMapOvr>
+</p:sld>
+</file>
+
+<file path=ppt/slides/slide11.xml><?xml version="1.0" encoding="utf-8"?>
+<p:sld xmlns:a="http://schemas.openxmlformats.org/drawingml/2006/main" xmlns:r="http://schemas.openxmlformats.org/officeDocument/2006/relationships" xmlns:p="http://schemas.openxmlformats.org/presentationml/2006/main" show="0">
   <p:cSld>
     <p:spTree>
       <p:nvGrpSpPr>
@@ -12266,8 +12422,8 @@
 </p:sld>
 </file>
 
-<file path=ppt/slides/slide11.xml><?xml version="1.0" encoding="utf-8"?>
-<p:sld xmlns:a="http://schemas.openxmlformats.org/drawingml/2006/main" xmlns:r="http://schemas.openxmlformats.org/officeDocument/2006/relationships" xmlns:p="http://schemas.openxmlformats.org/presentationml/2006/main">
+<file path=ppt/slides/slide12.xml><?xml version="1.0" encoding="utf-8"?>
+<p:sld xmlns:a="http://schemas.openxmlformats.org/drawingml/2006/main" xmlns:r="http://schemas.openxmlformats.org/officeDocument/2006/relationships" xmlns:p="http://schemas.openxmlformats.org/presentationml/2006/main" show="0">
   <p:cSld>
     <p:spTree>
       <p:nvGrpSpPr>
@@ -12379,7 +12535,7 @@
 </p:sld>
 </file>
 
-<file path=ppt/slides/slide12.xml><?xml version="1.0" encoding="utf-8"?>
+<file path=ppt/slides/slide13.xml><?xml version="1.0" encoding="utf-8"?>
 <p:sld xmlns:a="http://schemas.openxmlformats.org/drawingml/2006/main" xmlns:r="http://schemas.openxmlformats.org/officeDocument/2006/relationships" xmlns:p="http://schemas.openxmlformats.org/presentationml/2006/main">
   <p:cSld>
     <p:spTree>
@@ -12445,7 +12601,7 @@
 </p:sld>
 </file>
 
-<file path=ppt/slides/slide13.xml><?xml version="1.0" encoding="utf-8"?>
+<file path=ppt/slides/slide14.xml><?xml version="1.0" encoding="utf-8"?>
 <p:sld xmlns:a="http://schemas.openxmlformats.org/drawingml/2006/main" xmlns:r="http://schemas.openxmlformats.org/officeDocument/2006/relationships" xmlns:p="http://schemas.openxmlformats.org/presentationml/2006/main">
   <p:cSld>
     <p:spTree>
@@ -12580,7 +12736,65 @@
 </p:sld>
 </file>
 
-<file path=ppt/slides/slide14.xml><?xml version="1.0" encoding="utf-8"?>
+<file path=ppt/slides/slide15.xml><?xml version="1.0" encoding="utf-8"?>
+<p:sld xmlns:a="http://schemas.openxmlformats.org/drawingml/2006/main" xmlns:r="http://schemas.openxmlformats.org/officeDocument/2006/relationships" xmlns:p="http://schemas.openxmlformats.org/presentationml/2006/main">
+  <p:cSld>
+    <p:spTree>
+      <p:nvGrpSpPr>
+        <p:cNvPr id="1" name=""/>
+        <p:cNvGrpSpPr/>
+        <p:nvPr/>
+      </p:nvGrpSpPr>
+      <p:grpSpPr>
+        <a:xfrm>
+          <a:off x="0" y="0"/>
+          <a:ext cx="0" cy="0"/>
+          <a:chOff x="0" y="0"/>
+          <a:chExt cx="0" cy="0"/>
+        </a:xfrm>
+      </p:grpSpPr>
+      <p:sp>
+        <p:nvSpPr>
+          <p:cNvPr id="2" name="Title 1">
+            <a:extLst>
+              <a:ext uri="{FF2B5EF4-FFF2-40B4-BE49-F238E27FC236}">
+                <a16:creationId xmlns:a16="http://schemas.microsoft.com/office/drawing/2014/main" id="{21359BA9-BA2B-D148-89DA-A99081B1FF81}"/>
+              </a:ext>
+            </a:extLst>
+          </p:cNvPr>
+          <p:cNvSpPr>
+            <a:spLocks noGrp="1"/>
+          </p:cNvSpPr>
+          <p:nvPr>
+            <p:ph type="title"/>
+          </p:nvPr>
+        </p:nvSpPr>
+        <p:spPr/>
+        <p:txBody>
+          <a:bodyPr/>
+          <a:lstStyle/>
+          <a:p>
+            <a:r>
+              <a:rPr lang="en-US" dirty="0"/>
+              <a:t>Why is data exploration important?</a:t>
+            </a:r>
+          </a:p>
+        </p:txBody>
+      </p:sp>
+    </p:spTree>
+    <p:extLst>
+      <p:ext uri="{BB962C8B-B14F-4D97-AF65-F5344CB8AC3E}">
+        <p14:creationId xmlns:p14="http://schemas.microsoft.com/office/powerpoint/2010/main" val="1721185332"/>
+      </p:ext>
+    </p:extLst>
+  </p:cSld>
+  <p:clrMapOvr>
+    <a:masterClrMapping/>
+  </p:clrMapOvr>
+</p:sld>
+</file>
+
+<file path=ppt/slides/slide16.xml><?xml version="1.0" encoding="utf-8"?>
 <p:sld xmlns:a="http://schemas.openxmlformats.org/drawingml/2006/main" xmlns:r="http://schemas.openxmlformats.org/officeDocument/2006/relationships" xmlns:p="http://schemas.openxmlformats.org/presentationml/2006/main">
   <p:cSld>
     <p:spTree>
@@ -12641,7 +12855,12 @@
             <p:ph type="body" idx="1"/>
           </p:nvPr>
         </p:nvSpPr>
-        <p:spPr/>
+        <p:spPr>
+          <a:xfrm>
+            <a:off x="415600" y="1536632"/>
+            <a:ext cx="11360700" cy="5000091"/>
+          </a:xfrm>
+        </p:spPr>
         <p:txBody>
           <a:bodyPr/>
           <a:lstStyle/>
@@ -12654,6 +12873,10 @@
               <a:rPr lang="en-US" dirty="0"/>
               <a:t>Sanity Check the data you were given</a:t>
             </a:r>
+            <a:br>
+              <a:rPr lang="en-US" dirty="0"/>
+            </a:br>
+            <a:endParaRPr lang="en-US" dirty="0"/>
           </a:p>
           <a:p>
             <a:pPr marL="533400" indent="-457200">
@@ -12664,6 +12887,10 @@
               <a:rPr lang="en-US" dirty="0"/>
               <a:t>Understanding the problem and domain </a:t>
             </a:r>
+            <a:br>
+              <a:rPr lang="en-US" dirty="0"/>
+            </a:br>
+            <a:endParaRPr lang="en-US" dirty="0"/>
           </a:p>
           <a:p>
             <a:pPr marL="533400" indent="-457200">
@@ -12674,6 +12901,10 @@
               <a:rPr lang="en-US" dirty="0"/>
               <a:t>Problem Formulation </a:t>
             </a:r>
+            <a:br>
+              <a:rPr lang="en-US" dirty="0"/>
+            </a:br>
+            <a:endParaRPr lang="en-US" dirty="0"/>
           </a:p>
           <a:p>
             <a:pPr marL="533400" indent="-457200">
@@ -12684,6 +12915,10 @@
               <a:rPr lang="en-US" dirty="0"/>
               <a:t>Debugging </a:t>
             </a:r>
+            <a:br>
+              <a:rPr lang="en-US" dirty="0"/>
+            </a:br>
+            <a:endParaRPr lang="en-US" dirty="0"/>
           </a:p>
           <a:p>
             <a:pPr marL="533400" indent="-457200">
@@ -12694,6 +12929,10 @@
               <a:rPr lang="en-US" dirty="0"/>
               <a:t>Feature Generation/Selection </a:t>
             </a:r>
+            <a:br>
+              <a:rPr lang="en-US" dirty="0"/>
+            </a:br>
+            <a:endParaRPr lang="en-US" dirty="0"/>
           </a:p>
           <a:p>
             <a:pPr marL="533400" indent="-457200">
@@ -12716,7 +12955,7 @@
     </p:spTree>
     <p:extLst>
       <p:ext uri="{BB962C8B-B14F-4D97-AF65-F5344CB8AC3E}">
-        <p14:creationId xmlns:p14="http://schemas.microsoft.com/office/powerpoint/2010/main" val="1721185332"/>
+        <p14:creationId xmlns:p14="http://schemas.microsoft.com/office/powerpoint/2010/main" val="2094209390"/>
       </p:ext>
     </p:extLst>
   </p:cSld>
@@ -12726,7 +12965,1056 @@
 </p:sld>
 </file>
 
-<file path=ppt/slides/slide15.xml><?xml version="1.0" encoding="utf-8"?>
+<file path=ppt/slides/slide17.xml><?xml version="1.0" encoding="utf-8"?>
+<p:sld xmlns:a="http://schemas.openxmlformats.org/drawingml/2006/main" xmlns:r="http://schemas.openxmlformats.org/officeDocument/2006/relationships" xmlns:p="http://schemas.openxmlformats.org/presentationml/2006/main">
+  <p:cSld>
+    <p:spTree>
+      <p:nvGrpSpPr>
+        <p:cNvPr id="1" name=""/>
+        <p:cNvGrpSpPr/>
+        <p:nvPr/>
+      </p:nvGrpSpPr>
+      <p:grpSpPr>
+        <a:xfrm>
+          <a:off x="0" y="0"/>
+          <a:ext cx="0" cy="0"/>
+          <a:chOff x="0" y="0"/>
+          <a:chExt cx="0" cy="0"/>
+        </a:xfrm>
+      </p:grpSpPr>
+      <p:sp>
+        <p:nvSpPr>
+          <p:cNvPr id="8194" name="Rectangle 2"/>
+          <p:cNvSpPr>
+            <a:spLocks noGrp="1" noChangeArrowheads="1"/>
+          </p:cNvSpPr>
+          <p:nvPr>
+            <p:ph type="title"/>
+          </p:nvPr>
+        </p:nvSpPr>
+        <p:spPr/>
+        <p:txBody>
+          <a:bodyPr/>
+          <a:lstStyle/>
+          <a:p>
+            <a:r>
+              <a:rPr lang="en-US" altLang="en-US" dirty="0"/>
+              <a:t> Simple task for data exploration</a:t>
+            </a:r>
+          </a:p>
+        </p:txBody>
+      </p:sp>
+      <p:sp>
+        <p:nvSpPr>
+          <p:cNvPr id="8195" name="Rectangle 3"/>
+          <p:cNvSpPr>
+            <a:spLocks noGrp="1" noChangeArrowheads="1"/>
+          </p:cNvSpPr>
+          <p:nvPr>
+            <p:ph type="body" idx="1"/>
+          </p:nvPr>
+        </p:nvSpPr>
+        <p:spPr/>
+        <p:txBody>
+          <a:bodyPr/>
+          <a:lstStyle/>
+          <a:p>
+            <a:r>
+              <a:rPr lang="en-US" dirty="0"/>
+              <a:t>Write a SQL query that takes a “person id” (e.g., student, voter, facility, entity, </a:t>
+            </a:r>
+            <a:r>
+              <a:rPr lang="en-US" dirty="0" err="1"/>
+              <a:t>etc</a:t>
+            </a:r>
+            <a:r>
+              <a:rPr lang="en-US" dirty="0"/>
+              <a:t>) and gives you everything you know about that person. </a:t>
+            </a:r>
+            <a:br>
+              <a:rPr lang="en-US" dirty="0"/>
+            </a:br>
+            <a:endParaRPr lang="en-US" dirty="0"/>
+          </a:p>
+          <a:p>
+            <a:r>
+              <a:rPr lang="en-US" dirty="0"/>
+              <a:t>Add a date parameter to it to give you everything about that entity up to that date </a:t>
+            </a:r>
+            <a:endParaRPr lang="en-US" dirty="0">
+              <a:effectLst/>
+            </a:endParaRPr>
+          </a:p>
+        </p:txBody>
+      </p:sp>
+    </p:spTree>
+    <p:extLst>
+      <p:ext uri="{BB962C8B-B14F-4D97-AF65-F5344CB8AC3E}">
+        <p14:creationId xmlns:p14="http://schemas.microsoft.com/office/powerpoint/2010/main" val="2446059493"/>
+      </p:ext>
+    </p:extLst>
+  </p:cSld>
+  <p:clrMapOvr>
+    <a:masterClrMapping/>
+  </p:clrMapOvr>
+</p:sld>
+</file>
+
+<file path=ppt/slides/slide18.xml><?xml version="1.0" encoding="utf-8"?>
+<p:sld xmlns:a="http://schemas.openxmlformats.org/drawingml/2006/main" xmlns:r="http://schemas.openxmlformats.org/officeDocument/2006/relationships" xmlns:p="http://schemas.openxmlformats.org/presentationml/2006/main">
+  <p:cSld>
+    <p:spTree>
+      <p:nvGrpSpPr>
+        <p:cNvPr id="1" name=""/>
+        <p:cNvGrpSpPr/>
+        <p:nvPr/>
+      </p:nvGrpSpPr>
+      <p:grpSpPr>
+        <a:xfrm>
+          <a:off x="0" y="0"/>
+          <a:ext cx="0" cy="0"/>
+          <a:chOff x="0" y="0"/>
+          <a:chExt cx="0" cy="0"/>
+        </a:xfrm>
+      </p:grpSpPr>
+      <p:sp>
+        <p:nvSpPr>
+          <p:cNvPr id="4" name="Text Placeholder 3">
+            <a:extLst>
+              <a:ext uri="{FF2B5EF4-FFF2-40B4-BE49-F238E27FC236}">
+                <a16:creationId xmlns:a16="http://schemas.microsoft.com/office/drawing/2014/main" id="{5E600BA7-FA45-884F-9820-9E5F2CB7AA48}"/>
+              </a:ext>
+            </a:extLst>
+          </p:cNvPr>
+          <p:cNvSpPr>
+            <a:spLocks noGrp="1"/>
+          </p:cNvSpPr>
+          <p:nvPr>
+            <p:ph type="body" idx="1"/>
+          </p:nvPr>
+        </p:nvSpPr>
+        <p:spPr>
+          <a:xfrm>
+            <a:off x="415650" y="2452813"/>
+            <a:ext cx="11360700" cy="1408672"/>
+          </a:xfrm>
+        </p:spPr>
+        <p:txBody>
+          <a:bodyPr/>
+          <a:lstStyle/>
+          <a:p>
+            <a:pPr marL="76200" indent="0" algn="ctr">
+              <a:buNone/>
+            </a:pPr>
+            <a:r>
+              <a:rPr lang="en-US" sz="4800" dirty="0"/>
+              <a:t>Data Exploration Example:</a:t>
+            </a:r>
+          </a:p>
+          <a:p>
+            <a:pPr marL="76200" indent="0" algn="ctr">
+              <a:buNone/>
+            </a:pPr>
+            <a:r>
+              <a:rPr lang="en-US" sz="4800" dirty="0"/>
+              <a:t>Improving On-Time </a:t>
+            </a:r>
+          </a:p>
+          <a:p>
+            <a:pPr marL="76200" indent="0" algn="ctr">
+              <a:buNone/>
+            </a:pPr>
+            <a:r>
+              <a:rPr lang="en-US" sz="4800" dirty="0"/>
+              <a:t>High School Graduation Rates </a:t>
+            </a:r>
+          </a:p>
+        </p:txBody>
+      </p:sp>
+    </p:spTree>
+    <p:extLst>
+      <p:ext uri="{BB962C8B-B14F-4D97-AF65-F5344CB8AC3E}">
+        <p14:creationId xmlns:p14="http://schemas.microsoft.com/office/powerpoint/2010/main" val="4155436006"/>
+      </p:ext>
+    </p:extLst>
+  </p:cSld>
+  <p:clrMapOvr>
+    <a:masterClrMapping/>
+  </p:clrMapOvr>
+</p:sld>
+</file>
+
+<file path=ppt/slides/slide19.xml><?xml version="1.0" encoding="utf-8"?>
+<p:sld xmlns:a="http://schemas.openxmlformats.org/drawingml/2006/main" xmlns:r="http://schemas.openxmlformats.org/officeDocument/2006/relationships" xmlns:p="http://schemas.openxmlformats.org/presentationml/2006/main">
+  <p:cSld>
+    <p:spTree>
+      <p:nvGrpSpPr>
+        <p:cNvPr id="1" name=""/>
+        <p:cNvGrpSpPr/>
+        <p:nvPr/>
+      </p:nvGrpSpPr>
+      <p:grpSpPr>
+        <a:xfrm>
+          <a:off x="0" y="0"/>
+          <a:ext cx="0" cy="0"/>
+          <a:chOff x="0" y="0"/>
+          <a:chExt cx="0" cy="0"/>
+        </a:xfrm>
+      </p:grpSpPr>
+      <p:pic>
+        <p:nvPicPr>
+          <p:cNvPr id="6" name="Picture 5">
+            <a:extLst>
+              <a:ext uri="{FF2B5EF4-FFF2-40B4-BE49-F238E27FC236}">
+                <a16:creationId xmlns:a16="http://schemas.microsoft.com/office/drawing/2014/main" id="{8F936589-61A9-0C4B-9FEF-A2E920B04217}"/>
+              </a:ext>
+            </a:extLst>
+          </p:cNvPr>
+          <p:cNvPicPr>
+            <a:picLocks noChangeAspect="1"/>
+          </p:cNvPicPr>
+          <p:nvPr/>
+        </p:nvPicPr>
+        <p:blipFill>
+          <a:blip r:embed="rId3" cstate="screen">
+            <a:grayscl/>
+            <a:extLst>
+              <a:ext uri="{28A0092B-C50C-407E-A947-70E740481C1C}">
+                <a14:useLocalDpi xmlns:a14="http://schemas.microsoft.com/office/drawing/2010/main"/>
+              </a:ext>
+            </a:extLst>
+          </a:blip>
+          <a:stretch>
+            <a:fillRect/>
+          </a:stretch>
+        </p:blipFill>
+        <p:spPr>
+          <a:xfrm>
+            <a:off x="3388398" y="592779"/>
+            <a:ext cx="946040" cy="1192269"/>
+          </a:xfrm>
+          <a:prstGeom prst="rect">
+            <a:avLst/>
+          </a:prstGeom>
+        </p:spPr>
+      </p:pic>
+      <p:pic>
+        <p:nvPicPr>
+          <p:cNvPr id="8" name="Picture 7">
+            <a:extLst>
+              <a:ext uri="{FF2B5EF4-FFF2-40B4-BE49-F238E27FC236}">
+                <a16:creationId xmlns:a16="http://schemas.microsoft.com/office/drawing/2014/main" id="{ED13AF9C-71A9-7646-8A1E-9388B3D2A6AF}"/>
+              </a:ext>
+            </a:extLst>
+          </p:cNvPr>
+          <p:cNvPicPr>
+            <a:picLocks noChangeAspect="1"/>
+          </p:cNvPicPr>
+          <p:nvPr/>
+        </p:nvPicPr>
+        <p:blipFill>
+          <a:blip r:embed="rId4" cstate="screen">
+            <a:extLst>
+              <a:ext uri="{28A0092B-C50C-407E-A947-70E740481C1C}">
+                <a14:useLocalDpi xmlns:a14="http://schemas.microsoft.com/office/drawing/2010/main"/>
+              </a:ext>
+            </a:extLst>
+          </a:blip>
+          <a:stretch>
+            <a:fillRect/>
+          </a:stretch>
+        </p:blipFill>
+        <p:spPr>
+          <a:xfrm>
+            <a:off x="1854507" y="609712"/>
+            <a:ext cx="920121" cy="1166351"/>
+          </a:xfrm>
+          <a:prstGeom prst="rect">
+            <a:avLst/>
+          </a:prstGeom>
+        </p:spPr>
+      </p:pic>
+      <p:pic>
+        <p:nvPicPr>
+          <p:cNvPr id="9" name="Picture 8">
+            <a:extLst>
+              <a:ext uri="{FF2B5EF4-FFF2-40B4-BE49-F238E27FC236}">
+                <a16:creationId xmlns:a16="http://schemas.microsoft.com/office/drawing/2014/main" id="{065F15D6-D324-E446-986D-1F7A05D8D78F}"/>
+              </a:ext>
+            </a:extLst>
+          </p:cNvPr>
+          <p:cNvPicPr>
+            <a:picLocks noChangeAspect="1"/>
+          </p:cNvPicPr>
+          <p:nvPr/>
+        </p:nvPicPr>
+        <p:blipFill>
+          <a:blip r:embed="rId4" cstate="screen">
+            <a:extLst>
+              <a:ext uri="{28A0092B-C50C-407E-A947-70E740481C1C}">
+                <a14:useLocalDpi xmlns:a14="http://schemas.microsoft.com/office/drawing/2010/main"/>
+              </a:ext>
+            </a:extLst>
+          </a:blip>
+          <a:stretch>
+            <a:fillRect/>
+          </a:stretch>
+        </p:blipFill>
+        <p:spPr>
+          <a:xfrm>
+            <a:off x="320615" y="609712"/>
+            <a:ext cx="920121" cy="1166351"/>
+          </a:xfrm>
+          <a:prstGeom prst="rect">
+            <a:avLst/>
+          </a:prstGeom>
+        </p:spPr>
+      </p:pic>
+      <p:pic>
+        <p:nvPicPr>
+          <p:cNvPr id="10" name="Picture 9">
+            <a:extLst>
+              <a:ext uri="{FF2B5EF4-FFF2-40B4-BE49-F238E27FC236}">
+                <a16:creationId xmlns:a16="http://schemas.microsoft.com/office/drawing/2014/main" id="{79308793-23D6-A549-B646-8B19C3240257}"/>
+              </a:ext>
+            </a:extLst>
+          </p:cNvPr>
+          <p:cNvPicPr>
+            <a:picLocks noChangeAspect="1"/>
+          </p:cNvPicPr>
+          <p:nvPr/>
+        </p:nvPicPr>
+        <p:blipFill>
+          <a:blip r:embed="rId4" cstate="screen">
+            <a:extLst>
+              <a:ext uri="{28A0092B-C50C-407E-A947-70E740481C1C}">
+                <a14:useLocalDpi xmlns:a14="http://schemas.microsoft.com/office/drawing/2010/main"/>
+              </a:ext>
+            </a:extLst>
+          </a:blip>
+          <a:stretch>
+            <a:fillRect/>
+          </a:stretch>
+        </p:blipFill>
+        <p:spPr>
+          <a:xfrm>
+            <a:off x="4956157" y="609712"/>
+            <a:ext cx="920121" cy="1166351"/>
+          </a:xfrm>
+          <a:prstGeom prst="rect">
+            <a:avLst/>
+          </a:prstGeom>
+        </p:spPr>
+      </p:pic>
+      <p:pic>
+        <p:nvPicPr>
+          <p:cNvPr id="11" name="Picture 10">
+            <a:extLst>
+              <a:ext uri="{FF2B5EF4-FFF2-40B4-BE49-F238E27FC236}">
+                <a16:creationId xmlns:a16="http://schemas.microsoft.com/office/drawing/2014/main" id="{6FFBC01B-7BC5-FB4A-8569-49B7C6BF1BF3}"/>
+              </a:ext>
+            </a:extLst>
+          </p:cNvPr>
+          <p:cNvPicPr>
+            <a:picLocks noChangeAspect="1"/>
+          </p:cNvPicPr>
+          <p:nvPr/>
+        </p:nvPicPr>
+        <p:blipFill>
+          <a:blip r:embed="rId4" cstate="screen">
+            <a:extLst>
+              <a:ext uri="{28A0092B-C50C-407E-A947-70E740481C1C}">
+                <a14:useLocalDpi xmlns:a14="http://schemas.microsoft.com/office/drawing/2010/main"/>
+              </a:ext>
+            </a:extLst>
+          </a:blip>
+          <a:stretch>
+            <a:fillRect/>
+          </a:stretch>
+        </p:blipFill>
+        <p:spPr>
+          <a:xfrm>
+            <a:off x="6490051" y="609712"/>
+            <a:ext cx="920121" cy="1166351"/>
+          </a:xfrm>
+          <a:prstGeom prst="rect">
+            <a:avLst/>
+          </a:prstGeom>
+        </p:spPr>
+      </p:pic>
+      <p:pic>
+        <p:nvPicPr>
+          <p:cNvPr id="12" name="Picture 11">
+            <a:extLst>
+              <a:ext uri="{FF2B5EF4-FFF2-40B4-BE49-F238E27FC236}">
+                <a16:creationId xmlns:a16="http://schemas.microsoft.com/office/drawing/2014/main" id="{A326E031-B3A7-F643-B3BA-4BE751467D5E}"/>
+              </a:ext>
+            </a:extLst>
+          </p:cNvPr>
+          <p:cNvPicPr>
+            <a:picLocks noChangeAspect="1"/>
+          </p:cNvPicPr>
+          <p:nvPr/>
+        </p:nvPicPr>
+        <p:blipFill>
+          <a:blip r:embed="rId4" cstate="screen">
+            <a:extLst>
+              <a:ext uri="{28A0092B-C50C-407E-A947-70E740481C1C}">
+                <a14:useLocalDpi xmlns:a14="http://schemas.microsoft.com/office/drawing/2010/main"/>
+              </a:ext>
+            </a:extLst>
+          </a:blip>
+          <a:stretch>
+            <a:fillRect/>
+          </a:stretch>
+        </p:blipFill>
+        <p:spPr>
+          <a:xfrm>
+            <a:off x="3391134" y="2051169"/>
+            <a:ext cx="940568" cy="1192269"/>
+          </a:xfrm>
+          <a:prstGeom prst="rect">
+            <a:avLst/>
+          </a:prstGeom>
+        </p:spPr>
+      </p:pic>
+      <p:pic>
+        <p:nvPicPr>
+          <p:cNvPr id="13" name="Picture 12">
+            <a:extLst>
+              <a:ext uri="{FF2B5EF4-FFF2-40B4-BE49-F238E27FC236}">
+                <a16:creationId xmlns:a16="http://schemas.microsoft.com/office/drawing/2014/main" id="{3CB1D42E-43A5-614F-839B-852CBEDE1980}"/>
+              </a:ext>
+            </a:extLst>
+          </p:cNvPr>
+          <p:cNvPicPr>
+            <a:picLocks noChangeAspect="1"/>
+          </p:cNvPicPr>
+          <p:nvPr/>
+        </p:nvPicPr>
+        <p:blipFill>
+          <a:blip r:embed="rId3" cstate="screen">
+            <a:grayscl/>
+            <a:extLst>
+              <a:ext uri="{28A0092B-C50C-407E-A947-70E740481C1C}">
+                <a14:useLocalDpi xmlns:a14="http://schemas.microsoft.com/office/drawing/2010/main"/>
+              </a:ext>
+            </a:extLst>
+          </a:blip>
+          <a:stretch>
+            <a:fillRect/>
+          </a:stretch>
+        </p:blipFill>
+        <p:spPr>
+          <a:xfrm>
+            <a:off x="1854507" y="2071476"/>
+            <a:ext cx="920121" cy="1159604"/>
+          </a:xfrm>
+          <a:prstGeom prst="rect">
+            <a:avLst/>
+          </a:prstGeom>
+        </p:spPr>
+      </p:pic>
+      <p:pic>
+        <p:nvPicPr>
+          <p:cNvPr id="14" name="Picture 13">
+            <a:extLst>
+              <a:ext uri="{FF2B5EF4-FFF2-40B4-BE49-F238E27FC236}">
+                <a16:creationId xmlns:a16="http://schemas.microsoft.com/office/drawing/2014/main" id="{36CD7D7A-0EBA-0247-B117-6DD9577B65A2}"/>
+              </a:ext>
+            </a:extLst>
+          </p:cNvPr>
+          <p:cNvPicPr>
+            <a:picLocks noChangeAspect="1"/>
+          </p:cNvPicPr>
+          <p:nvPr/>
+        </p:nvPicPr>
+        <p:blipFill>
+          <a:blip r:embed="rId4" cstate="screen">
+            <a:extLst>
+              <a:ext uri="{28A0092B-C50C-407E-A947-70E740481C1C}">
+                <a14:useLocalDpi xmlns:a14="http://schemas.microsoft.com/office/drawing/2010/main"/>
+              </a:ext>
+            </a:extLst>
+          </a:blip>
+          <a:stretch>
+            <a:fillRect/>
+          </a:stretch>
+        </p:blipFill>
+        <p:spPr>
+          <a:xfrm>
+            <a:off x="320615" y="2068103"/>
+            <a:ext cx="920121" cy="1166351"/>
+          </a:xfrm>
+          <a:prstGeom prst="rect">
+            <a:avLst/>
+          </a:prstGeom>
+        </p:spPr>
+      </p:pic>
+      <p:pic>
+        <p:nvPicPr>
+          <p:cNvPr id="15" name="Picture 14">
+            <a:extLst>
+              <a:ext uri="{FF2B5EF4-FFF2-40B4-BE49-F238E27FC236}">
+                <a16:creationId xmlns:a16="http://schemas.microsoft.com/office/drawing/2014/main" id="{09C5329D-1C7F-8742-BB1F-BC83C2C10A02}"/>
+              </a:ext>
+            </a:extLst>
+          </p:cNvPr>
+          <p:cNvPicPr>
+            <a:picLocks noChangeAspect="1"/>
+          </p:cNvPicPr>
+          <p:nvPr/>
+        </p:nvPicPr>
+        <p:blipFill>
+          <a:blip r:embed="rId3" cstate="screen">
+            <a:grayscl/>
+            <a:extLst>
+              <a:ext uri="{28A0092B-C50C-407E-A947-70E740481C1C}">
+                <a14:useLocalDpi xmlns:a14="http://schemas.microsoft.com/office/drawing/2010/main"/>
+              </a:ext>
+            </a:extLst>
+          </a:blip>
+          <a:stretch>
+            <a:fillRect/>
+          </a:stretch>
+        </p:blipFill>
+        <p:spPr>
+          <a:xfrm>
+            <a:off x="4956157" y="2071476"/>
+            <a:ext cx="920121" cy="1159604"/>
+          </a:xfrm>
+          <a:prstGeom prst="rect">
+            <a:avLst/>
+          </a:prstGeom>
+        </p:spPr>
+      </p:pic>
+      <p:pic>
+        <p:nvPicPr>
+          <p:cNvPr id="16" name="Picture 15">
+            <a:extLst>
+              <a:ext uri="{FF2B5EF4-FFF2-40B4-BE49-F238E27FC236}">
+                <a16:creationId xmlns:a16="http://schemas.microsoft.com/office/drawing/2014/main" id="{C7DD7B52-3406-D94B-BDDF-81B01240D37A}"/>
+              </a:ext>
+            </a:extLst>
+          </p:cNvPr>
+          <p:cNvPicPr>
+            <a:picLocks noChangeAspect="1"/>
+          </p:cNvPicPr>
+          <p:nvPr/>
+        </p:nvPicPr>
+        <p:blipFill>
+          <a:blip r:embed="rId4" cstate="screen">
+            <a:extLst>
+              <a:ext uri="{28A0092B-C50C-407E-A947-70E740481C1C}">
+                <a14:useLocalDpi xmlns:a14="http://schemas.microsoft.com/office/drawing/2010/main"/>
+              </a:ext>
+            </a:extLst>
+          </a:blip>
+          <a:stretch>
+            <a:fillRect/>
+          </a:stretch>
+        </p:blipFill>
+        <p:spPr>
+          <a:xfrm>
+            <a:off x="6490051" y="2068103"/>
+            <a:ext cx="920121" cy="1166351"/>
+          </a:xfrm>
+          <a:prstGeom prst="rect">
+            <a:avLst/>
+          </a:prstGeom>
+        </p:spPr>
+      </p:pic>
+      <p:pic>
+        <p:nvPicPr>
+          <p:cNvPr id="4" name="Picture 3">
+            <a:extLst>
+              <a:ext uri="{FF2B5EF4-FFF2-40B4-BE49-F238E27FC236}">
+                <a16:creationId xmlns:a16="http://schemas.microsoft.com/office/drawing/2014/main" id="{E271CE0A-0734-D247-87C1-D4CB44F88DF0}"/>
+              </a:ext>
+            </a:extLst>
+          </p:cNvPr>
+          <p:cNvPicPr>
+            <a:picLocks noChangeAspect="1"/>
+          </p:cNvPicPr>
+          <p:nvPr/>
+        </p:nvPicPr>
+        <p:blipFill rotWithShape="1">
+          <a:blip r:embed="rId5"/>
+          <a:srcRect l="12087" r="12987"/>
+          <a:stretch/>
+        </p:blipFill>
+        <p:spPr>
+          <a:xfrm>
+            <a:off x="320615" y="3810702"/>
+            <a:ext cx="7089557" cy="2376152"/>
+          </a:xfrm>
+          <a:prstGeom prst="rect">
+            <a:avLst/>
+          </a:prstGeom>
+        </p:spPr>
+      </p:pic>
+      <p:sp>
+        <p:nvSpPr>
+          <p:cNvPr id="22" name="Rectangle 21">
+            <a:extLst>
+              <a:ext uri="{FF2B5EF4-FFF2-40B4-BE49-F238E27FC236}">
+                <a16:creationId xmlns:a16="http://schemas.microsoft.com/office/drawing/2014/main" id="{BB1FC301-6DA1-D441-8441-E16D80D0E316}"/>
+              </a:ext>
+            </a:extLst>
+          </p:cNvPr>
+          <p:cNvSpPr/>
+          <p:nvPr/>
+        </p:nvSpPr>
+        <p:spPr>
+          <a:xfrm>
+            <a:off x="7760043" y="194492"/>
+            <a:ext cx="4102443" cy="6363729"/>
+          </a:xfrm>
+          <a:prstGeom prst="rect">
+            <a:avLst/>
+          </a:prstGeom>
+          <a:solidFill>
+            <a:srgbClr val="D9E5F1"/>
+          </a:solidFill>
+          <a:ln>
+            <a:noFill/>
+          </a:ln>
+        </p:spPr>
+        <p:style>
+          <a:lnRef idx="2">
+            <a:schemeClr val="accent1">
+              <a:shade val="50000"/>
+            </a:schemeClr>
+          </a:lnRef>
+          <a:fillRef idx="1">
+            <a:schemeClr val="accent1"/>
+          </a:fillRef>
+          <a:effectRef idx="0">
+            <a:schemeClr val="accent1"/>
+          </a:effectRef>
+          <a:fontRef idx="minor">
+            <a:schemeClr val="lt1"/>
+          </a:fontRef>
+        </p:style>
+        <p:txBody>
+          <a:bodyPr rtlCol="0" anchor="ctr"/>
+          <a:lstStyle/>
+          <a:p>
+            <a:pPr algn="ctr"/>
+            <a:endParaRPr lang="en-US" sz="6000" b="1" dirty="0">
+              <a:solidFill>
+                <a:srgbClr val="0070C0"/>
+              </a:solidFill>
+            </a:endParaRPr>
+          </a:p>
+          <a:p>
+            <a:pPr algn="ctr"/>
+            <a:r>
+              <a:rPr lang="en-US" sz="6000" b="1" dirty="0">
+                <a:solidFill>
+                  <a:srgbClr val="0070C0"/>
+                </a:solidFill>
+              </a:rPr>
+              <a:t>16</a:t>
+            </a:r>
+            <a:r>
+              <a:rPr lang="en-US" sz="3200" b="1" dirty="0">
+                <a:solidFill>
+                  <a:srgbClr val="0070C0"/>
+                </a:solidFill>
+              </a:rPr>
+              <a:t> </a:t>
+            </a:r>
+          </a:p>
+          <a:p>
+            <a:pPr algn="ctr"/>
+            <a:r>
+              <a:rPr lang="en-US" sz="3200" b="1" dirty="0">
+                <a:solidFill>
+                  <a:srgbClr val="0070C0"/>
+                </a:solidFill>
+              </a:rPr>
+              <a:t>School Districts in Rural Ohio</a:t>
+            </a:r>
+          </a:p>
+          <a:p>
+            <a:pPr algn="ctr"/>
+            <a:endParaRPr lang="en-US" sz="3200" b="1" dirty="0">
+              <a:solidFill>
+                <a:srgbClr val="0070C0"/>
+              </a:solidFill>
+            </a:endParaRPr>
+          </a:p>
+          <a:p>
+            <a:pPr algn="ctr"/>
+            <a:r>
+              <a:rPr lang="en-US" sz="6000" b="1" dirty="0">
+                <a:solidFill>
+                  <a:srgbClr val="0070C0"/>
+                </a:solidFill>
+              </a:rPr>
+              <a:t>30,000</a:t>
+            </a:r>
+            <a:r>
+              <a:rPr lang="en-US" sz="3200" b="1" dirty="0">
+                <a:solidFill>
+                  <a:srgbClr val="0070C0"/>
+                </a:solidFill>
+              </a:rPr>
+              <a:t> </a:t>
+            </a:r>
+          </a:p>
+          <a:p>
+            <a:pPr algn="ctr"/>
+            <a:r>
+              <a:rPr lang="en-US" sz="3200" b="1" dirty="0">
+                <a:solidFill>
+                  <a:srgbClr val="0070C0"/>
+                </a:solidFill>
+              </a:rPr>
+              <a:t>Students</a:t>
+            </a:r>
+          </a:p>
+          <a:p>
+            <a:pPr algn="ctr"/>
+            <a:endParaRPr lang="en-US" sz="3200" b="1" dirty="0">
+              <a:solidFill>
+                <a:srgbClr val="0070C0"/>
+              </a:solidFill>
+            </a:endParaRPr>
+          </a:p>
+          <a:p>
+            <a:pPr algn="ctr"/>
+            <a:r>
+              <a:rPr lang="en-US" sz="6000" b="1" dirty="0">
+                <a:solidFill>
+                  <a:srgbClr val="0070C0"/>
+                </a:solidFill>
+              </a:rPr>
+              <a:t>8-10%</a:t>
+            </a:r>
+            <a:r>
+              <a:rPr lang="en-US" sz="3200" b="1" dirty="0">
+                <a:solidFill>
+                  <a:srgbClr val="0070C0"/>
+                </a:solidFill>
+              </a:rPr>
+              <a:t> </a:t>
+            </a:r>
+          </a:p>
+          <a:p>
+            <a:pPr algn="ctr"/>
+            <a:r>
+              <a:rPr lang="en-US" sz="3200" b="1" dirty="0">
+                <a:solidFill>
+                  <a:srgbClr val="0070C0"/>
+                </a:solidFill>
+              </a:rPr>
+              <a:t>Don’t Graduate </a:t>
+            </a:r>
+          </a:p>
+          <a:p>
+            <a:pPr algn="ctr"/>
+            <a:r>
+              <a:rPr lang="en-US" sz="3200" b="1" dirty="0">
+                <a:solidFill>
+                  <a:srgbClr val="0070C0"/>
+                </a:solidFill>
+              </a:rPr>
+              <a:t>On Time</a:t>
+            </a:r>
+          </a:p>
+          <a:p>
+            <a:pPr algn="ctr"/>
+            <a:endParaRPr lang="en-US" sz="3200" b="1" dirty="0">
+              <a:solidFill>
+                <a:srgbClr val="0070C0"/>
+              </a:solidFill>
+            </a:endParaRPr>
+          </a:p>
+          <a:p>
+            <a:pPr algn="ctr"/>
+            <a:endParaRPr lang="en-US" sz="3200" b="1" dirty="0">
+              <a:solidFill>
+                <a:srgbClr val="0070C0"/>
+              </a:solidFill>
+            </a:endParaRPr>
+          </a:p>
+        </p:txBody>
+      </p:sp>
+    </p:spTree>
+    <p:extLst>
+      <p:ext uri="{BB962C8B-B14F-4D97-AF65-F5344CB8AC3E}">
+        <p14:creationId xmlns:p14="http://schemas.microsoft.com/office/powerpoint/2010/main" val="2915221892"/>
+      </p:ext>
+    </p:extLst>
+  </p:cSld>
+  <p:clrMapOvr>
+    <a:masterClrMapping/>
+  </p:clrMapOvr>
+</p:sld>
+</file>
+
+<file path=ppt/slides/slide2.xml><?xml version="1.0" encoding="utf-8"?>
+<p:sld xmlns:a="http://schemas.openxmlformats.org/drawingml/2006/main" xmlns:r="http://schemas.openxmlformats.org/officeDocument/2006/relationships" xmlns:p="http://schemas.openxmlformats.org/presentationml/2006/main">
+  <p:cSld>
+    <p:spTree>
+      <p:nvGrpSpPr>
+        <p:cNvPr id="1" name=""/>
+        <p:cNvGrpSpPr/>
+        <p:nvPr/>
+      </p:nvGrpSpPr>
+      <p:grpSpPr>
+        <a:xfrm>
+          <a:off x="0" y="0"/>
+          <a:ext cx="0" cy="0"/>
+          <a:chOff x="0" y="0"/>
+          <a:chExt cx="0" cy="0"/>
+        </a:xfrm>
+      </p:grpSpPr>
+      <p:sp>
+        <p:nvSpPr>
+          <p:cNvPr id="4" name="Text Placeholder 3">
+            <a:extLst>
+              <a:ext uri="{FF2B5EF4-FFF2-40B4-BE49-F238E27FC236}">
+                <a16:creationId xmlns:a16="http://schemas.microsoft.com/office/drawing/2014/main" id="{5E600BA7-FA45-884F-9820-9E5F2CB7AA48}"/>
+              </a:ext>
+            </a:extLst>
+          </p:cNvPr>
+          <p:cNvSpPr>
+            <a:spLocks noGrp="1"/>
+          </p:cNvSpPr>
+          <p:nvPr>
+            <p:ph type="body" idx="1"/>
+          </p:nvPr>
+        </p:nvSpPr>
+        <p:spPr>
+          <a:xfrm>
+            <a:off x="415650" y="2724664"/>
+            <a:ext cx="11360700" cy="1408672"/>
+          </a:xfrm>
+        </p:spPr>
+        <p:txBody>
+          <a:bodyPr/>
+          <a:lstStyle/>
+          <a:p>
+            <a:pPr marL="76200" indent="0" algn="ctr">
+              <a:buNone/>
+            </a:pPr>
+            <a:r>
+              <a:rPr lang="en-US" sz="4800" dirty="0"/>
+              <a:t>Please Sit with </a:t>
+            </a:r>
+          </a:p>
+          <a:p>
+            <a:pPr marL="76200" indent="0" algn="ctr">
+              <a:buNone/>
+            </a:pPr>
+            <a:r>
+              <a:rPr lang="en-US" sz="4800" dirty="0"/>
+              <a:t>Your Project Teams</a:t>
+            </a:r>
+          </a:p>
+        </p:txBody>
+      </p:sp>
+    </p:spTree>
+    <p:extLst>
+      <p:ext uri="{BB962C8B-B14F-4D97-AF65-F5344CB8AC3E}">
+        <p14:creationId xmlns:p14="http://schemas.microsoft.com/office/powerpoint/2010/main" val="134665013"/>
+      </p:ext>
+    </p:extLst>
+  </p:cSld>
+  <p:clrMapOvr>
+    <a:masterClrMapping/>
+  </p:clrMapOvr>
+</p:sld>
+</file>
+
+<file path=ppt/slides/slide20.xml><?xml version="1.0" encoding="utf-8"?>
+<p:sld xmlns:a="http://schemas.openxmlformats.org/drawingml/2006/main" xmlns:r="http://schemas.openxmlformats.org/officeDocument/2006/relationships" xmlns:p="http://schemas.openxmlformats.org/presentationml/2006/main">
+  <p:cSld>
+    <p:spTree>
+      <p:nvGrpSpPr>
+        <p:cNvPr id="1" name=""/>
+        <p:cNvGrpSpPr/>
+        <p:nvPr/>
+      </p:nvGrpSpPr>
+      <p:grpSpPr>
+        <a:xfrm>
+          <a:off x="0" y="0"/>
+          <a:ext cx="0" cy="0"/>
+          <a:chOff x="0" y="0"/>
+          <a:chExt cx="0" cy="0"/>
+        </a:xfrm>
+      </p:grpSpPr>
+      <p:sp>
+        <p:nvSpPr>
+          <p:cNvPr id="3" name="Title 2">
+            <a:extLst>
+              <a:ext uri="{FF2B5EF4-FFF2-40B4-BE49-F238E27FC236}">
+                <a16:creationId xmlns:a16="http://schemas.microsoft.com/office/drawing/2014/main" id="{9323871C-7CA8-1448-8FFC-1AE6E1838941}"/>
+              </a:ext>
+            </a:extLst>
+          </p:cNvPr>
+          <p:cNvSpPr>
+            <a:spLocks noGrp="1"/>
+          </p:cNvSpPr>
+          <p:nvPr>
+            <p:ph type="title"/>
+          </p:nvPr>
+        </p:nvSpPr>
+        <p:spPr/>
+        <p:txBody>
+          <a:bodyPr/>
+          <a:lstStyle/>
+          <a:p>
+            <a:r>
+              <a:rPr lang="en-US" dirty="0"/>
+              <a:t>Things to remember</a:t>
+            </a:r>
+          </a:p>
+        </p:txBody>
+      </p:sp>
+      <p:sp>
+        <p:nvSpPr>
+          <p:cNvPr id="4" name="Text Placeholder 3">
+            <a:extLst>
+              <a:ext uri="{FF2B5EF4-FFF2-40B4-BE49-F238E27FC236}">
+                <a16:creationId xmlns:a16="http://schemas.microsoft.com/office/drawing/2014/main" id="{5E600BA7-FA45-884F-9820-9E5F2CB7AA48}"/>
+              </a:ext>
+            </a:extLst>
+          </p:cNvPr>
+          <p:cNvSpPr>
+            <a:spLocks noGrp="1"/>
+          </p:cNvSpPr>
+          <p:nvPr>
+            <p:ph type="body" idx="1"/>
+          </p:nvPr>
+        </p:nvSpPr>
+        <p:spPr/>
+        <p:txBody>
+          <a:bodyPr/>
+          <a:lstStyle/>
+          <a:p>
+            <a:r>
+              <a:rPr lang="en-US" b="1" dirty="0"/>
+              <a:t>Let us know if you can’t access your project data or </a:t>
+            </a:r>
+            <a:r>
+              <a:rPr lang="en-US" b="1" dirty="0" err="1"/>
+              <a:t>github</a:t>
+            </a:r>
+            <a:r>
+              <a:rPr lang="en-US" b="1" dirty="0"/>
+              <a:t> repo</a:t>
+            </a:r>
+            <a:br>
+              <a:rPr lang="en-US" b="1" dirty="0"/>
+            </a:br>
+            <a:endParaRPr lang="en-US" b="1" dirty="0"/>
+          </a:p>
+          <a:p>
+            <a:r>
+              <a:rPr lang="en-US" dirty="0"/>
+              <a:t>Wednesday session tomorrow: </a:t>
+            </a:r>
+            <a:r>
+              <a:rPr lang="en-US" dirty="0" err="1"/>
+              <a:t>Github</a:t>
+            </a:r>
+            <a:br>
+              <a:rPr lang="en-US" dirty="0"/>
+            </a:br>
+            <a:endParaRPr lang="en-US" dirty="0"/>
+          </a:p>
+          <a:p>
+            <a:pPr>
+              <a:lnSpc>
+                <a:spcPct val="100000"/>
+              </a:lnSpc>
+              <a:spcBef>
+                <a:spcPts val="500"/>
+              </a:spcBef>
+            </a:pPr>
+            <a:r>
+              <a:rPr lang="en-US" dirty="0"/>
+              <a:t>Readings for Thursday </a:t>
+            </a:r>
+            <a:r>
+              <a:rPr lang="en-US" sz="2400" dirty="0"/>
+              <a:t>(Obermeyer; </a:t>
+            </a:r>
+            <a:r>
+              <a:rPr lang="en-US" sz="2400" dirty="0" err="1"/>
+              <a:t>Passi</a:t>
+            </a:r>
+            <a:r>
+              <a:rPr lang="en-US" sz="2400" dirty="0"/>
+              <a:t> &amp; </a:t>
+            </a:r>
+            <a:r>
+              <a:rPr lang="en-US" sz="2400" dirty="0" err="1"/>
+              <a:t>Barocas</a:t>
+            </a:r>
+            <a:r>
+              <a:rPr lang="en-US" sz="2400" dirty="0"/>
+              <a:t>)</a:t>
+            </a:r>
+            <a:br>
+              <a:rPr lang="en-US" dirty="0"/>
+            </a:br>
+            <a:endParaRPr lang="en-US" dirty="0"/>
+          </a:p>
+          <a:p>
+            <a:r>
+              <a:rPr lang="en-US" dirty="0"/>
+              <a:t>Make sure to read </a:t>
+            </a:r>
+            <a:r>
+              <a:rPr lang="en-US" b="1" dirty="0">
+                <a:solidFill>
+                  <a:srgbClr val="C00000"/>
+                </a:solidFill>
+              </a:rPr>
+              <a:t>project proposal</a:t>
+            </a:r>
+            <a:r>
+              <a:rPr lang="en-US" b="1" dirty="0"/>
+              <a:t> </a:t>
+            </a:r>
+            <a:r>
+              <a:rPr lang="en-US" dirty="0"/>
+              <a:t>assignment on canvas (due </a:t>
+            </a:r>
+            <a:r>
+              <a:rPr lang="en-US" b="1" dirty="0">
+                <a:solidFill>
+                  <a:srgbClr val="C00000"/>
+                </a:solidFill>
+              </a:rPr>
+              <a:t>next Friday</a:t>
+            </a:r>
+            <a:r>
+              <a:rPr lang="en-US" dirty="0"/>
+              <a:t>)</a:t>
+            </a:r>
+          </a:p>
+        </p:txBody>
+      </p:sp>
+    </p:spTree>
+    <p:extLst>
+      <p:ext uri="{BB962C8B-B14F-4D97-AF65-F5344CB8AC3E}">
+        <p14:creationId xmlns:p14="http://schemas.microsoft.com/office/powerpoint/2010/main" val="4279892428"/>
+      </p:ext>
+    </p:extLst>
+  </p:cSld>
+  <p:clrMapOvr>
+    <a:masterClrMapping/>
+  </p:clrMapOvr>
+</p:sld>
+</file>
+
+<file path=ppt/slides/slide21.xml><?xml version="1.0" encoding="utf-8"?>
 <p:sld xmlns:a="http://schemas.openxmlformats.org/drawingml/2006/main" xmlns:r="http://schemas.openxmlformats.org/officeDocument/2006/relationships" xmlns:p="http://schemas.openxmlformats.org/presentationml/2006/main">
   <p:cSld>
     <p:spTree>
@@ -12872,7 +14160,7 @@
 </p:sld>
 </file>
 
-<file path=ppt/slides/slide16.xml><?xml version="1.0" encoding="utf-8"?>
+<file path=ppt/slides/slide22.xml><?xml version="1.0" encoding="utf-8"?>
 <p:sld xmlns:a="http://schemas.openxmlformats.org/drawingml/2006/main" xmlns:r="http://schemas.openxmlformats.org/officeDocument/2006/relationships" xmlns:p="http://schemas.openxmlformats.org/presentationml/2006/main">
   <p:cSld>
     <p:spTree>
@@ -12994,7 +14282,7 @@
 </p:sld>
 </file>
 
-<file path=ppt/slides/slide17.xml><?xml version="1.0" encoding="utf-8"?>
+<file path=ppt/slides/slide23.xml><?xml version="1.0" encoding="utf-8"?>
 <p:sld xmlns:a="http://schemas.openxmlformats.org/drawingml/2006/main" xmlns:r="http://schemas.openxmlformats.org/officeDocument/2006/relationships" xmlns:p="http://schemas.openxmlformats.org/presentationml/2006/main">
   <p:cSld>
     <p:spTree>
@@ -13054,7 +14342,7 @@
 </p:sld>
 </file>
 
-<file path=ppt/slides/slide18.xml><?xml version="1.0" encoding="utf-8"?>
+<file path=ppt/slides/slide24.xml><?xml version="1.0" encoding="utf-8"?>
 <p:sld xmlns:a="http://schemas.openxmlformats.org/drawingml/2006/main" xmlns:r="http://schemas.openxmlformats.org/officeDocument/2006/relationships" xmlns:p="http://schemas.openxmlformats.org/presentationml/2006/main">
   <p:cSld>
     <p:spTree>
@@ -13131,7 +14419,7 @@
 </p:sld>
 </file>
 
-<file path=ppt/slides/slide19.xml><?xml version="1.0" encoding="utf-8"?>
+<file path=ppt/slides/slide25.xml><?xml version="1.0" encoding="utf-8"?>
 <p:sld xmlns:a="http://schemas.openxmlformats.org/drawingml/2006/main" xmlns:r="http://schemas.openxmlformats.org/officeDocument/2006/relationships" xmlns:p="http://schemas.openxmlformats.org/presentationml/2006/main">
   <p:cSld>
     <p:spTree>
@@ -13217,7 +14505,7 @@
           <a:p>
             <a:r>
               <a:rPr lang="en-US" dirty="0"/>
-              <a:t>Pandas(if you have to)</a:t>
+              <a:t>Pandas (if you have to)</a:t>
             </a:r>
             <a:br>
               <a:rPr lang="en-US" dirty="0"/>
@@ -13246,7 +14534,7 @@
 </p:sld>
 </file>
 
-<file path=ppt/slides/slide2.xml><?xml version="1.0" encoding="utf-8"?>
+<file path=ppt/slides/slide26.xml><?xml version="1.0" encoding="utf-8"?>
 <p:sld xmlns:a="http://schemas.openxmlformats.org/drawingml/2006/main" xmlns:r="http://schemas.openxmlformats.org/officeDocument/2006/relationships" xmlns:p="http://schemas.openxmlformats.org/presentationml/2006/main">
   <p:cSld>
     <p:spTree>
@@ -13294,7 +14582,7 @@
             </a:pPr>
             <a:r>
               <a:rPr lang="en-US" sz="4800" dirty="0"/>
-              <a:t>Please Sit with </a:t>
+              <a:t>Project Work:</a:t>
             </a:r>
           </a:p>
           <a:p>
@@ -13303,7 +14591,7 @@
             </a:pPr>
             <a:r>
               <a:rPr lang="en-US" sz="4800" dirty="0"/>
-              <a:t>Your Project Teams</a:t>
+              <a:t>Team Coordination &amp; Data Exploration</a:t>
             </a:r>
           </a:p>
         </p:txBody>
@@ -13311,7 +14599,7 @@
     </p:spTree>
     <p:extLst>
       <p:ext uri="{BB962C8B-B14F-4D97-AF65-F5344CB8AC3E}">
-        <p14:creationId xmlns:p14="http://schemas.microsoft.com/office/powerpoint/2010/main" val="134665013"/>
+        <p14:creationId xmlns:p14="http://schemas.microsoft.com/office/powerpoint/2010/main" val="1828200330"/>
       </p:ext>
     </p:extLst>
   </p:cSld>
@@ -13321,7 +14609,7 @@
 </p:sld>
 </file>
 
-<file path=ppt/slides/slide20.xml><?xml version="1.0" encoding="utf-8"?>
+<file path=ppt/slides/slide27.xml><?xml version="1.0" encoding="utf-8"?>
 <p:sld xmlns:a="http://schemas.openxmlformats.org/drawingml/2006/main" xmlns:r="http://schemas.openxmlformats.org/officeDocument/2006/relationships" xmlns:p="http://schemas.openxmlformats.org/presentationml/2006/main">
   <p:cSld>
     <p:spTree>
@@ -13340,1274 +14628,10 @@
       </p:grpSpPr>
       <p:sp>
         <p:nvSpPr>
-          <p:cNvPr id="8194" name="Rectangle 2"/>
-          <p:cNvSpPr>
-            <a:spLocks noGrp="1" noChangeArrowheads="1"/>
-          </p:cNvSpPr>
-          <p:nvPr>
-            <p:ph type="title"/>
-          </p:nvPr>
-        </p:nvSpPr>
-        <p:spPr/>
-        <p:txBody>
-          <a:bodyPr/>
-          <a:lstStyle/>
-          <a:p>
-            <a:r>
-              <a:rPr lang="en-US" altLang="en-US" dirty="0"/>
-              <a:t> Simple task for data exploration</a:t>
-            </a:r>
-          </a:p>
-        </p:txBody>
-      </p:sp>
-      <p:sp>
-        <p:nvSpPr>
-          <p:cNvPr id="8195" name="Rectangle 3"/>
-          <p:cNvSpPr>
-            <a:spLocks noGrp="1" noChangeArrowheads="1"/>
-          </p:cNvSpPr>
-          <p:nvPr>
-            <p:ph type="body" idx="1"/>
-          </p:nvPr>
-        </p:nvSpPr>
-        <p:spPr/>
-        <p:txBody>
-          <a:bodyPr/>
-          <a:lstStyle/>
-          <a:p>
-            <a:r>
-              <a:rPr lang="en-US" dirty="0"/>
-              <a:t>Write a SQL query that takes a “person id” (e.g., student, voter, facility, entity, </a:t>
-            </a:r>
-            <a:r>
-              <a:rPr lang="en-US" dirty="0" err="1"/>
-              <a:t>etc</a:t>
-            </a:r>
-            <a:r>
-              <a:rPr lang="en-US" dirty="0"/>
-              <a:t>) and gives you everything you know about that person. </a:t>
-            </a:r>
-            <a:br>
-              <a:rPr lang="en-US" dirty="0"/>
-            </a:br>
-            <a:endParaRPr lang="en-US" dirty="0"/>
-          </a:p>
-          <a:p>
-            <a:r>
-              <a:rPr lang="en-US" dirty="0"/>
-              <a:t>Add a date parameter to it to give you everything about that entity up to that date </a:t>
-            </a:r>
-            <a:endParaRPr lang="en-US" dirty="0">
-              <a:effectLst/>
-            </a:endParaRPr>
-          </a:p>
-        </p:txBody>
-      </p:sp>
-    </p:spTree>
-    <p:extLst>
-      <p:ext uri="{BB962C8B-B14F-4D97-AF65-F5344CB8AC3E}">
-        <p14:creationId xmlns:p14="http://schemas.microsoft.com/office/powerpoint/2010/main" val="2446059493"/>
-      </p:ext>
-    </p:extLst>
-  </p:cSld>
-  <p:clrMapOvr>
-    <a:masterClrMapping/>
-  </p:clrMapOvr>
-</p:sld>
-</file>
-
-<file path=ppt/slides/slide21.xml><?xml version="1.0" encoding="utf-8"?>
-<p:sld xmlns:a="http://schemas.openxmlformats.org/drawingml/2006/main" xmlns:r="http://schemas.openxmlformats.org/officeDocument/2006/relationships" xmlns:p="http://schemas.openxmlformats.org/presentationml/2006/main">
-  <p:cSld>
-    <p:spTree>
-      <p:nvGrpSpPr>
-        <p:cNvPr id="1" name=""/>
-        <p:cNvGrpSpPr/>
-        <p:nvPr/>
-      </p:nvGrpSpPr>
-      <p:grpSpPr>
-        <a:xfrm>
-          <a:off x="0" y="0"/>
-          <a:ext cx="0" cy="0"/>
-          <a:chOff x="0" y="0"/>
-          <a:chExt cx="0" cy="0"/>
-        </a:xfrm>
-      </p:grpSpPr>
-      <p:sp>
-        <p:nvSpPr>
-          <p:cNvPr id="4" name="Text Placeholder 3">
+          <p:cNvPr id="2" name="Title 1">
             <a:extLst>
               <a:ext uri="{FF2B5EF4-FFF2-40B4-BE49-F238E27FC236}">
-                <a16:creationId xmlns:a16="http://schemas.microsoft.com/office/drawing/2014/main" id="{5E600BA7-FA45-884F-9820-9E5F2CB7AA48}"/>
-              </a:ext>
-            </a:extLst>
-          </p:cNvPr>
-          <p:cNvSpPr>
-            <a:spLocks noGrp="1"/>
-          </p:cNvSpPr>
-          <p:nvPr>
-            <p:ph type="body" idx="1"/>
-          </p:nvPr>
-        </p:nvSpPr>
-        <p:spPr>
-          <a:xfrm>
-            <a:off x="415650" y="2452813"/>
-            <a:ext cx="11360700" cy="1408672"/>
-          </a:xfrm>
-        </p:spPr>
-        <p:txBody>
-          <a:bodyPr/>
-          <a:lstStyle/>
-          <a:p>
-            <a:pPr marL="76200" indent="0" algn="ctr">
-              <a:buNone/>
-            </a:pPr>
-            <a:r>
-              <a:rPr lang="en-US" sz="4800" dirty="0"/>
-              <a:t>Data Exploration Example:</a:t>
-            </a:r>
-          </a:p>
-          <a:p>
-            <a:pPr marL="76200" indent="0" algn="ctr">
-              <a:buNone/>
-            </a:pPr>
-            <a:r>
-              <a:rPr lang="en-US" sz="4800" dirty="0"/>
-              <a:t>Mental Health Interventions </a:t>
-            </a:r>
-          </a:p>
-          <a:p>
-            <a:pPr marL="76200" indent="0" algn="ctr">
-              <a:buNone/>
-            </a:pPr>
-            <a:r>
-              <a:rPr lang="en-US" sz="4800" dirty="0"/>
-              <a:t>to Reduce Jail Re-Incarceration</a:t>
-            </a:r>
-          </a:p>
-        </p:txBody>
-      </p:sp>
-    </p:spTree>
-    <p:extLst>
-      <p:ext uri="{BB962C8B-B14F-4D97-AF65-F5344CB8AC3E}">
-        <p14:creationId xmlns:p14="http://schemas.microsoft.com/office/powerpoint/2010/main" val="4155436006"/>
-      </p:ext>
-    </p:extLst>
-  </p:cSld>
-  <p:clrMapOvr>
-    <a:masterClrMapping/>
-  </p:clrMapOvr>
-</p:sld>
-</file>
-
-<file path=ppt/slides/slide22.xml><?xml version="1.0" encoding="utf-8"?>
-<p:sld xmlns:a="http://schemas.openxmlformats.org/drawingml/2006/main" xmlns:r="http://schemas.openxmlformats.org/officeDocument/2006/relationships" xmlns:p="http://schemas.openxmlformats.org/presentationml/2006/main">
-  <p:cSld>
-    <p:spTree>
-      <p:nvGrpSpPr>
-        <p:cNvPr id="1" name="Shape 241"/>
-        <p:cNvGrpSpPr/>
-        <p:nvPr/>
-      </p:nvGrpSpPr>
-      <p:grpSpPr>
-        <a:xfrm>
-          <a:off x="0" y="0"/>
-          <a:ext cx="0" cy="0"/>
-          <a:chOff x="0" y="0"/>
-          <a:chExt cx="0" cy="0"/>
-        </a:xfrm>
-      </p:grpSpPr>
-      <p:pic>
-        <p:nvPicPr>
-          <p:cNvPr id="242" name="Google Shape;242;p26" descr="https://lh6.googleusercontent.com/oEnlIneMEAScc4jMXTqyGYQy41dB_T0BxgBL6JnugHt3sRJldP-o38aSyyr_Pnz6qMbGYvAeroffVqyPgurMlUUtDGqCaO65V0YXtdKoDEKQ5DGBjRZAKn4IU1LthlcUmBJa6d6BuBs"/>
-          <p:cNvPicPr preferRelativeResize="0"/>
-          <p:nvPr/>
-        </p:nvPicPr>
-        <p:blipFill rotWithShape="1">
-          <a:blip r:embed="rId3">
-            <a:alphaModFix amt="41000"/>
-          </a:blip>
-          <a:srcRect t="2222" b="8872"/>
-          <a:stretch/>
-        </p:blipFill>
-        <p:spPr>
-          <a:xfrm>
-            <a:off x="1" y="1"/>
-            <a:ext cx="12192001" cy="6857999"/>
-          </a:xfrm>
-          <a:prstGeom prst="rect">
-            <a:avLst/>
-          </a:prstGeom>
-          <a:noFill/>
-          <a:ln>
-            <a:noFill/>
-          </a:ln>
-        </p:spPr>
-      </p:pic>
-      <p:sp>
-        <p:nvSpPr>
-          <p:cNvPr id="243" name="Google Shape;243;p26"/>
-          <p:cNvSpPr/>
-          <p:nvPr/>
-        </p:nvSpPr>
-        <p:spPr>
-          <a:xfrm>
-            <a:off x="737471" y="1084033"/>
-            <a:ext cx="4244000" cy="4991200"/>
-          </a:xfrm>
-          <a:prstGeom prst="rect">
-            <a:avLst/>
-          </a:prstGeom>
-          <a:solidFill>
-            <a:schemeClr val="lt1">
-              <a:alpha val="69800"/>
-            </a:schemeClr>
-          </a:solidFill>
-          <a:ln>
-            <a:noFill/>
-          </a:ln>
-        </p:spPr>
-        <p:txBody>
-          <a:bodyPr spcFirstLastPara="1" wrap="square" lIns="121900" tIns="60933" rIns="121900" bIns="60933" anchor="ctr" anchorCtr="0">
-            <a:noAutofit/>
-          </a:bodyPr>
-          <a:lstStyle/>
-          <a:p>
-            <a:pPr algn="ctr"/>
-            <a:endParaRPr sz="2400">
-              <a:solidFill>
-                <a:schemeClr val="lt1"/>
-              </a:solidFill>
-              <a:latin typeface="Calibri"/>
-              <a:ea typeface="Calibri"/>
-              <a:cs typeface="Calibri"/>
-              <a:sym typeface="Calibri"/>
-            </a:endParaRPr>
-          </a:p>
-        </p:txBody>
-      </p:sp>
-      <p:grpSp>
-        <p:nvGrpSpPr>
-          <p:cNvPr id="244" name="Google Shape;244;p26"/>
-          <p:cNvGrpSpPr/>
-          <p:nvPr/>
-        </p:nvGrpSpPr>
-        <p:grpSpPr>
-          <a:xfrm>
-            <a:off x="956020" y="1068681"/>
-            <a:ext cx="6096000" cy="4636364"/>
-            <a:chOff x="272718" y="680868"/>
-            <a:chExt cx="4572000" cy="3477273"/>
-          </a:xfrm>
-        </p:grpSpPr>
-        <p:grpSp>
-          <p:nvGrpSpPr>
-            <p:cNvPr id="245" name="Google Shape;245;p26"/>
-            <p:cNvGrpSpPr/>
-            <p:nvPr/>
-          </p:nvGrpSpPr>
-          <p:grpSpPr>
-            <a:xfrm>
-              <a:off x="272718" y="680868"/>
-              <a:ext cx="4572000" cy="671662"/>
-              <a:chOff x="436346" y="319921"/>
-              <a:chExt cx="4572000" cy="671662"/>
-            </a:xfrm>
-          </p:grpSpPr>
-          <p:sp>
-            <p:nvSpPr>
-              <p:cNvPr id="246" name="Google Shape;246;p26"/>
-              <p:cNvSpPr/>
-              <p:nvPr/>
-            </p:nvSpPr>
-            <p:spPr>
-              <a:xfrm>
-                <a:off x="436346" y="319921"/>
-                <a:ext cx="2836200" cy="480000"/>
-              </a:xfrm>
-              <a:prstGeom prst="rect">
-                <a:avLst/>
-              </a:prstGeom>
-              <a:noFill/>
-              <a:ln>
-                <a:noFill/>
-              </a:ln>
-            </p:spPr>
-            <p:txBody>
-              <a:bodyPr spcFirstLastPara="1" wrap="square" lIns="121900" tIns="60933" rIns="121900" bIns="60933" anchor="t" anchorCtr="0">
-                <a:noAutofit/>
-              </a:bodyPr>
-              <a:lstStyle/>
-              <a:p>
-                <a:pPr>
-                  <a:lnSpc>
-                    <a:spcPct val="90000"/>
-                  </a:lnSpc>
-                </a:pPr>
-                <a:r>
-                  <a:rPr lang="en" sz="3733" b="1">
-                    <a:solidFill>
-                      <a:srgbClr val="800000"/>
-                    </a:solidFill>
-                  </a:rPr>
-                  <a:t>11 MILLION</a:t>
-                </a:r>
-                <a:endParaRPr sz="1867"/>
-              </a:p>
-            </p:txBody>
-          </p:sp>
-          <p:sp>
-            <p:nvSpPr>
-              <p:cNvPr id="247" name="Google Shape;247;p26"/>
-              <p:cNvSpPr/>
-              <p:nvPr/>
-            </p:nvSpPr>
-            <p:spPr>
-              <a:xfrm>
-                <a:off x="436346" y="732983"/>
-                <a:ext cx="4572000" cy="258600"/>
-              </a:xfrm>
-              <a:prstGeom prst="rect">
-                <a:avLst/>
-              </a:prstGeom>
-              <a:noFill/>
-              <a:ln>
-                <a:noFill/>
-              </a:ln>
-            </p:spPr>
-            <p:txBody>
-              <a:bodyPr spcFirstLastPara="1" wrap="square" lIns="121900" tIns="60933" rIns="121900" bIns="60933" anchor="t" anchorCtr="0">
-                <a:noAutofit/>
-              </a:bodyPr>
-              <a:lstStyle/>
-              <a:p>
-                <a:pPr>
-                  <a:lnSpc>
-                    <a:spcPct val="90000"/>
-                  </a:lnSpc>
-                </a:pPr>
-                <a:r>
-                  <a:rPr lang="en" sz="1600">
-                    <a:solidFill>
-                      <a:schemeClr val="dk1"/>
-                    </a:solidFill>
-                  </a:rPr>
-                  <a:t>people move through 3,100 Jails</a:t>
-                </a:r>
-                <a:endParaRPr sz="1867"/>
-              </a:p>
-            </p:txBody>
-          </p:sp>
-        </p:grpSp>
-        <p:grpSp>
-          <p:nvGrpSpPr>
-            <p:cNvPr id="248" name="Google Shape;248;p26"/>
-            <p:cNvGrpSpPr/>
-            <p:nvPr/>
-          </p:nvGrpSpPr>
-          <p:grpSpPr>
-            <a:xfrm>
-              <a:off x="272718" y="1403235"/>
-              <a:ext cx="3538800" cy="664136"/>
-              <a:chOff x="436345" y="1303132"/>
-              <a:chExt cx="3538800" cy="664136"/>
-            </a:xfrm>
-          </p:grpSpPr>
-          <p:sp>
-            <p:nvSpPr>
-              <p:cNvPr id="249" name="Google Shape;249;p26"/>
-              <p:cNvSpPr/>
-              <p:nvPr/>
-            </p:nvSpPr>
-            <p:spPr>
-              <a:xfrm>
-                <a:off x="436345" y="1708668"/>
-                <a:ext cx="628800" cy="258600"/>
-              </a:xfrm>
-              <a:prstGeom prst="rect">
-                <a:avLst/>
-              </a:prstGeom>
-              <a:noFill/>
-              <a:ln>
-                <a:noFill/>
-              </a:ln>
-            </p:spPr>
-            <p:txBody>
-              <a:bodyPr spcFirstLastPara="1" wrap="square" lIns="121900" tIns="60933" rIns="121900" bIns="60933" anchor="t" anchorCtr="0">
-                <a:noAutofit/>
-              </a:bodyPr>
-              <a:lstStyle/>
-              <a:p>
-                <a:pPr>
-                  <a:lnSpc>
-                    <a:spcPct val="90000"/>
-                  </a:lnSpc>
-                </a:pPr>
-                <a:r>
-                  <a:rPr lang="en" sz="1600">
-                    <a:solidFill>
-                      <a:schemeClr val="dk1"/>
-                    </a:solidFill>
-                  </a:rPr>
-                  <a:t>in cost</a:t>
-                </a:r>
-                <a:endParaRPr sz="1867"/>
-              </a:p>
-            </p:txBody>
-          </p:sp>
-          <p:sp>
-            <p:nvSpPr>
-              <p:cNvPr id="250" name="Google Shape;250;p26"/>
-              <p:cNvSpPr/>
-              <p:nvPr/>
-            </p:nvSpPr>
-            <p:spPr>
-              <a:xfrm>
-                <a:off x="436345" y="1303132"/>
-                <a:ext cx="3538800" cy="480000"/>
-              </a:xfrm>
-              <a:prstGeom prst="rect">
-                <a:avLst/>
-              </a:prstGeom>
-              <a:noFill/>
-              <a:ln>
-                <a:noFill/>
-              </a:ln>
-            </p:spPr>
-            <p:txBody>
-              <a:bodyPr spcFirstLastPara="1" wrap="square" lIns="121900" tIns="60933" rIns="121900" bIns="60933" anchor="t" anchorCtr="0">
-                <a:noAutofit/>
-              </a:bodyPr>
-              <a:lstStyle/>
-              <a:p>
-                <a:pPr>
-                  <a:lnSpc>
-                    <a:spcPct val="90000"/>
-                  </a:lnSpc>
-                </a:pPr>
-                <a:r>
-                  <a:rPr lang="en" sz="3733" b="1">
-                    <a:solidFill>
-                      <a:srgbClr val="800000"/>
-                    </a:solidFill>
-                  </a:rPr>
-                  <a:t>$22 BILLION</a:t>
-                </a:r>
-                <a:endParaRPr sz="1867"/>
-              </a:p>
-            </p:txBody>
-          </p:sp>
-        </p:grpSp>
-        <p:grpSp>
-          <p:nvGrpSpPr>
-            <p:cNvPr id="251" name="Google Shape;251;p26"/>
-            <p:cNvGrpSpPr/>
-            <p:nvPr/>
-          </p:nvGrpSpPr>
-          <p:grpSpPr>
-            <a:xfrm>
-              <a:off x="272718" y="2080301"/>
-              <a:ext cx="3538801" cy="653196"/>
-              <a:chOff x="436343" y="2166384"/>
-              <a:chExt cx="3538801" cy="653196"/>
-            </a:xfrm>
-          </p:grpSpPr>
-          <p:sp>
-            <p:nvSpPr>
-              <p:cNvPr id="252" name="Google Shape;252;p26"/>
-              <p:cNvSpPr/>
-              <p:nvPr/>
-            </p:nvSpPr>
-            <p:spPr>
-              <a:xfrm>
-                <a:off x="436343" y="2560980"/>
-                <a:ext cx="1889100" cy="258600"/>
-              </a:xfrm>
-              <a:prstGeom prst="rect">
-                <a:avLst/>
-              </a:prstGeom>
-              <a:noFill/>
-              <a:ln>
-                <a:noFill/>
-              </a:ln>
-            </p:spPr>
-            <p:txBody>
-              <a:bodyPr spcFirstLastPara="1" wrap="square" lIns="121900" tIns="60933" rIns="121900" bIns="60933" anchor="t" anchorCtr="0">
-                <a:noAutofit/>
-              </a:bodyPr>
-              <a:lstStyle/>
-              <a:p>
-                <a:pPr>
-                  <a:lnSpc>
-                    <a:spcPct val="90000"/>
-                  </a:lnSpc>
-                </a:pPr>
-                <a:r>
-                  <a:rPr lang="en" sz="1600">
-                    <a:solidFill>
-                      <a:schemeClr val="dk1"/>
-                    </a:solidFill>
-                  </a:rPr>
-                  <a:t>suffer from mental illness</a:t>
-                </a:r>
-                <a:endParaRPr sz="1867"/>
-              </a:p>
-            </p:txBody>
-          </p:sp>
-          <p:sp>
-            <p:nvSpPr>
-              <p:cNvPr id="253" name="Google Shape;253;p26"/>
-              <p:cNvSpPr/>
-              <p:nvPr/>
-            </p:nvSpPr>
-            <p:spPr>
-              <a:xfrm>
-                <a:off x="436344" y="2166384"/>
-                <a:ext cx="3538800" cy="480000"/>
-              </a:xfrm>
-              <a:prstGeom prst="rect">
-                <a:avLst/>
-              </a:prstGeom>
-              <a:noFill/>
-              <a:ln>
-                <a:noFill/>
-              </a:ln>
-            </p:spPr>
-            <p:txBody>
-              <a:bodyPr spcFirstLastPara="1" wrap="square" lIns="121900" tIns="60933" rIns="121900" bIns="60933" anchor="t" anchorCtr="0">
-                <a:noAutofit/>
-              </a:bodyPr>
-              <a:lstStyle/>
-              <a:p>
-                <a:pPr>
-                  <a:lnSpc>
-                    <a:spcPct val="90000"/>
-                  </a:lnSpc>
-                </a:pPr>
-                <a:r>
-                  <a:rPr lang="en" sz="3733" b="1">
-                    <a:solidFill>
-                      <a:srgbClr val="800000"/>
-                    </a:solidFill>
-                  </a:rPr>
-                  <a:t>64%</a:t>
-                </a:r>
-                <a:endParaRPr sz="1867"/>
-              </a:p>
-            </p:txBody>
-          </p:sp>
-        </p:grpSp>
-        <p:grpSp>
-          <p:nvGrpSpPr>
-            <p:cNvPr id="254" name="Google Shape;254;p26"/>
-            <p:cNvGrpSpPr/>
-            <p:nvPr/>
-          </p:nvGrpSpPr>
-          <p:grpSpPr>
-            <a:xfrm>
-              <a:off x="272718" y="2737620"/>
-              <a:ext cx="3538801" cy="671662"/>
-              <a:chOff x="436343" y="2166384"/>
-              <a:chExt cx="3538801" cy="671662"/>
-            </a:xfrm>
-          </p:grpSpPr>
-          <p:sp>
-            <p:nvSpPr>
-              <p:cNvPr id="255" name="Google Shape;255;p26"/>
-              <p:cNvSpPr/>
-              <p:nvPr/>
-            </p:nvSpPr>
-            <p:spPr>
-              <a:xfrm>
-                <a:off x="436343" y="2579446"/>
-                <a:ext cx="2443200" cy="258600"/>
-              </a:xfrm>
-              <a:prstGeom prst="rect">
-                <a:avLst/>
-              </a:prstGeom>
-              <a:noFill/>
-              <a:ln>
-                <a:noFill/>
-              </a:ln>
-            </p:spPr>
-            <p:txBody>
-              <a:bodyPr spcFirstLastPara="1" wrap="square" lIns="121900" tIns="60933" rIns="121900" bIns="60933" anchor="t" anchorCtr="0">
-                <a:noAutofit/>
-              </a:bodyPr>
-              <a:lstStyle/>
-              <a:p>
-                <a:pPr>
-                  <a:lnSpc>
-                    <a:spcPct val="90000"/>
-                  </a:lnSpc>
-                </a:pPr>
-                <a:r>
-                  <a:rPr lang="en" sz="1600">
-                    <a:solidFill>
-                      <a:schemeClr val="dk1"/>
-                    </a:solidFill>
-                  </a:rPr>
-                  <a:t>have a substance abuse disorder</a:t>
-                </a:r>
-                <a:endParaRPr sz="1867"/>
-              </a:p>
-            </p:txBody>
-          </p:sp>
-          <p:sp>
-            <p:nvSpPr>
-              <p:cNvPr id="256" name="Google Shape;256;p26"/>
-              <p:cNvSpPr/>
-              <p:nvPr/>
-            </p:nvSpPr>
-            <p:spPr>
-              <a:xfrm>
-                <a:off x="436344" y="2166384"/>
-                <a:ext cx="3538800" cy="480000"/>
-              </a:xfrm>
-              <a:prstGeom prst="rect">
-                <a:avLst/>
-              </a:prstGeom>
-              <a:noFill/>
-              <a:ln>
-                <a:noFill/>
-              </a:ln>
-            </p:spPr>
-            <p:txBody>
-              <a:bodyPr spcFirstLastPara="1" wrap="square" lIns="121900" tIns="60933" rIns="121900" bIns="60933" anchor="t" anchorCtr="0">
-                <a:noAutofit/>
-              </a:bodyPr>
-              <a:lstStyle/>
-              <a:p>
-                <a:pPr>
-                  <a:lnSpc>
-                    <a:spcPct val="90000"/>
-                  </a:lnSpc>
-                </a:pPr>
-                <a:r>
-                  <a:rPr lang="en" sz="3733" b="1">
-                    <a:solidFill>
-                      <a:srgbClr val="800000"/>
-                    </a:solidFill>
-                  </a:rPr>
-                  <a:t>68%</a:t>
-                </a:r>
-                <a:endParaRPr sz="1867"/>
-              </a:p>
-            </p:txBody>
-          </p:sp>
-        </p:grpSp>
-        <p:grpSp>
-          <p:nvGrpSpPr>
-            <p:cNvPr id="257" name="Google Shape;257;p26"/>
-            <p:cNvGrpSpPr/>
-            <p:nvPr/>
-          </p:nvGrpSpPr>
-          <p:grpSpPr>
-            <a:xfrm>
-              <a:off x="272718" y="3486478"/>
-              <a:ext cx="3538801" cy="671663"/>
-              <a:chOff x="436343" y="2166384"/>
-              <a:chExt cx="3538801" cy="671663"/>
-            </a:xfrm>
-          </p:grpSpPr>
-          <p:sp>
-            <p:nvSpPr>
-              <p:cNvPr id="258" name="Google Shape;258;p26"/>
-              <p:cNvSpPr/>
-              <p:nvPr/>
-            </p:nvSpPr>
-            <p:spPr>
-              <a:xfrm>
-                <a:off x="436343" y="2579447"/>
-                <a:ext cx="2588100" cy="258600"/>
-              </a:xfrm>
-              <a:prstGeom prst="rect">
-                <a:avLst/>
-              </a:prstGeom>
-              <a:noFill/>
-              <a:ln>
-                <a:noFill/>
-              </a:ln>
-            </p:spPr>
-            <p:txBody>
-              <a:bodyPr spcFirstLastPara="1" wrap="square" lIns="121900" tIns="60933" rIns="121900" bIns="60933" anchor="t" anchorCtr="0">
-                <a:noAutofit/>
-              </a:bodyPr>
-              <a:lstStyle/>
-              <a:p>
-                <a:pPr>
-                  <a:lnSpc>
-                    <a:spcPct val="90000"/>
-                  </a:lnSpc>
-                </a:pPr>
-                <a:r>
-                  <a:rPr lang="en" sz="1600">
-                    <a:solidFill>
-                      <a:schemeClr val="dk1"/>
-                    </a:solidFill>
-                  </a:rPr>
-                  <a:t>suffer from chronic health problems</a:t>
-                </a:r>
-                <a:endParaRPr sz="1867"/>
-              </a:p>
-            </p:txBody>
-          </p:sp>
-          <p:sp>
-            <p:nvSpPr>
-              <p:cNvPr id="259" name="Google Shape;259;p26"/>
-              <p:cNvSpPr/>
-              <p:nvPr/>
-            </p:nvSpPr>
-            <p:spPr>
-              <a:xfrm>
-                <a:off x="436344" y="2166384"/>
-                <a:ext cx="3538800" cy="480000"/>
-              </a:xfrm>
-              <a:prstGeom prst="rect">
-                <a:avLst/>
-              </a:prstGeom>
-              <a:noFill/>
-              <a:ln>
-                <a:noFill/>
-              </a:ln>
-            </p:spPr>
-            <p:txBody>
-              <a:bodyPr spcFirstLastPara="1" wrap="square" lIns="121900" tIns="60933" rIns="121900" bIns="60933" anchor="t" anchorCtr="0">
-                <a:noAutofit/>
-              </a:bodyPr>
-              <a:lstStyle/>
-              <a:p>
-                <a:pPr>
-                  <a:lnSpc>
-                    <a:spcPct val="90000"/>
-                  </a:lnSpc>
-                </a:pPr>
-                <a:r>
-                  <a:rPr lang="en" sz="3733" b="1">
-                    <a:solidFill>
-                      <a:srgbClr val="800000"/>
-                    </a:solidFill>
-                  </a:rPr>
-                  <a:t>44%</a:t>
-                </a:r>
-                <a:endParaRPr sz="1867"/>
-              </a:p>
-            </p:txBody>
-          </p:sp>
-        </p:grpSp>
-      </p:grpSp>
-      <p:sp>
-        <p:nvSpPr>
-          <p:cNvPr id="260" name="Google Shape;260;p26"/>
-          <p:cNvSpPr/>
-          <p:nvPr/>
-        </p:nvSpPr>
-        <p:spPr>
-          <a:xfrm>
-            <a:off x="5182933" y="1098533"/>
-            <a:ext cx="6821600" cy="4991200"/>
-          </a:xfrm>
-          <a:prstGeom prst="rect">
-            <a:avLst/>
-          </a:prstGeom>
-          <a:solidFill>
-            <a:schemeClr val="lt1">
-              <a:alpha val="69800"/>
-            </a:schemeClr>
-          </a:solidFill>
-          <a:ln>
-            <a:noFill/>
-          </a:ln>
-        </p:spPr>
-        <p:txBody>
-          <a:bodyPr spcFirstLastPara="1" wrap="square" lIns="121900" tIns="60933" rIns="121900" bIns="60933" anchor="ctr" anchorCtr="0">
-            <a:noAutofit/>
-          </a:bodyPr>
-          <a:lstStyle/>
-          <a:p>
-            <a:pPr algn="ctr"/>
-            <a:endParaRPr sz="2400">
-              <a:solidFill>
-                <a:schemeClr val="lt1"/>
-              </a:solidFill>
-              <a:latin typeface="Calibri"/>
-              <a:ea typeface="Calibri"/>
-              <a:cs typeface="Calibri"/>
-              <a:sym typeface="Calibri"/>
-            </a:endParaRPr>
-          </a:p>
-        </p:txBody>
-      </p:sp>
-      <p:sp>
-        <p:nvSpPr>
-          <p:cNvPr id="261" name="Google Shape;261;p26"/>
-          <p:cNvSpPr/>
-          <p:nvPr/>
-        </p:nvSpPr>
-        <p:spPr>
-          <a:xfrm>
-            <a:off x="-74620" y="-91265"/>
-            <a:ext cx="9871600" cy="492400"/>
-          </a:xfrm>
-          <a:prstGeom prst="rect">
-            <a:avLst/>
-          </a:prstGeom>
-          <a:noFill/>
-          <a:ln>
-            <a:noFill/>
-          </a:ln>
-        </p:spPr>
-        <p:txBody>
-          <a:bodyPr spcFirstLastPara="1" wrap="square" lIns="121900" tIns="60933" rIns="121900" bIns="60933" anchor="t" anchorCtr="0">
-            <a:noAutofit/>
-          </a:bodyPr>
-          <a:lstStyle/>
-          <a:p>
-            <a:r>
-              <a:rPr lang="en" sz="2400" b="1">
-                <a:solidFill>
-                  <a:srgbClr val="3F3F3F"/>
-                </a:solidFill>
-                <a:latin typeface="Calibri"/>
-                <a:ea typeface="Calibri"/>
-                <a:cs typeface="Calibri"/>
-                <a:sym typeface="Calibri"/>
-              </a:rPr>
-              <a:t>Reducing number of people going to Jail  (Johnson County, KS)</a:t>
-            </a:r>
-            <a:endParaRPr sz="1867"/>
-          </a:p>
-        </p:txBody>
-      </p:sp>
-      <p:sp>
-        <p:nvSpPr>
-          <p:cNvPr id="262" name="Google Shape;262;p26"/>
-          <p:cNvSpPr/>
-          <p:nvPr/>
-        </p:nvSpPr>
-        <p:spPr>
-          <a:xfrm>
-            <a:off x="-74620" y="346561"/>
-            <a:ext cx="12746400" cy="410400"/>
-          </a:xfrm>
-          <a:prstGeom prst="rect">
-            <a:avLst/>
-          </a:prstGeom>
-          <a:noFill/>
-          <a:ln>
-            <a:noFill/>
-          </a:ln>
-        </p:spPr>
-        <p:txBody>
-          <a:bodyPr spcFirstLastPara="1" wrap="square" lIns="121900" tIns="60933" rIns="121900" bIns="60933" anchor="t" anchorCtr="0">
-            <a:noAutofit/>
-          </a:bodyPr>
-          <a:lstStyle/>
-          <a:p>
-            <a:r>
-              <a:rPr lang="en" sz="1867" b="1" i="1">
-                <a:solidFill>
-                  <a:srgbClr val="3F3F3F"/>
-                </a:solidFill>
-                <a:latin typeface="Calibri"/>
-                <a:ea typeface="Calibri"/>
-                <a:cs typeface="Calibri"/>
-                <a:sym typeface="Calibri"/>
-              </a:rPr>
-              <a:t>Reducing Incarceration through Prioritized Interventions. Bauman et. Al. ACM COMPASS 2018</a:t>
-            </a:r>
-            <a:endParaRPr sz="1867" b="1">
-              <a:solidFill>
-                <a:srgbClr val="3F3F3F"/>
-              </a:solidFill>
-              <a:latin typeface="Calibri"/>
-              <a:ea typeface="Calibri"/>
-              <a:cs typeface="Calibri"/>
-              <a:sym typeface="Calibri"/>
-            </a:endParaRPr>
-          </a:p>
-        </p:txBody>
-      </p:sp>
-      <p:sp>
-        <p:nvSpPr>
-          <p:cNvPr id="263" name="Google Shape;263;p26"/>
-          <p:cNvSpPr/>
-          <p:nvPr/>
-        </p:nvSpPr>
-        <p:spPr>
-          <a:xfrm>
-            <a:off x="5545801" y="2569833"/>
-            <a:ext cx="1316400" cy="1173600"/>
-          </a:xfrm>
-          <a:prstGeom prst="rect">
-            <a:avLst/>
-          </a:prstGeom>
-          <a:solidFill>
-            <a:schemeClr val="lt2"/>
-          </a:solidFill>
-          <a:ln w="9525" cap="flat" cmpd="sng">
-            <a:solidFill>
-              <a:srgbClr val="800000"/>
-            </a:solidFill>
-            <a:prstDash val="solid"/>
-            <a:round/>
-            <a:headEnd type="none" w="sm" len="sm"/>
-            <a:tailEnd type="none" w="sm" len="sm"/>
-          </a:ln>
-        </p:spPr>
-        <p:txBody>
-          <a:bodyPr spcFirstLastPara="1" wrap="square" lIns="121900" tIns="121900" rIns="121900" bIns="121900" anchor="ctr" anchorCtr="0">
-            <a:noAutofit/>
-          </a:bodyPr>
-          <a:lstStyle/>
-          <a:p>
-            <a:pPr algn="ctr"/>
-            <a:r>
-              <a:rPr lang="en" sz="1867">
-                <a:latin typeface="Century Gothic"/>
-                <a:ea typeface="Century Gothic"/>
-                <a:cs typeface="Century Gothic"/>
-                <a:sym typeface="Century Gothic"/>
-              </a:rPr>
-              <a:t>UNMET</a:t>
-            </a:r>
-            <a:endParaRPr sz="1867">
-              <a:latin typeface="Century Gothic"/>
-              <a:ea typeface="Century Gothic"/>
-              <a:cs typeface="Century Gothic"/>
-              <a:sym typeface="Century Gothic"/>
-            </a:endParaRPr>
-          </a:p>
-          <a:p>
-            <a:pPr algn="ctr"/>
-            <a:r>
-              <a:rPr lang="en" sz="1867">
-                <a:latin typeface="Century Gothic"/>
-                <a:ea typeface="Century Gothic"/>
-                <a:cs typeface="Century Gothic"/>
-                <a:sym typeface="Century Gothic"/>
-              </a:rPr>
-              <a:t>NEEDS</a:t>
-            </a:r>
-            <a:endParaRPr sz="1867">
-              <a:latin typeface="Century Gothic"/>
-              <a:ea typeface="Century Gothic"/>
-              <a:cs typeface="Century Gothic"/>
-              <a:sym typeface="Century Gothic"/>
-            </a:endParaRPr>
-          </a:p>
-        </p:txBody>
-      </p:sp>
-      <p:sp>
-        <p:nvSpPr>
-          <p:cNvPr id="264" name="Google Shape;264;p26"/>
-          <p:cNvSpPr/>
-          <p:nvPr/>
-        </p:nvSpPr>
-        <p:spPr>
-          <a:xfrm>
-            <a:off x="7935527" y="2569833"/>
-            <a:ext cx="1316400" cy="1173600"/>
-          </a:xfrm>
-          <a:prstGeom prst="rect">
-            <a:avLst/>
-          </a:prstGeom>
-          <a:solidFill>
-            <a:schemeClr val="lt2"/>
-          </a:solidFill>
-          <a:ln w="9525" cap="flat" cmpd="sng">
-            <a:solidFill>
-              <a:srgbClr val="800000"/>
-            </a:solidFill>
-            <a:prstDash val="solid"/>
-            <a:round/>
-            <a:headEnd type="none" w="sm" len="sm"/>
-            <a:tailEnd type="none" w="sm" len="sm"/>
-          </a:ln>
-        </p:spPr>
-        <p:txBody>
-          <a:bodyPr spcFirstLastPara="1" wrap="square" lIns="121900" tIns="121900" rIns="121900" bIns="121900" anchor="ctr" anchorCtr="0">
-            <a:noAutofit/>
-          </a:bodyPr>
-          <a:lstStyle/>
-          <a:p>
-            <a:pPr algn="ctr"/>
-            <a:r>
-              <a:rPr lang="en" sz="1867">
-                <a:latin typeface="Century Gothic"/>
-                <a:ea typeface="Century Gothic"/>
-                <a:cs typeface="Century Gothic"/>
-                <a:sym typeface="Century Gothic"/>
-              </a:rPr>
-              <a:t>ARREST</a:t>
-            </a:r>
-            <a:endParaRPr sz="1867">
-              <a:latin typeface="Century Gothic"/>
-              <a:ea typeface="Century Gothic"/>
-              <a:cs typeface="Century Gothic"/>
-              <a:sym typeface="Century Gothic"/>
-            </a:endParaRPr>
-          </a:p>
-        </p:txBody>
-      </p:sp>
-      <p:sp>
-        <p:nvSpPr>
-          <p:cNvPr id="265" name="Google Shape;265;p26"/>
-          <p:cNvSpPr/>
-          <p:nvPr/>
-        </p:nvSpPr>
-        <p:spPr>
-          <a:xfrm>
-            <a:off x="10325252" y="2569833"/>
-            <a:ext cx="1316400" cy="1173600"/>
-          </a:xfrm>
-          <a:prstGeom prst="rect">
-            <a:avLst/>
-          </a:prstGeom>
-          <a:solidFill>
-            <a:schemeClr val="lt2"/>
-          </a:solidFill>
-          <a:ln w="9525" cap="flat" cmpd="sng">
-            <a:solidFill>
-              <a:srgbClr val="800000"/>
-            </a:solidFill>
-            <a:prstDash val="solid"/>
-            <a:round/>
-            <a:headEnd type="none" w="sm" len="sm"/>
-            <a:tailEnd type="none" w="sm" len="sm"/>
-          </a:ln>
-        </p:spPr>
-        <p:txBody>
-          <a:bodyPr spcFirstLastPara="1" wrap="square" lIns="121900" tIns="121900" rIns="121900" bIns="121900" anchor="ctr" anchorCtr="0">
-            <a:noAutofit/>
-          </a:bodyPr>
-          <a:lstStyle/>
-          <a:p>
-            <a:pPr algn="ctr"/>
-            <a:r>
-              <a:rPr lang="en" sz="1867">
-                <a:latin typeface="Century Gothic"/>
-                <a:ea typeface="Century Gothic"/>
-                <a:cs typeface="Century Gothic"/>
-                <a:sym typeface="Century Gothic"/>
-              </a:rPr>
-              <a:t>JAIL</a:t>
-            </a:r>
-            <a:endParaRPr sz="1867">
-              <a:latin typeface="Century Gothic"/>
-              <a:ea typeface="Century Gothic"/>
-              <a:cs typeface="Century Gothic"/>
-              <a:sym typeface="Century Gothic"/>
-            </a:endParaRPr>
-          </a:p>
-        </p:txBody>
-      </p:sp>
-      <p:cxnSp>
-        <p:nvCxnSpPr>
-          <p:cNvPr id="266" name="Google Shape;266;p26"/>
-          <p:cNvCxnSpPr>
-            <a:stCxn id="263" idx="3"/>
-            <a:endCxn id="264" idx="1"/>
-          </p:cNvCxnSpPr>
-          <p:nvPr/>
-        </p:nvCxnSpPr>
-        <p:spPr>
-          <a:xfrm>
-            <a:off x="6862201" y="3156633"/>
-            <a:ext cx="1073200" cy="0"/>
-          </a:xfrm>
-          <a:prstGeom prst="straightConnector1">
-            <a:avLst/>
-          </a:prstGeom>
-          <a:noFill/>
-          <a:ln w="38100" cap="flat" cmpd="sng">
-            <a:solidFill>
-              <a:srgbClr val="000000"/>
-            </a:solidFill>
-            <a:prstDash val="solid"/>
-            <a:round/>
-            <a:headEnd type="none" w="med" len="med"/>
-            <a:tailEnd type="triangle" w="med" len="med"/>
-          </a:ln>
-        </p:spPr>
-      </p:cxnSp>
-      <p:cxnSp>
-        <p:nvCxnSpPr>
-          <p:cNvPr id="267" name="Google Shape;267;p26"/>
-          <p:cNvCxnSpPr>
-            <a:stCxn id="264" idx="3"/>
-            <a:endCxn id="265" idx="1"/>
-          </p:cNvCxnSpPr>
-          <p:nvPr/>
-        </p:nvCxnSpPr>
-        <p:spPr>
-          <a:xfrm>
-            <a:off x="9251927" y="3156633"/>
-            <a:ext cx="1073200" cy="0"/>
-          </a:xfrm>
-          <a:prstGeom prst="straightConnector1">
-            <a:avLst/>
-          </a:prstGeom>
-          <a:noFill/>
-          <a:ln w="38100" cap="flat" cmpd="sng">
-            <a:solidFill>
-              <a:srgbClr val="000000"/>
-            </a:solidFill>
-            <a:prstDash val="solid"/>
-            <a:round/>
-            <a:headEnd type="none" w="med" len="med"/>
-            <a:tailEnd type="triangle" w="med" len="med"/>
-          </a:ln>
-        </p:spPr>
-      </p:cxnSp>
-      <p:cxnSp>
-        <p:nvCxnSpPr>
-          <p:cNvPr id="268" name="Google Shape;268;p26"/>
-          <p:cNvCxnSpPr>
-            <a:stCxn id="265" idx="2"/>
-            <a:endCxn id="263" idx="2"/>
-          </p:cNvCxnSpPr>
-          <p:nvPr/>
-        </p:nvCxnSpPr>
-        <p:spPr>
-          <a:xfrm rot="5400000">
-            <a:off x="8593252" y="1354033"/>
-            <a:ext cx="800" cy="4779600"/>
-          </a:xfrm>
-          <a:prstGeom prst="curvedConnector3">
-            <a:avLst>
-              <a:gd name="adj1" fmla="val 95704167"/>
-            </a:avLst>
-          </a:prstGeom>
-          <a:noFill/>
-          <a:ln w="38100" cap="flat" cmpd="sng">
-            <a:solidFill>
-              <a:srgbClr val="000000"/>
-            </a:solidFill>
-            <a:prstDash val="solid"/>
-            <a:round/>
-            <a:headEnd type="none" w="med" len="med"/>
-            <a:tailEnd type="triangle" w="med" len="med"/>
-          </a:ln>
-        </p:spPr>
-      </p:cxnSp>
-      <p:sp>
-        <p:nvSpPr>
-          <p:cNvPr id="269" name="Google Shape;269;p26"/>
-          <p:cNvSpPr txBox="1"/>
-          <p:nvPr/>
-        </p:nvSpPr>
-        <p:spPr>
-          <a:xfrm>
-            <a:off x="7257865" y="4533767"/>
-            <a:ext cx="2618800" cy="573600"/>
-          </a:xfrm>
-          <a:prstGeom prst="rect">
-            <a:avLst/>
-          </a:prstGeom>
-          <a:noFill/>
-          <a:ln>
-            <a:noFill/>
-          </a:ln>
-        </p:spPr>
-        <p:txBody>
-          <a:bodyPr spcFirstLastPara="1" wrap="square" lIns="121900" tIns="121900" rIns="121900" bIns="121900" anchor="t" anchorCtr="0">
-            <a:noAutofit/>
-          </a:bodyPr>
-          <a:lstStyle/>
-          <a:p>
-            <a:pPr algn="ctr"/>
-            <a:r>
-              <a:rPr lang="en" sz="1867">
-                <a:latin typeface="Century Gothic"/>
-                <a:ea typeface="Century Gothic"/>
-                <a:cs typeface="Century Gothic"/>
-                <a:sym typeface="Century Gothic"/>
-              </a:rPr>
-              <a:t>worsening or failing to improve</a:t>
-            </a:r>
-            <a:endParaRPr sz="1867">
-              <a:latin typeface="Century Gothic"/>
-              <a:ea typeface="Century Gothic"/>
-              <a:cs typeface="Century Gothic"/>
-              <a:sym typeface="Century Gothic"/>
-            </a:endParaRPr>
-          </a:p>
-        </p:txBody>
-      </p:sp>
-      <p:sp>
-        <p:nvSpPr>
-          <p:cNvPr id="270" name="Google Shape;270;p26"/>
-          <p:cNvSpPr/>
-          <p:nvPr/>
-        </p:nvSpPr>
-        <p:spPr>
-          <a:xfrm>
-            <a:off x="5868733" y="1357284"/>
-            <a:ext cx="5450000" cy="640000"/>
-          </a:xfrm>
-          <a:prstGeom prst="rect">
-            <a:avLst/>
-          </a:prstGeom>
-          <a:noFill/>
-          <a:ln>
-            <a:noFill/>
-          </a:ln>
-        </p:spPr>
-        <p:txBody>
-          <a:bodyPr spcFirstLastPara="1" wrap="square" lIns="121900" tIns="60933" rIns="121900" bIns="60933" anchor="t" anchorCtr="0">
-            <a:noAutofit/>
-          </a:bodyPr>
-          <a:lstStyle/>
-          <a:p>
-            <a:pPr algn="ctr">
-              <a:lnSpc>
-                <a:spcPct val="90000"/>
-              </a:lnSpc>
-            </a:pPr>
-            <a:r>
-              <a:rPr lang="en" sz="3733">
-                <a:solidFill>
-                  <a:srgbClr val="800000"/>
-                </a:solidFill>
-              </a:rPr>
-              <a:t>Cycle of Incarceration</a:t>
-            </a:r>
-            <a:endParaRPr sz="1867"/>
-          </a:p>
-        </p:txBody>
-      </p:sp>
-    </p:spTree>
-  </p:cSld>
-  <p:clrMapOvr>
-    <a:masterClrMapping/>
-  </p:clrMapOvr>
-</p:sld>
-</file>
-
-<file path=ppt/slides/slide23.xml><?xml version="1.0" encoding="utf-8"?>
-<p:sld xmlns:a="http://schemas.openxmlformats.org/drawingml/2006/main" xmlns:r="http://schemas.openxmlformats.org/officeDocument/2006/relationships" xmlns:p="http://schemas.openxmlformats.org/presentationml/2006/main">
-  <p:cSld>
-    <p:spTree>
-      <p:nvGrpSpPr>
-        <p:cNvPr id="1" name=""/>
-        <p:cNvGrpSpPr/>
-        <p:nvPr/>
-      </p:nvGrpSpPr>
-      <p:grpSpPr>
-        <a:xfrm>
-          <a:off x="0" y="0"/>
-          <a:ext cx="0" cy="0"/>
-          <a:chOff x="0" y="0"/>
-          <a:chExt cx="0" cy="0"/>
-        </a:xfrm>
-      </p:grpSpPr>
-      <p:sp>
-        <p:nvSpPr>
-          <p:cNvPr id="3" name="Title 2">
-            <a:extLst>
-              <a:ext uri="{FF2B5EF4-FFF2-40B4-BE49-F238E27FC236}">
-                <a16:creationId xmlns:a16="http://schemas.microsoft.com/office/drawing/2014/main" id="{9323871C-7CA8-1448-8FFC-1AE6E1838941}"/>
+                <a16:creationId xmlns:a16="http://schemas.microsoft.com/office/drawing/2014/main" id="{C433C44B-9CD1-E54C-BEDE-3018CFE1A62F}"/>
               </a:ext>
             </a:extLst>
           </p:cNvPr>
@@ -14625,17 +14649,17 @@
           <a:p>
             <a:r>
               <a:rPr lang="en-US" dirty="0"/>
-              <a:t>Things to remember</a:t>
+              <a:t>What do we want you to use this time for?</a:t>
             </a:r>
           </a:p>
         </p:txBody>
       </p:sp>
       <p:sp>
         <p:nvSpPr>
-          <p:cNvPr id="4" name="Text Placeholder 3">
+          <p:cNvPr id="3" name="Text Placeholder 2">
             <a:extLst>
               <a:ext uri="{FF2B5EF4-FFF2-40B4-BE49-F238E27FC236}">
-                <a16:creationId xmlns:a16="http://schemas.microsoft.com/office/drawing/2014/main" id="{5E600BA7-FA45-884F-9820-9E5F2CB7AA48}"/>
+                <a16:creationId xmlns:a16="http://schemas.microsoft.com/office/drawing/2014/main" id="{306939D4-1B3B-C04C-AFE6-D7C738B5CC7F}"/>
               </a:ext>
             </a:extLst>
           </p:cNvPr>
@@ -14651,87 +14675,47 @@
           <a:bodyPr/>
           <a:lstStyle/>
           <a:p>
+            <a:pPr>
+              <a:lnSpc>
+                <a:spcPct val="150000"/>
+              </a:lnSpc>
+            </a:pPr>
             <a:r>
-              <a:rPr lang="en-US" b="1" dirty="0"/>
-              <a:t>Let us know if you can’t access your project data or </a:t>
+              <a:rPr lang="en-US" sz="2800" dirty="0"/>
+              <a:t>Get to know each other</a:t>
             </a:r>
-            <a:r>
-              <a:rPr lang="en-US" b="1" dirty="0" err="1"/>
-              <a:t>github</a:t>
-            </a:r>
-            <a:r>
-              <a:rPr lang="en-US" b="1" dirty="0"/>
-              <a:t> repo</a:t>
-            </a:r>
-            <a:br>
-              <a:rPr lang="en-US" b="1" dirty="0"/>
-            </a:br>
-            <a:endParaRPr lang="en-US" b="1" dirty="0"/>
-          </a:p>
-          <a:p>
-            <a:r>
-              <a:rPr lang="en-US" dirty="0"/>
-              <a:t>Wednesday session tomorrow: </a:t>
-            </a:r>
-            <a:r>
-              <a:rPr lang="en-US" dirty="0" err="1"/>
-              <a:t>Github</a:t>
-            </a:r>
-            <a:br>
-              <a:rPr lang="en-US" dirty="0"/>
-            </a:br>
-            <a:endParaRPr lang="en-US" dirty="0"/>
           </a:p>
           <a:p>
             <a:pPr>
               <a:lnSpc>
-                <a:spcPct val="100000"/>
+                <a:spcPct val="150000"/>
               </a:lnSpc>
-              <a:spcBef>
-                <a:spcPts val="500"/>
-              </a:spcBef>
             </a:pPr>
             <a:r>
-              <a:rPr lang="en-US" dirty="0"/>
-              <a:t>Readings for Thursday</a:t>
+              <a:rPr lang="en-US" sz="2800" dirty="0"/>
+              <a:t>Discuss how you’re going to work together</a:t>
             </a:r>
-            <a:br>
-              <a:rPr lang="en-US" dirty="0"/>
-            </a:br>
-            <a:endParaRPr lang="en-US" dirty="0"/>
           </a:p>
           <a:p>
+            <a:pPr>
+              <a:lnSpc>
+                <a:spcPct val="150000"/>
+              </a:lnSpc>
+            </a:pPr>
             <a:r>
-              <a:rPr lang="en-US" dirty="0"/>
-              <a:t>Make sure to read </a:t>
+              <a:rPr lang="en-US" sz="2800" dirty="0"/>
+              <a:t>Schedule times to work on the project proposal over the next week and a half</a:t>
             </a:r>
+          </a:p>
+          <a:p>
+            <a:pPr>
+              <a:lnSpc>
+                <a:spcPct val="150000"/>
+              </a:lnSpc>
+            </a:pPr>
             <a:r>
-              <a:rPr lang="en-US" b="1" dirty="0">
-                <a:solidFill>
-                  <a:srgbClr val="C00000"/>
-                </a:solidFill>
-              </a:rPr>
-              <a:t>project proposal</a:t>
-            </a:r>
-            <a:r>
-              <a:rPr lang="en-US" b="1" dirty="0"/>
-              <a:t> </a:t>
-            </a:r>
-            <a:r>
-              <a:rPr lang="en-US" dirty="0"/>
-              <a:t>assignment on canvas (due </a:t>
-            </a:r>
-            <a:r>
-              <a:rPr lang="en-US" b="1" dirty="0">
-                <a:solidFill>
-                  <a:srgbClr val="C00000"/>
-                </a:solidFill>
-              </a:rPr>
-              <a:t>next Friday</a:t>
-            </a:r>
-            <a:r>
-              <a:rPr lang="en-US" dirty="0"/>
-              <a:t>)</a:t>
+              <a:rPr lang="en-US" sz="2800" dirty="0"/>
+              <a:t>Spend some time starting to explore your project data</a:t>
             </a:r>
           </a:p>
         </p:txBody>
@@ -14739,7 +14723,7 @@
     </p:spTree>
     <p:extLst>
       <p:ext uri="{BB962C8B-B14F-4D97-AF65-F5344CB8AC3E}">
-        <p14:creationId xmlns:p14="http://schemas.microsoft.com/office/powerpoint/2010/main" val="1112557824"/>
+        <p14:creationId xmlns:p14="http://schemas.microsoft.com/office/powerpoint/2010/main" val="4248997981"/>
       </p:ext>
     </p:extLst>
   </p:cSld>
@@ -14749,73 +14733,7 @@
 </p:sld>
 </file>
 
-<file path=ppt/slides/slide24.xml><?xml version="1.0" encoding="utf-8"?>
-<p:sld xmlns:a="http://schemas.openxmlformats.org/drawingml/2006/main" xmlns:r="http://schemas.openxmlformats.org/officeDocument/2006/relationships" xmlns:p="http://schemas.openxmlformats.org/presentationml/2006/main">
-  <p:cSld>
-    <p:spTree>
-      <p:nvGrpSpPr>
-        <p:cNvPr id="1" name=""/>
-        <p:cNvGrpSpPr/>
-        <p:nvPr/>
-      </p:nvGrpSpPr>
-      <p:grpSpPr>
-        <a:xfrm>
-          <a:off x="0" y="0"/>
-          <a:ext cx="0" cy="0"/>
-          <a:chOff x="0" y="0"/>
-          <a:chExt cx="0" cy="0"/>
-        </a:xfrm>
-      </p:grpSpPr>
-      <p:sp>
-        <p:nvSpPr>
-          <p:cNvPr id="4" name="Text Placeholder 3">
-            <a:extLst>
-              <a:ext uri="{FF2B5EF4-FFF2-40B4-BE49-F238E27FC236}">
-                <a16:creationId xmlns:a16="http://schemas.microsoft.com/office/drawing/2014/main" id="{5E600BA7-FA45-884F-9820-9E5F2CB7AA48}"/>
-              </a:ext>
-            </a:extLst>
-          </p:cNvPr>
-          <p:cNvSpPr>
-            <a:spLocks noGrp="1"/>
-          </p:cNvSpPr>
-          <p:nvPr>
-            <p:ph type="body" idx="1"/>
-          </p:nvPr>
-        </p:nvSpPr>
-        <p:spPr>
-          <a:xfrm>
-            <a:off x="415650" y="2724664"/>
-            <a:ext cx="11360700" cy="1408672"/>
-          </a:xfrm>
-        </p:spPr>
-        <p:txBody>
-          <a:bodyPr/>
-          <a:lstStyle/>
-          <a:p>
-            <a:pPr marL="76200" indent="0" algn="ctr">
-              <a:buNone/>
-            </a:pPr>
-            <a:r>
-              <a:rPr lang="en-US" sz="4800" dirty="0"/>
-              <a:t>Project Work: Data Exploration</a:t>
-            </a:r>
-          </a:p>
-        </p:txBody>
-      </p:sp>
-    </p:spTree>
-    <p:extLst>
-      <p:ext uri="{BB962C8B-B14F-4D97-AF65-F5344CB8AC3E}">
-        <p14:creationId xmlns:p14="http://schemas.microsoft.com/office/powerpoint/2010/main" val="1828200330"/>
-      </p:ext>
-    </p:extLst>
-  </p:cSld>
-  <p:clrMapOvr>
-    <a:masterClrMapping/>
-  </p:clrMapOvr>
-</p:sld>
-</file>
-
-<file path=ppt/slides/slide25.xml><?xml version="1.0" encoding="utf-8"?>
+<file path=ppt/slides/slide28.xml><?xml version="1.0" encoding="utf-8"?>
 <p:sld xmlns:a="http://schemas.openxmlformats.org/drawingml/2006/main" xmlns:r="http://schemas.openxmlformats.org/officeDocument/2006/relationships" xmlns:p="http://schemas.openxmlformats.org/presentationml/2006/main">
   <p:cSld>
     <p:spTree>
@@ -15069,7 +14987,27 @@
             </a:pPr>
             <a:r>
               <a:rPr lang="en-US" dirty="0"/>
-              <a:t>Readings for Thursday</a:t>
+              <a:t>Readings for Thursday </a:t>
+            </a:r>
+            <a:r>
+              <a:rPr lang="en-US" sz="2400" dirty="0"/>
+              <a:t>(Obermeyer; </a:t>
+            </a:r>
+            <a:r>
+              <a:rPr lang="en-US" sz="2400" dirty="0" err="1"/>
+              <a:t>Passi</a:t>
+            </a:r>
+            <a:r>
+              <a:rPr lang="en-US" sz="2400" dirty="0"/>
+              <a:t> &amp; </a:t>
+            </a:r>
+            <a:r>
+              <a:rPr lang="en-US" sz="2400" dirty="0" err="1"/>
+              <a:t>Barocas</a:t>
+            </a:r>
+            <a:r>
+              <a:rPr lang="en-US" sz="2400" dirty="0"/>
+              <a:t>)</a:t>
             </a:r>
             <a:br>
               <a:rPr lang="en-US" dirty="0"/>
@@ -15191,24 +15129,6 @@
           <a:bodyPr/>
           <a:lstStyle/>
           <a:p>
-            <a:pPr marL="76200" indent="0">
-              <a:buNone/>
-            </a:pPr>
-            <a:r>
-              <a:rPr lang="en-US" i="1" dirty="0"/>
-              <a:t>Instructor Office Hours (course content, general questions, </a:t>
-            </a:r>
-            <a:r>
-              <a:rPr lang="en-US" i="1" dirty="0" err="1"/>
-              <a:t>etc</a:t>
-            </a:r>
-            <a:r>
-              <a:rPr lang="en-US" i="1" dirty="0"/>
-              <a:t>)</a:t>
-            </a:r>
-            <a:endParaRPr lang="en-US" dirty="0"/>
-          </a:p>
-          <a:p>
             <a:pPr lvl="1"/>
             <a:r>
               <a:rPr lang="en-US" sz="2400" dirty="0" err="1"/>
@@ -15216,30 +15136,14 @@
             </a:r>
             <a:r>
               <a:rPr lang="en-US" sz="2400" dirty="0"/>
-              <a:t> (in GHC 8023): Tuesdays 12-1, Wednesdays 2-3</a:t>
+              <a:t> (in GHC 8023): Thursdays 10:30-11:30, Fridays 12-1</a:t>
             </a:r>
           </a:p>
           <a:p>
             <a:pPr lvl="1"/>
             <a:r>
               <a:rPr lang="en-US" sz="2400" dirty="0"/>
-              <a:t>Kit (in GHC 8018): Wednesdays 11-12, Thursdays 12-1</a:t>
-            </a:r>
-            <a:endParaRPr lang="en-US" dirty="0"/>
-          </a:p>
-          <a:p>
-            <a:pPr marL="76200" indent="0">
-              <a:buNone/>
-            </a:pPr>
-            <a:endParaRPr lang="en-US" i="1" dirty="0"/>
-          </a:p>
-          <a:p>
-            <a:pPr marL="76200" indent="0">
-              <a:buNone/>
-            </a:pPr>
-            <a:r>
-              <a:rPr lang="en-US" i="1" dirty="0"/>
-              <a:t>Infrastructure and Tech Setup Office Hours with the TAs:</a:t>
+              <a:t>Kit (in GHC 8018): Tuesdays 10:30-11:30, Thursdays 1-2</a:t>
             </a:r>
             <a:endParaRPr lang="en-US" dirty="0"/>
           </a:p>
@@ -15247,14 +15151,7 @@
             <a:pPr lvl="1"/>
             <a:r>
               <a:rPr lang="en-US" sz="2400" dirty="0"/>
-              <a:t>Riyaz (8th floor GHC, by printers): Mondays 12-1, Fridays 10-11</a:t>
-            </a:r>
-          </a:p>
-          <a:p>
-            <a:pPr lvl="1"/>
-            <a:r>
-              <a:rPr lang="en-US" sz="2400" dirty="0"/>
-              <a:t>Abhishek (8th floor GHC, by printers): Mondays 11-12, Fridays 2-3</a:t>
+              <a:t>Ryan: Mondays 4-5 (Zoom), Fridays 1-2 (GHC 8228)</a:t>
             </a:r>
             <a:endParaRPr lang="en-US" dirty="0"/>
           </a:p>
@@ -15281,6 +15178,109 @@
 
 <file path=ppt/slides/slide5.xml><?xml version="1.0" encoding="utf-8"?>
 <p:sld xmlns:a="http://schemas.openxmlformats.org/drawingml/2006/main" xmlns:r="http://schemas.openxmlformats.org/officeDocument/2006/relationships" xmlns:p="http://schemas.openxmlformats.org/presentationml/2006/main">
+  <p:cSld>
+    <p:spTree>
+      <p:nvGrpSpPr>
+        <p:cNvPr id="1" name=""/>
+        <p:cNvGrpSpPr/>
+        <p:nvPr/>
+      </p:nvGrpSpPr>
+      <p:grpSpPr>
+        <a:xfrm>
+          <a:off x="0" y="0"/>
+          <a:ext cx="0" cy="0"/>
+          <a:chOff x="0" y="0"/>
+          <a:chExt cx="0" cy="0"/>
+        </a:xfrm>
+      </p:grpSpPr>
+      <p:sp>
+        <p:nvSpPr>
+          <p:cNvPr id="4" name="Text Placeholder 3">
+            <a:extLst>
+              <a:ext uri="{FF2B5EF4-FFF2-40B4-BE49-F238E27FC236}">
+                <a16:creationId xmlns:a16="http://schemas.microsoft.com/office/drawing/2014/main" id="{5E600BA7-FA45-884F-9820-9E5F2CB7AA48}"/>
+              </a:ext>
+            </a:extLst>
+          </p:cNvPr>
+          <p:cNvSpPr>
+            <a:spLocks noGrp="1"/>
+          </p:cNvSpPr>
+          <p:nvPr>
+            <p:ph type="body" idx="1"/>
+          </p:nvPr>
+        </p:nvSpPr>
+        <p:spPr>
+          <a:xfrm>
+            <a:off x="415650" y="1686696"/>
+            <a:ext cx="11360700" cy="1408672"/>
+          </a:xfrm>
+        </p:spPr>
+        <p:txBody>
+          <a:bodyPr/>
+          <a:lstStyle/>
+          <a:p>
+            <a:pPr marL="76200" indent="0" algn="ctr">
+              <a:buNone/>
+            </a:pPr>
+            <a:r>
+              <a:rPr lang="en-US" sz="4800" dirty="0"/>
+              <a:t>Quick Poll:</a:t>
+            </a:r>
+          </a:p>
+          <a:p>
+            <a:pPr marL="76200" indent="0" algn="ctr">
+              <a:buNone/>
+            </a:pPr>
+            <a:r>
+              <a:rPr lang="en-US" sz="4800" dirty="0"/>
+              <a:t>Have you already accessed </a:t>
+            </a:r>
+          </a:p>
+          <a:p>
+            <a:pPr marL="76200" indent="0" algn="ctr">
+              <a:buNone/>
+            </a:pPr>
+            <a:r>
+              <a:rPr lang="en-US" sz="4800" dirty="0"/>
+              <a:t>your project data?</a:t>
+            </a:r>
+          </a:p>
+          <a:p>
+            <a:pPr marL="76200" indent="0" algn="ctr">
+              <a:buNone/>
+            </a:pPr>
+            <a:endParaRPr lang="en-US" sz="4800" dirty="0"/>
+          </a:p>
+          <a:p>
+            <a:pPr marL="76200" indent="0" algn="ctr">
+              <a:buNone/>
+            </a:pPr>
+            <a:r>
+              <a:rPr lang="en-US" sz="4800" dirty="0" err="1"/>
+              <a:t>slido.com</a:t>
+            </a:r>
+            <a:r>
+              <a:rPr lang="en-US" sz="4800" dirty="0"/>
+              <a:t>    #94889</a:t>
+            </a:r>
+          </a:p>
+        </p:txBody>
+      </p:sp>
+    </p:spTree>
+    <p:extLst>
+      <p:ext uri="{BB962C8B-B14F-4D97-AF65-F5344CB8AC3E}">
+        <p14:creationId xmlns:p14="http://schemas.microsoft.com/office/powerpoint/2010/main" val="3155436632"/>
+      </p:ext>
+    </p:extLst>
+  </p:cSld>
+  <p:clrMapOvr>
+    <a:masterClrMapping/>
+  </p:clrMapOvr>
+</p:sld>
+</file>
+
+<file path=ppt/slides/slide6.xml><?xml version="1.0" encoding="utf-8"?>
+<p:sld xmlns:a="http://schemas.openxmlformats.org/drawingml/2006/main" xmlns:r="http://schemas.openxmlformats.org/officeDocument/2006/relationships" xmlns:p="http://schemas.openxmlformats.org/presentationml/2006/main" show="0">
   <p:cSld>
     <p:spTree>
       <p:nvGrpSpPr>
@@ -15402,8 +15402,8 @@
 </p:sld>
 </file>
 
-<file path=ppt/slides/slide6.xml><?xml version="1.0" encoding="utf-8"?>
-<p:sld xmlns:a="http://schemas.openxmlformats.org/drawingml/2006/main" xmlns:r="http://schemas.openxmlformats.org/officeDocument/2006/relationships" xmlns:p="http://schemas.openxmlformats.org/presentationml/2006/main">
+<file path=ppt/slides/slide7.xml><?xml version="1.0" encoding="utf-8"?>
+<p:sld xmlns:a="http://schemas.openxmlformats.org/drawingml/2006/main" xmlns:r="http://schemas.openxmlformats.org/officeDocument/2006/relationships" xmlns:p="http://schemas.openxmlformats.org/presentationml/2006/main" show="0">
   <p:cSld>
     <p:spTree>
       <p:nvGrpSpPr>
@@ -15468,8 +15468,8 @@
 </p:sld>
 </file>
 
-<file path=ppt/slides/slide7.xml><?xml version="1.0" encoding="utf-8"?>
-<p:sld xmlns:a="http://schemas.openxmlformats.org/drawingml/2006/main" xmlns:r="http://schemas.openxmlformats.org/officeDocument/2006/relationships" xmlns:p="http://schemas.openxmlformats.org/presentationml/2006/main">
+<file path=ppt/slides/slide8.xml><?xml version="1.0" encoding="utf-8"?>
+<p:sld xmlns:a="http://schemas.openxmlformats.org/drawingml/2006/main" xmlns:r="http://schemas.openxmlformats.org/officeDocument/2006/relationships" xmlns:p="http://schemas.openxmlformats.org/presentationml/2006/main" show="0">
   <p:cSld>
     <p:spTree>
       <p:nvGrpSpPr>
@@ -15626,8 +15626,8 @@
 </p:sld>
 </file>
 
-<file path=ppt/slides/slide8.xml><?xml version="1.0" encoding="utf-8"?>
-<p:sld xmlns:a="http://schemas.openxmlformats.org/drawingml/2006/main" xmlns:r="http://schemas.openxmlformats.org/officeDocument/2006/relationships" xmlns:p="http://schemas.openxmlformats.org/presentationml/2006/main">
+<file path=ppt/slides/slide9.xml><?xml version="1.0" encoding="utf-8"?>
+<p:sld xmlns:a="http://schemas.openxmlformats.org/drawingml/2006/main" xmlns:r="http://schemas.openxmlformats.org/officeDocument/2006/relationships" xmlns:p="http://schemas.openxmlformats.org/presentationml/2006/main" show="0">
   <p:cSld>
     <p:spTree>
       <p:nvGrpSpPr>
@@ -15754,120 +15754,6 @@
     <p:extLst>
       <p:ext uri="{BB962C8B-B14F-4D97-AF65-F5344CB8AC3E}">
         <p14:creationId xmlns:p14="http://schemas.microsoft.com/office/powerpoint/2010/main" val="2143740766"/>
-      </p:ext>
-    </p:extLst>
-  </p:cSld>
-  <p:clrMapOvr>
-    <a:masterClrMapping/>
-  </p:clrMapOvr>
-</p:sld>
-</file>
-
-<file path=ppt/slides/slide9.xml><?xml version="1.0" encoding="utf-8"?>
-<p:sld xmlns:a="http://schemas.openxmlformats.org/drawingml/2006/main" xmlns:r="http://schemas.openxmlformats.org/officeDocument/2006/relationships" xmlns:p="http://schemas.openxmlformats.org/presentationml/2006/main">
-  <p:cSld>
-    <p:spTree>
-      <p:nvGrpSpPr>
-        <p:cNvPr id="1" name=""/>
-        <p:cNvGrpSpPr/>
-        <p:nvPr/>
-      </p:nvGrpSpPr>
-      <p:grpSpPr>
-        <a:xfrm>
-          <a:off x="0" y="0"/>
-          <a:ext cx="0" cy="0"/>
-          <a:chOff x="0" y="0"/>
-          <a:chExt cx="0" cy="0"/>
-        </a:xfrm>
-      </p:grpSpPr>
-      <p:sp>
-        <p:nvSpPr>
-          <p:cNvPr id="8194" name="Rectangle 2"/>
-          <p:cNvSpPr>
-            <a:spLocks noGrp="1" noChangeArrowheads="1"/>
-          </p:cNvSpPr>
-          <p:nvPr>
-            <p:ph type="title"/>
-          </p:nvPr>
-        </p:nvSpPr>
-        <p:spPr/>
-        <p:txBody>
-          <a:bodyPr/>
-          <a:lstStyle/>
-          <a:p>
-            <a:r>
-              <a:rPr lang="en-US" altLang="en-US" dirty="0"/>
-              <a:t> Working with Your Project Team</a:t>
-            </a:r>
-          </a:p>
-        </p:txBody>
-      </p:sp>
-      <p:sp>
-        <p:nvSpPr>
-          <p:cNvPr id="8195" name="Rectangle 3"/>
-          <p:cNvSpPr>
-            <a:spLocks noGrp="1" noChangeArrowheads="1"/>
-          </p:cNvSpPr>
-          <p:nvPr>
-            <p:ph type="body" idx="1"/>
-          </p:nvPr>
-        </p:nvSpPr>
-        <p:spPr>
-          <a:xfrm>
-            <a:off x="207750" y="1548990"/>
-            <a:ext cx="11776400" cy="4555200"/>
-          </a:xfrm>
-        </p:spPr>
-        <p:txBody>
-          <a:bodyPr/>
-          <a:lstStyle/>
-          <a:p>
-            <a:pPr>
-              <a:lnSpc>
-                <a:spcPct val="150000"/>
-              </a:lnSpc>
-            </a:pPr>
-            <a:r>
-              <a:rPr lang="en-US" altLang="en-US" dirty="0"/>
-              <a:t>Active participation in the group work throughout the entire semester is required by all the team members, and a very large component of your grade</a:t>
-            </a:r>
-            <a:br>
-              <a:rPr lang="en-US" altLang="en-US" dirty="0"/>
-            </a:br>
-            <a:endParaRPr lang="en-US" altLang="en-US" dirty="0"/>
-          </a:p>
-          <a:p>
-            <a:pPr>
-              <a:lnSpc>
-                <a:spcPct val="150000"/>
-              </a:lnSpc>
-            </a:pPr>
-            <a:r>
-              <a:rPr lang="en-US" altLang="en-US" dirty="0"/>
-              <a:t>Collaboration is encouraged, both within and across teams! Learning from each others’ strengths is a big benefit of group work, and you should feel free to discuss strategies and approaches with other teams (i.e., it’s not a competition)</a:t>
-            </a:r>
-            <a:br>
-              <a:rPr lang="en-US" altLang="en-US" dirty="0"/>
-            </a:br>
-            <a:endParaRPr lang="en-US" altLang="en-US" dirty="0"/>
-          </a:p>
-          <a:p>
-            <a:pPr>
-              <a:lnSpc>
-                <a:spcPct val="150000"/>
-              </a:lnSpc>
-            </a:pPr>
-            <a:r>
-              <a:rPr lang="en-US" altLang="en-US" dirty="0"/>
-              <a:t>Pacing your work is important. You won’t be able to do everything the week before the final report, and if everyone tries to, you’ll break the server.</a:t>
-            </a:r>
-          </a:p>
-        </p:txBody>
-      </p:sp>
-    </p:spTree>
-    <p:extLst>
-      <p:ext uri="{BB962C8B-B14F-4D97-AF65-F5344CB8AC3E}">
-        <p14:creationId xmlns:p14="http://schemas.microsoft.com/office/powerpoint/2010/main" val="2457927461"/>
       </p:ext>
     </p:extLst>
   </p:cSld>

--- a/Lectures/06-data-exploration.pptx
+++ b/Lectures/06-data-exploration.pptx
@@ -27,15 +27,15 @@
     <p:sldId id="261" r:id="rId18"/>
     <p:sldId id="313" r:id="rId19"/>
     <p:sldId id="517" r:id="rId20"/>
-    <p:sldId id="317" r:id="rId21"/>
-    <p:sldId id="300" r:id="rId22"/>
-    <p:sldId id="285" r:id="rId23"/>
-    <p:sldId id="283" r:id="rId24"/>
-    <p:sldId id="298" r:id="rId25"/>
-    <p:sldId id="260" r:id="rId26"/>
-    <p:sldId id="311" r:id="rId27"/>
-    <p:sldId id="318" r:id="rId28"/>
-    <p:sldId id="315" r:id="rId29"/>
+    <p:sldId id="300" r:id="rId21"/>
+    <p:sldId id="285" r:id="rId22"/>
+    <p:sldId id="283" r:id="rId23"/>
+    <p:sldId id="298" r:id="rId24"/>
+    <p:sldId id="260" r:id="rId25"/>
+    <p:sldId id="311" r:id="rId26"/>
+    <p:sldId id="318" r:id="rId27"/>
+    <p:sldId id="315" r:id="rId28"/>
+    <p:sldId id="519" r:id="rId29"/>
   </p:sldIdLst>
   <p:sldSz cx="12192000" cy="6858000"/>
   <p:notesSz cx="6858000" cy="9144000"/>
@@ -13849,190 +13849,6 @@
       </p:grpSpPr>
       <p:sp>
         <p:nvSpPr>
-          <p:cNvPr id="3" name="Title 2">
-            <a:extLst>
-              <a:ext uri="{FF2B5EF4-FFF2-40B4-BE49-F238E27FC236}">
-                <a16:creationId xmlns:a16="http://schemas.microsoft.com/office/drawing/2014/main" id="{9323871C-7CA8-1448-8FFC-1AE6E1838941}"/>
-              </a:ext>
-            </a:extLst>
-          </p:cNvPr>
-          <p:cNvSpPr>
-            <a:spLocks noGrp="1"/>
-          </p:cNvSpPr>
-          <p:nvPr>
-            <p:ph type="title"/>
-          </p:nvPr>
-        </p:nvSpPr>
-        <p:spPr/>
-        <p:txBody>
-          <a:bodyPr/>
-          <a:lstStyle/>
-          <a:p>
-            <a:r>
-              <a:rPr lang="en-US" dirty="0"/>
-              <a:t>Things to remember</a:t>
-            </a:r>
-          </a:p>
-        </p:txBody>
-      </p:sp>
-      <p:sp>
-        <p:nvSpPr>
-          <p:cNvPr id="4" name="Text Placeholder 3">
-            <a:extLst>
-              <a:ext uri="{FF2B5EF4-FFF2-40B4-BE49-F238E27FC236}">
-                <a16:creationId xmlns:a16="http://schemas.microsoft.com/office/drawing/2014/main" id="{5E600BA7-FA45-884F-9820-9E5F2CB7AA48}"/>
-              </a:ext>
-            </a:extLst>
-          </p:cNvPr>
-          <p:cNvSpPr>
-            <a:spLocks noGrp="1"/>
-          </p:cNvSpPr>
-          <p:nvPr>
-            <p:ph type="body" idx="1"/>
-          </p:nvPr>
-        </p:nvSpPr>
-        <p:spPr/>
-        <p:txBody>
-          <a:bodyPr/>
-          <a:lstStyle/>
-          <a:p>
-            <a:r>
-              <a:rPr lang="en-US" b="1" dirty="0"/>
-              <a:t>Let us know if you can’t access your project data or </a:t>
-            </a:r>
-            <a:r>
-              <a:rPr lang="en-US" b="1" dirty="0" err="1"/>
-              <a:t>github</a:t>
-            </a:r>
-            <a:r>
-              <a:rPr lang="en-US" b="1" dirty="0"/>
-              <a:t> repo</a:t>
-            </a:r>
-            <a:br>
-              <a:rPr lang="en-US" b="1" dirty="0"/>
-            </a:br>
-            <a:endParaRPr lang="en-US" b="1" dirty="0"/>
-          </a:p>
-          <a:p>
-            <a:r>
-              <a:rPr lang="en-US" dirty="0"/>
-              <a:t>Wednesday session tomorrow: </a:t>
-            </a:r>
-            <a:r>
-              <a:rPr lang="en-US" dirty="0" err="1"/>
-              <a:t>Github</a:t>
-            </a:r>
-            <a:br>
-              <a:rPr lang="en-US" dirty="0"/>
-            </a:br>
-            <a:endParaRPr lang="en-US" dirty="0"/>
-          </a:p>
-          <a:p>
-            <a:pPr>
-              <a:lnSpc>
-                <a:spcPct val="100000"/>
-              </a:lnSpc>
-              <a:spcBef>
-                <a:spcPts val="500"/>
-              </a:spcBef>
-            </a:pPr>
-            <a:r>
-              <a:rPr lang="en-US" dirty="0"/>
-              <a:t>Readings for Thursday </a:t>
-            </a:r>
-            <a:r>
-              <a:rPr lang="en-US" sz="2400" dirty="0"/>
-              <a:t>(Obermeyer; </a:t>
-            </a:r>
-            <a:r>
-              <a:rPr lang="en-US" sz="2400" dirty="0" err="1"/>
-              <a:t>Passi</a:t>
-            </a:r>
-            <a:r>
-              <a:rPr lang="en-US" sz="2400" dirty="0"/>
-              <a:t> &amp; </a:t>
-            </a:r>
-            <a:r>
-              <a:rPr lang="en-US" sz="2400" dirty="0" err="1"/>
-              <a:t>Barocas</a:t>
-            </a:r>
-            <a:r>
-              <a:rPr lang="en-US" sz="2400" dirty="0"/>
-              <a:t>)</a:t>
-            </a:r>
-            <a:br>
-              <a:rPr lang="en-US" dirty="0"/>
-            </a:br>
-            <a:endParaRPr lang="en-US" dirty="0"/>
-          </a:p>
-          <a:p>
-            <a:r>
-              <a:rPr lang="en-US" dirty="0"/>
-              <a:t>Make sure to read </a:t>
-            </a:r>
-            <a:r>
-              <a:rPr lang="en-US" b="1" dirty="0">
-                <a:solidFill>
-                  <a:srgbClr val="C00000"/>
-                </a:solidFill>
-              </a:rPr>
-              <a:t>project proposal</a:t>
-            </a:r>
-            <a:r>
-              <a:rPr lang="en-US" b="1" dirty="0"/>
-              <a:t> </a:t>
-            </a:r>
-            <a:r>
-              <a:rPr lang="en-US" dirty="0"/>
-              <a:t>assignment on canvas (due </a:t>
-            </a:r>
-            <a:r>
-              <a:rPr lang="en-US" b="1" dirty="0">
-                <a:solidFill>
-                  <a:srgbClr val="C00000"/>
-                </a:solidFill>
-              </a:rPr>
-              <a:t>next Friday</a:t>
-            </a:r>
-            <a:r>
-              <a:rPr lang="en-US" dirty="0"/>
-              <a:t>)</a:t>
-            </a:r>
-          </a:p>
-        </p:txBody>
-      </p:sp>
-    </p:spTree>
-    <p:extLst>
-      <p:ext uri="{BB962C8B-B14F-4D97-AF65-F5344CB8AC3E}">
-        <p14:creationId xmlns:p14="http://schemas.microsoft.com/office/powerpoint/2010/main" val="4279892428"/>
-      </p:ext>
-    </p:extLst>
-  </p:cSld>
-  <p:clrMapOvr>
-    <a:masterClrMapping/>
-  </p:clrMapOvr>
-</p:sld>
-</file>
-
-<file path=ppt/slides/slide21.xml><?xml version="1.0" encoding="utf-8"?>
-<p:sld xmlns:a="http://schemas.openxmlformats.org/drawingml/2006/main" xmlns:r="http://schemas.openxmlformats.org/officeDocument/2006/relationships" xmlns:p="http://schemas.openxmlformats.org/presentationml/2006/main">
-  <p:cSld>
-    <p:spTree>
-      <p:nvGrpSpPr>
-        <p:cNvPr id="1" name=""/>
-        <p:cNvGrpSpPr/>
-        <p:nvPr/>
-      </p:nvGrpSpPr>
-      <p:grpSpPr>
-        <a:xfrm>
-          <a:off x="0" y="0"/>
-          <a:ext cx="0" cy="0"/>
-          <a:chOff x="0" y="0"/>
-          <a:chExt cx="0" cy="0"/>
-        </a:xfrm>
-      </p:grpSpPr>
-      <p:sp>
-        <p:nvSpPr>
           <p:cNvPr id="8194" name="Rectangle 2"/>
           <p:cNvSpPr>
             <a:spLocks noGrp="1" noChangeArrowheads="1"/>
@@ -14160,7 +13976,7 @@
 </p:sld>
 </file>
 
-<file path=ppt/slides/slide22.xml><?xml version="1.0" encoding="utf-8"?>
+<file path=ppt/slides/slide21.xml><?xml version="1.0" encoding="utf-8"?>
 <p:sld xmlns:a="http://schemas.openxmlformats.org/drawingml/2006/main" xmlns:r="http://schemas.openxmlformats.org/officeDocument/2006/relationships" xmlns:p="http://schemas.openxmlformats.org/presentationml/2006/main">
   <p:cSld>
     <p:spTree>
@@ -14282,7 +14098,7 @@
 </p:sld>
 </file>
 
-<file path=ppt/slides/slide23.xml><?xml version="1.0" encoding="utf-8"?>
+<file path=ppt/slides/slide22.xml><?xml version="1.0" encoding="utf-8"?>
 <p:sld xmlns:a="http://schemas.openxmlformats.org/drawingml/2006/main" xmlns:r="http://schemas.openxmlformats.org/officeDocument/2006/relationships" xmlns:p="http://schemas.openxmlformats.org/presentationml/2006/main">
   <p:cSld>
     <p:spTree>
@@ -14342,7 +14158,7 @@
 </p:sld>
 </file>
 
-<file path=ppt/slides/slide24.xml><?xml version="1.0" encoding="utf-8"?>
+<file path=ppt/slides/slide23.xml><?xml version="1.0" encoding="utf-8"?>
 <p:sld xmlns:a="http://schemas.openxmlformats.org/drawingml/2006/main" xmlns:r="http://schemas.openxmlformats.org/officeDocument/2006/relationships" xmlns:p="http://schemas.openxmlformats.org/presentationml/2006/main">
   <p:cSld>
     <p:spTree>
@@ -14419,7 +14235,7 @@
 </p:sld>
 </file>
 
-<file path=ppt/slides/slide25.xml><?xml version="1.0" encoding="utf-8"?>
+<file path=ppt/slides/slide24.xml><?xml version="1.0" encoding="utf-8"?>
 <p:sld xmlns:a="http://schemas.openxmlformats.org/drawingml/2006/main" xmlns:r="http://schemas.openxmlformats.org/officeDocument/2006/relationships" xmlns:p="http://schemas.openxmlformats.org/presentationml/2006/main">
   <p:cSld>
     <p:spTree>
@@ -14534,7 +14350,7 @@
 </p:sld>
 </file>
 
-<file path=ppt/slides/slide26.xml><?xml version="1.0" encoding="utf-8"?>
+<file path=ppt/slides/slide25.xml><?xml version="1.0" encoding="utf-8"?>
 <p:sld xmlns:a="http://schemas.openxmlformats.org/drawingml/2006/main" xmlns:r="http://schemas.openxmlformats.org/officeDocument/2006/relationships" xmlns:p="http://schemas.openxmlformats.org/presentationml/2006/main">
   <p:cSld>
     <p:spTree>
@@ -14609,7 +14425,7 @@
 </p:sld>
 </file>
 
-<file path=ppt/slides/slide27.xml><?xml version="1.0" encoding="utf-8"?>
+<file path=ppt/slides/slide26.xml><?xml version="1.0" encoding="utf-8"?>
 <p:sld xmlns:a="http://schemas.openxmlformats.org/drawingml/2006/main" xmlns:r="http://schemas.openxmlformats.org/officeDocument/2006/relationships" xmlns:p="http://schemas.openxmlformats.org/presentationml/2006/main">
   <p:cSld>
     <p:spTree>
@@ -14733,7 +14549,7 @@
 </p:sld>
 </file>
 
-<file path=ppt/slides/slide28.xml><?xml version="1.0" encoding="utf-8"?>
+<file path=ppt/slides/slide27.xml><?xml version="1.0" encoding="utf-8"?>
 <p:sld xmlns:a="http://schemas.openxmlformats.org/drawingml/2006/main" xmlns:r="http://schemas.openxmlformats.org/officeDocument/2006/relationships" xmlns:p="http://schemas.openxmlformats.org/presentationml/2006/main">
   <p:cSld>
     <p:spTree>
@@ -14870,6 +14686,220 @@
     <p:extLst>
       <p:ext uri="{BB962C8B-B14F-4D97-AF65-F5344CB8AC3E}">
         <p14:creationId xmlns:p14="http://schemas.microsoft.com/office/powerpoint/2010/main" val="2255534413"/>
+      </p:ext>
+    </p:extLst>
+  </p:cSld>
+  <p:clrMapOvr>
+    <a:masterClrMapping/>
+  </p:clrMapOvr>
+</p:sld>
+</file>
+
+<file path=ppt/slides/slide28.xml><?xml version="1.0" encoding="utf-8"?>
+<p:sld xmlns:a="http://schemas.openxmlformats.org/drawingml/2006/main" xmlns:r="http://schemas.openxmlformats.org/officeDocument/2006/relationships" xmlns:p="http://schemas.openxmlformats.org/presentationml/2006/main">
+  <p:cSld>
+    <p:spTree>
+      <p:nvGrpSpPr>
+        <p:cNvPr id="1" name=""/>
+        <p:cNvGrpSpPr/>
+        <p:nvPr/>
+      </p:nvGrpSpPr>
+      <p:grpSpPr>
+        <a:xfrm>
+          <a:off x="0" y="0"/>
+          <a:ext cx="0" cy="0"/>
+          <a:chOff x="0" y="0"/>
+          <a:chExt cx="0" cy="0"/>
+        </a:xfrm>
+      </p:grpSpPr>
+      <p:sp>
+        <p:nvSpPr>
+          <p:cNvPr id="3" name="Title 2">
+            <a:extLst>
+              <a:ext uri="{FF2B5EF4-FFF2-40B4-BE49-F238E27FC236}">
+                <a16:creationId xmlns:a16="http://schemas.microsoft.com/office/drawing/2014/main" id="{9323871C-7CA8-1448-8FFC-1AE6E1838941}"/>
+              </a:ext>
+            </a:extLst>
+          </p:cNvPr>
+          <p:cNvSpPr>
+            <a:spLocks noGrp="1"/>
+          </p:cNvSpPr>
+          <p:nvPr>
+            <p:ph type="title"/>
+          </p:nvPr>
+        </p:nvSpPr>
+        <p:spPr/>
+        <p:txBody>
+          <a:bodyPr/>
+          <a:lstStyle/>
+          <a:p>
+            <a:r>
+              <a:rPr lang="en-US" dirty="0"/>
+              <a:t>Things to remember</a:t>
+            </a:r>
+          </a:p>
+        </p:txBody>
+      </p:sp>
+      <p:sp>
+        <p:nvSpPr>
+          <p:cNvPr id="4" name="Text Placeholder 3">
+            <a:extLst>
+              <a:ext uri="{FF2B5EF4-FFF2-40B4-BE49-F238E27FC236}">
+                <a16:creationId xmlns:a16="http://schemas.microsoft.com/office/drawing/2014/main" id="{5E600BA7-FA45-884F-9820-9E5F2CB7AA48}"/>
+              </a:ext>
+            </a:extLst>
+          </p:cNvPr>
+          <p:cNvSpPr>
+            <a:spLocks noGrp="1"/>
+          </p:cNvSpPr>
+          <p:nvPr>
+            <p:ph type="body" idx="1"/>
+          </p:nvPr>
+        </p:nvSpPr>
+        <p:spPr/>
+        <p:txBody>
+          <a:bodyPr/>
+          <a:lstStyle/>
+          <a:p>
+            <a:r>
+              <a:rPr lang="en-US" b="1" dirty="0"/>
+              <a:t>Let us know if you can’t access your project data or </a:t>
+            </a:r>
+            <a:r>
+              <a:rPr lang="en-US" b="1" dirty="0" err="1"/>
+              <a:t>github</a:t>
+            </a:r>
+            <a:r>
+              <a:rPr lang="en-US" b="1" dirty="0"/>
+              <a:t> repo</a:t>
+            </a:r>
+            <a:br>
+              <a:rPr lang="en-US" b="1" dirty="0"/>
+            </a:br>
+            <a:endParaRPr lang="en-US" b="1" dirty="0"/>
+          </a:p>
+          <a:p>
+            <a:r>
+              <a:rPr lang="en-US" dirty="0"/>
+              <a:t>Wednesday session tomorrow: </a:t>
+            </a:r>
+            <a:r>
+              <a:rPr lang="en-US" dirty="0" err="1"/>
+              <a:t>Github</a:t>
+            </a:r>
+            <a:r>
+              <a:rPr lang="en-US" dirty="0"/>
+              <a:t> </a:t>
+            </a:r>
+          </a:p>
+          <a:p>
+            <a:pPr lvl="1">
+              <a:spcBef>
+                <a:spcPts val="1000"/>
+              </a:spcBef>
+            </a:pPr>
+            <a:r>
+              <a:rPr lang="en-US" sz="2000" dirty="0"/>
+              <a:t>See canvas for pre-session assignment</a:t>
+            </a:r>
+          </a:p>
+          <a:p>
+            <a:pPr lvl="1">
+              <a:spcBef>
+                <a:spcPts val="1000"/>
+              </a:spcBef>
+            </a:pPr>
+            <a:r>
+              <a:rPr lang="en-US" sz="2000" b="1" dirty="0">
+                <a:solidFill>
+                  <a:srgbClr val="C00000"/>
+                </a:solidFill>
+              </a:rPr>
+              <a:t>ROOM CHANGE: GHC 6115</a:t>
+            </a:r>
+            <a:br>
+              <a:rPr lang="en-US" dirty="0"/>
+            </a:br>
+            <a:endParaRPr lang="en-US" dirty="0"/>
+          </a:p>
+          <a:p>
+            <a:pPr>
+              <a:lnSpc>
+                <a:spcPct val="100000"/>
+              </a:lnSpc>
+              <a:spcBef>
+                <a:spcPts val="500"/>
+              </a:spcBef>
+            </a:pPr>
+            <a:r>
+              <a:rPr lang="en-US" dirty="0"/>
+              <a:t>Readings for Thursday </a:t>
+            </a:r>
+            <a:r>
+              <a:rPr lang="en-US" sz="2400" dirty="0"/>
+              <a:t>(Obermeyer; </a:t>
+            </a:r>
+            <a:r>
+              <a:rPr lang="en-US" sz="2400" dirty="0" err="1"/>
+              <a:t>Passi</a:t>
+            </a:r>
+            <a:r>
+              <a:rPr lang="en-US" sz="2400" dirty="0"/>
+              <a:t> &amp; </a:t>
+            </a:r>
+            <a:r>
+              <a:rPr lang="en-US" sz="2400" dirty="0" err="1"/>
+              <a:t>Barocas</a:t>
+            </a:r>
+            <a:r>
+              <a:rPr lang="en-US" sz="2400" dirty="0"/>
+              <a:t>)</a:t>
+            </a:r>
+            <a:br>
+              <a:rPr lang="en-US" dirty="0"/>
+            </a:br>
+            <a:endParaRPr lang="en-US" dirty="0"/>
+          </a:p>
+          <a:p>
+            <a:r>
+              <a:rPr lang="en-US" dirty="0"/>
+              <a:t>Make sure to read </a:t>
+            </a:r>
+            <a:r>
+              <a:rPr lang="en-US" b="1" dirty="0">
+                <a:solidFill>
+                  <a:srgbClr val="C00000"/>
+                </a:solidFill>
+              </a:rPr>
+              <a:t>project proposal</a:t>
+            </a:r>
+            <a:r>
+              <a:rPr lang="en-US" b="1" dirty="0"/>
+              <a:t> </a:t>
+            </a:r>
+            <a:r>
+              <a:rPr lang="en-US" dirty="0"/>
+              <a:t>assignment on canvas (due </a:t>
+            </a:r>
+            <a:r>
+              <a:rPr lang="en-US" b="1" dirty="0">
+                <a:solidFill>
+                  <a:srgbClr val="C00000"/>
+                </a:solidFill>
+              </a:rPr>
+              <a:t>next Friday</a:t>
+            </a:r>
+            <a:r>
+              <a:rPr lang="en-US" dirty="0"/>
+              <a:t>)</a:t>
+            </a:r>
+          </a:p>
+        </p:txBody>
+      </p:sp>
+    </p:spTree>
+    <p:extLst>
+      <p:ext uri="{BB962C8B-B14F-4D97-AF65-F5344CB8AC3E}">
+        <p14:creationId xmlns:p14="http://schemas.microsoft.com/office/powerpoint/2010/main" val="3845565803"/>
       </p:ext>
     </p:extLst>
   </p:cSld>
@@ -14970,6 +15000,36 @@
             <a:r>
               <a:rPr lang="en-US" dirty="0" err="1"/>
               <a:t>Github</a:t>
+            </a:r>
+            <a:r>
+              <a:rPr lang="en-US" dirty="0"/>
+              <a:t> </a:t>
+            </a:r>
+          </a:p>
+          <a:p>
+            <a:pPr lvl="1">
+              <a:spcBef>
+                <a:spcPts val="1000"/>
+              </a:spcBef>
+            </a:pPr>
+            <a:r>
+              <a:rPr lang="en-US" sz="2000" dirty="0"/>
+              <a:t>See canvas for pre-session assignment</a:t>
+            </a:r>
+          </a:p>
+          <a:p>
+            <a:pPr lvl="1">
+              <a:spcBef>
+                <a:spcPts val="1000"/>
+              </a:spcBef>
+            </a:pPr>
+            <a:r>
+              <a:rPr lang="en-US" sz="2000" b="1" dirty="0">
+                <a:solidFill>
+                  <a:srgbClr val="C00000"/>
+                </a:solidFill>
+              </a:rPr>
+              <a:t>ROOM CHANGE: GHC 6115</a:t>
             </a:r>
             <a:br>
               <a:rPr lang="en-US" dirty="0"/>

--- a/Lectures/06-data-exploration.pptx
+++ b/Lectures/06-data-exploration.pptx
@@ -273,7 +273,7 @@
       <p15:sldGuideLst xmlns:p15="http://schemas.microsoft.com/office/powerpoint/2012/main"/>
     </p:ext>
     <p:ext uri="http://customooxmlschemas.google.com/">
-      <go:slidesCustomData xmlns:go="http://customooxmlschemas.google.com/" xmlns:p15="http://schemas.microsoft.com/office/powerpoint/2012/main" xmlns:p14="http://schemas.microsoft.com/office/powerpoint/2010/main" xmlns:com="http://schemas.openxmlformats.org/drawingml/2006/compatibility" xmlns:pvml="urn:schemas-microsoft-com:office:powerpoint" xmlns:v="urn:schemas-microsoft-com:vml" xmlns:o="urn:schemas-microsoft-com:office:office" xmlns:dgm="http://schemas.openxmlformats.org/drawingml/2006/diagram" xmlns:c="http://schemas.openxmlformats.org/drawingml/2006/chart" xmlns:mv="urn:schemas-microsoft-com:mac:vml" xmlns:mc="http://schemas.openxmlformats.org/markup-compatibility/2006" xmlns="" r:id="rId31" roundtripDataSignature="AMtx7mjFyVUGRZWio+dc9dxzYsimUxNJbg=="/>
+      <go:slidesCustomData xmlns="" xmlns:mc="http://schemas.openxmlformats.org/markup-compatibility/2006" xmlns:mv="urn:schemas-microsoft-com:mac:vml" xmlns:c="http://schemas.openxmlformats.org/drawingml/2006/chart" xmlns:dgm="http://schemas.openxmlformats.org/drawingml/2006/diagram" xmlns:o="urn:schemas-microsoft-com:office:office" xmlns:v="urn:schemas-microsoft-com:vml" xmlns:pvml="urn:schemas-microsoft-com:office:powerpoint" xmlns:com="http://schemas.openxmlformats.org/drawingml/2006/compatibility" xmlns:p14="http://schemas.microsoft.com/office/powerpoint/2010/main" xmlns:p15="http://schemas.microsoft.com/office/powerpoint/2012/main" xmlns:go="http://customooxmlschemas.google.com/" r:id="rId31" roundtripDataSignature="AMtx7mjFyVUGRZWio+dc9dxzYsimUxNJbg=="/>
     </p:ext>
   </p:extLst>
 </p:presentation>
@@ -12182,14 +12182,14 @@
               <a:buNone/>
             </a:pPr>
             <a:r>
-              <a:rPr lang="en-US" sz="2800">
+              <a:rPr lang="en-US" sz="2800" dirty="0">
                 <a:solidFill>
                   <a:srgbClr val="595959"/>
                 </a:solidFill>
               </a:rPr>
-              <a:t>Rayid Ghani and Kit Rodolfa</a:t>
+              <a:t>Rayid Ghani</a:t>
             </a:r>
-            <a:endParaRPr sz="2800">
+            <a:endParaRPr sz="2800" dirty="0">
               <a:solidFill>
                 <a:srgbClr val="595959"/>
               </a:solidFill>
@@ -14804,25 +14804,6 @@
             </a:r>
           </a:p>
           <a:p>
-            <a:pPr lvl="1">
-              <a:spcBef>
-                <a:spcPts val="1000"/>
-              </a:spcBef>
-            </a:pPr>
-            <a:r>
-              <a:rPr lang="en-US" sz="2000" b="1" dirty="0">
-                <a:solidFill>
-                  <a:srgbClr val="C00000"/>
-                </a:solidFill>
-              </a:rPr>
-              <a:t>ROOM CHANGE: GHC 6115</a:t>
-            </a:r>
-            <a:br>
-              <a:rPr lang="en-US" dirty="0"/>
-            </a:br>
-            <a:endParaRPr lang="en-US" dirty="0"/>
-          </a:p>
-          <a:p>
             <a:pPr>
               <a:lnSpc>
                 <a:spcPct val="100000"/>
@@ -14831,33 +14812,31 @@
                 <a:spcPts val="500"/>
               </a:spcBef>
             </a:pPr>
+            <a:endParaRPr lang="en-US" dirty="0"/>
+          </a:p>
+          <a:p>
+            <a:pPr>
+              <a:lnSpc>
+                <a:spcPct val="100000"/>
+              </a:lnSpc>
+              <a:spcBef>
+                <a:spcPts val="500"/>
+              </a:spcBef>
+            </a:pPr>
             <a:r>
               <a:rPr lang="en-US" dirty="0"/>
-              <a:t>Readings for Thursday </a:t>
+              <a:t>Readings for next week</a:t>
             </a:r>
-            <a:r>
-              <a:rPr lang="en-US" sz="2400" dirty="0"/>
-              <a:t>(Obermeyer; </a:t>
-            </a:r>
-            <a:r>
-              <a:rPr lang="en-US" sz="2400" dirty="0" err="1"/>
-              <a:t>Passi</a:t>
-            </a:r>
-            <a:r>
-              <a:rPr lang="en-US" sz="2400" dirty="0"/>
-              <a:t> &amp; </a:t>
-            </a:r>
-            <a:r>
-              <a:rPr lang="en-US" sz="2400" dirty="0" err="1"/>
-              <a:t>Barocas</a:t>
-            </a:r>
-            <a:r>
-              <a:rPr lang="en-US" sz="2400" dirty="0"/>
-              <a:t>)</a:t>
-            </a:r>
-            <a:br>
-              <a:rPr lang="en-US" dirty="0"/>
-            </a:br>
+          </a:p>
+          <a:p>
+            <a:pPr>
+              <a:lnSpc>
+                <a:spcPct val="100000"/>
+              </a:lnSpc>
+              <a:spcBef>
+                <a:spcPts val="500"/>
+              </a:spcBef>
+            </a:pPr>
             <a:endParaRPr lang="en-US" dirty="0"/>
           </a:p>
           <a:p>
@@ -14879,20 +14858,13 @@
             </a:r>
             <a:r>
               <a:rPr lang="en-US" dirty="0"/>
-              <a:t>assignment on canvas (due </a:t>
+              <a:t>assignment on </a:t>
             </a:r>
             <a:r>
-              <a:rPr lang="en-US" b="1" dirty="0">
-                <a:solidFill>
-                  <a:srgbClr val="C00000"/>
-                </a:solidFill>
-              </a:rPr>
-              <a:t>next Friday</a:t>
+              <a:rPr lang="en-US"/>
+              <a:t>canvas </a:t>
             </a:r>
-            <a:r>
-              <a:rPr lang="en-US" dirty="0"/>
-              <a:t>)</a:t>
-            </a:r>
+            <a:endParaRPr lang="en-US" dirty="0"/>
           </a:p>
         </p:txBody>
       </p:sp>
@@ -15016,21 +14988,6 @@
               <a:rPr lang="en-US" sz="2000" dirty="0"/>
               <a:t>See canvas for pre-session assignment</a:t>
             </a:r>
-          </a:p>
-          <a:p>
-            <a:pPr lvl="1">
-              <a:spcBef>
-                <a:spcPts val="1000"/>
-              </a:spcBef>
-            </a:pPr>
-            <a:r>
-              <a:rPr lang="en-US" sz="2000" b="1" dirty="0">
-                <a:solidFill>
-                  <a:srgbClr val="C00000"/>
-                </a:solidFill>
-              </a:rPr>
-              <a:t>ROOM CHANGE: GHC 6115</a:t>
-            </a:r>
             <a:br>
               <a:rPr lang="en-US" dirty="0"/>
             </a:br>
@@ -15047,31 +15004,19 @@
             </a:pPr>
             <a:r>
               <a:rPr lang="en-US" dirty="0"/>
-              <a:t>Readings for Thursday </a:t>
+              <a:t>Readings for next week</a:t>
             </a:r>
-            <a:r>
-              <a:rPr lang="en-US" sz="2400" dirty="0"/>
-              <a:t>(Obermeyer; </a:t>
-            </a:r>
-            <a:r>
-              <a:rPr lang="en-US" sz="2400" dirty="0" err="1"/>
-              <a:t>Passi</a:t>
-            </a:r>
-            <a:r>
-              <a:rPr lang="en-US" sz="2400" dirty="0"/>
-              <a:t> &amp; </a:t>
-            </a:r>
-            <a:r>
-              <a:rPr lang="en-US" sz="2400" dirty="0" err="1"/>
-              <a:t>Barocas</a:t>
-            </a:r>
-            <a:r>
-              <a:rPr lang="en-US" sz="2400" dirty="0"/>
-              <a:t>)</a:t>
-            </a:r>
-            <a:br>
-              <a:rPr lang="en-US" dirty="0"/>
-            </a:br>
+          </a:p>
+          <a:p>
+            <a:pPr marL="76200" indent="0">
+              <a:lnSpc>
+                <a:spcPct val="100000"/>
+              </a:lnSpc>
+              <a:spcBef>
+                <a:spcPts val="500"/>
+              </a:spcBef>
+              <a:buNone/>
+            </a:pPr>
             <a:endParaRPr lang="en-US" dirty="0"/>
           </a:p>
           <a:p>
@@ -15191,34 +15136,16 @@
           <a:p>
             <a:pPr lvl="1"/>
             <a:r>
-              <a:rPr lang="en-US" sz="2400" dirty="0" err="1"/>
-              <a:t>Rayid</a:t>
-            </a:r>
-            <a:r>
               <a:rPr lang="en-US" sz="2400" dirty="0"/>
-              <a:t> (in GHC 8023): Thursdays 10:30-11:30, Fridays 12-1</a:t>
+              <a:t>Rayid (in GHC 8023):</a:t>
             </a:r>
           </a:p>
           <a:p>
             <a:pPr lvl="1"/>
             <a:r>
               <a:rPr lang="en-US" sz="2400" dirty="0"/>
-              <a:t>Kit (in GHC 8018): Tuesdays 10:30-11:30, Thursdays 1-2</a:t>
+              <a:t>Catalina:</a:t>
             </a:r>
-            <a:endParaRPr lang="en-US" dirty="0"/>
-          </a:p>
-          <a:p>
-            <a:pPr lvl="1"/>
-            <a:r>
-              <a:rPr lang="en-US" sz="2400" dirty="0"/>
-              <a:t>Ryan: Mondays 4-5 (Zoom), Fridays 1-2 (GHC 8228)</a:t>
-            </a:r>
-            <a:endParaRPr lang="en-US" dirty="0"/>
-          </a:p>
-          <a:p>
-            <a:pPr marL="76200" indent="0">
-              <a:buNone/>
-            </a:pPr>
             <a:endParaRPr lang="en-US" dirty="0"/>
           </a:p>
         </p:txBody>

--- a/Lectures/06-data-exploration.pptx
+++ b/Lectures/06-data-exploration.pptx
@@ -5,37 +5,36 @@
     <p:sldMasterId id="2147483648" r:id="rId1"/>
   </p:sldMasterIdLst>
   <p:notesMasterIdLst>
-    <p:notesMasterId r:id="rId30"/>
+    <p:notesMasterId r:id="rId29"/>
   </p:notesMasterIdLst>
   <p:sldIdLst>
     <p:sldId id="256" r:id="rId2"/>
     <p:sldId id="308" r:id="rId3"/>
     <p:sldId id="302" r:id="rId4"/>
-    <p:sldId id="281" r:id="rId5"/>
-    <p:sldId id="319" r:id="rId6"/>
-    <p:sldId id="316" r:id="rId7"/>
-    <p:sldId id="301" r:id="rId8"/>
-    <p:sldId id="306" r:id="rId9"/>
-    <p:sldId id="299" r:id="rId10"/>
-    <p:sldId id="307" r:id="rId11"/>
-    <p:sldId id="310" r:id="rId12"/>
-    <p:sldId id="303" r:id="rId13"/>
-    <p:sldId id="312" r:id="rId14"/>
-    <p:sldId id="295" r:id="rId15"/>
-    <p:sldId id="282" r:id="rId16"/>
-    <p:sldId id="518" r:id="rId17"/>
-    <p:sldId id="261" r:id="rId18"/>
-    <p:sldId id="313" r:id="rId19"/>
-    <p:sldId id="517" r:id="rId20"/>
-    <p:sldId id="300" r:id="rId21"/>
-    <p:sldId id="285" r:id="rId22"/>
-    <p:sldId id="283" r:id="rId23"/>
-    <p:sldId id="298" r:id="rId24"/>
-    <p:sldId id="260" r:id="rId25"/>
-    <p:sldId id="311" r:id="rId26"/>
-    <p:sldId id="318" r:id="rId27"/>
-    <p:sldId id="315" r:id="rId28"/>
-    <p:sldId id="519" r:id="rId29"/>
+    <p:sldId id="319" r:id="rId5"/>
+    <p:sldId id="316" r:id="rId6"/>
+    <p:sldId id="301" r:id="rId7"/>
+    <p:sldId id="306" r:id="rId8"/>
+    <p:sldId id="299" r:id="rId9"/>
+    <p:sldId id="307" r:id="rId10"/>
+    <p:sldId id="310" r:id="rId11"/>
+    <p:sldId id="303" r:id="rId12"/>
+    <p:sldId id="312" r:id="rId13"/>
+    <p:sldId id="295" r:id="rId14"/>
+    <p:sldId id="282" r:id="rId15"/>
+    <p:sldId id="518" r:id="rId16"/>
+    <p:sldId id="261" r:id="rId17"/>
+    <p:sldId id="313" r:id="rId18"/>
+    <p:sldId id="517" r:id="rId19"/>
+    <p:sldId id="300" r:id="rId20"/>
+    <p:sldId id="285" r:id="rId21"/>
+    <p:sldId id="283" r:id="rId22"/>
+    <p:sldId id="298" r:id="rId23"/>
+    <p:sldId id="260" r:id="rId24"/>
+    <p:sldId id="311" r:id="rId25"/>
+    <p:sldId id="318" r:id="rId26"/>
+    <p:sldId id="315" r:id="rId27"/>
+    <p:sldId id="519" r:id="rId28"/>
   </p:sldIdLst>
   <p:sldSz cx="12192000" cy="6858000"/>
   <p:notesSz cx="6858000" cy="9144000"/>
@@ -6652,7 +6651,7 @@
               <a:pPr>
                 <a:defRPr/>
               </a:pPr>
-              <a:t>19</a:t>
+              <a:t>18</a:t>
             </a:fld>
             <a:endParaRPr lang="en-US"/>
           </a:p>
@@ -12252,120 +12251,6 @@
       </p:grpSpPr>
       <p:sp>
         <p:nvSpPr>
-          <p:cNvPr id="8194" name="Rectangle 2"/>
-          <p:cNvSpPr>
-            <a:spLocks noGrp="1" noChangeArrowheads="1"/>
-          </p:cNvSpPr>
-          <p:nvPr>
-            <p:ph type="title"/>
-          </p:nvPr>
-        </p:nvSpPr>
-        <p:spPr/>
-        <p:txBody>
-          <a:bodyPr/>
-          <a:lstStyle/>
-          <a:p>
-            <a:r>
-              <a:rPr lang="en-US" altLang="en-US" dirty="0"/>
-              <a:t> Working with Your Project Team</a:t>
-            </a:r>
-          </a:p>
-        </p:txBody>
-      </p:sp>
-      <p:sp>
-        <p:nvSpPr>
-          <p:cNvPr id="8195" name="Rectangle 3"/>
-          <p:cNvSpPr>
-            <a:spLocks noGrp="1" noChangeArrowheads="1"/>
-          </p:cNvSpPr>
-          <p:nvPr>
-            <p:ph type="body" idx="1"/>
-          </p:nvPr>
-        </p:nvSpPr>
-        <p:spPr>
-          <a:xfrm>
-            <a:off x="207750" y="1548990"/>
-            <a:ext cx="11776400" cy="4555200"/>
-          </a:xfrm>
-        </p:spPr>
-        <p:txBody>
-          <a:bodyPr/>
-          <a:lstStyle/>
-          <a:p>
-            <a:pPr>
-              <a:lnSpc>
-                <a:spcPct val="150000"/>
-              </a:lnSpc>
-            </a:pPr>
-            <a:r>
-              <a:rPr lang="en-US" altLang="en-US" dirty="0"/>
-              <a:t>Active participation in the group work throughout the entire semester is required by all the team members, and a very large component of your grade</a:t>
-            </a:r>
-            <a:br>
-              <a:rPr lang="en-US" altLang="en-US" dirty="0"/>
-            </a:br>
-            <a:endParaRPr lang="en-US" altLang="en-US" dirty="0"/>
-          </a:p>
-          <a:p>
-            <a:pPr>
-              <a:lnSpc>
-                <a:spcPct val="150000"/>
-              </a:lnSpc>
-            </a:pPr>
-            <a:r>
-              <a:rPr lang="en-US" altLang="en-US" dirty="0"/>
-              <a:t>Collaboration is encouraged, both within and across teams! Learning from each others’ strengths is a big benefit of group work, and you should feel free to discuss strategies and approaches with other teams (i.e., it’s not a competition)</a:t>
-            </a:r>
-            <a:br>
-              <a:rPr lang="en-US" altLang="en-US" dirty="0"/>
-            </a:br>
-            <a:endParaRPr lang="en-US" altLang="en-US" dirty="0"/>
-          </a:p>
-          <a:p>
-            <a:pPr>
-              <a:lnSpc>
-                <a:spcPct val="150000"/>
-              </a:lnSpc>
-            </a:pPr>
-            <a:r>
-              <a:rPr lang="en-US" altLang="en-US" dirty="0"/>
-              <a:t>Pacing your work is important. You won’t be able to do everything the week before the final report, and if everyone tries to, you’ll break the server.</a:t>
-            </a:r>
-          </a:p>
-        </p:txBody>
-      </p:sp>
-    </p:spTree>
-    <p:extLst>
-      <p:ext uri="{BB962C8B-B14F-4D97-AF65-F5344CB8AC3E}">
-        <p14:creationId xmlns:p14="http://schemas.microsoft.com/office/powerpoint/2010/main" val="2457927461"/>
-      </p:ext>
-    </p:extLst>
-  </p:cSld>
-  <p:clrMapOvr>
-    <a:masterClrMapping/>
-  </p:clrMapOvr>
-</p:sld>
-</file>
-
-<file path=ppt/slides/slide11.xml><?xml version="1.0" encoding="utf-8"?>
-<p:sld xmlns:a="http://schemas.openxmlformats.org/drawingml/2006/main" xmlns:r="http://schemas.openxmlformats.org/officeDocument/2006/relationships" xmlns:p="http://schemas.openxmlformats.org/presentationml/2006/main" show="0">
-  <p:cSld>
-    <p:spTree>
-      <p:nvGrpSpPr>
-        <p:cNvPr id="1" name=""/>
-        <p:cNvGrpSpPr/>
-        <p:nvPr/>
-      </p:nvGrpSpPr>
-      <p:grpSpPr>
-        <a:xfrm>
-          <a:off x="0" y="0"/>
-          <a:ext cx="0" cy="0"/>
-          <a:chOff x="0" y="0"/>
-          <a:chExt cx="0" cy="0"/>
-        </a:xfrm>
-      </p:grpSpPr>
-      <p:sp>
-        <p:nvSpPr>
           <p:cNvPr id="4" name="Text Placeholder 3">
             <a:extLst>
               <a:ext uri="{FF2B5EF4-FFF2-40B4-BE49-F238E27FC236}">
@@ -12422,7 +12307,7 @@
 </p:sld>
 </file>
 
-<file path=ppt/slides/slide12.xml><?xml version="1.0" encoding="utf-8"?>
+<file path=ppt/slides/slide11.xml><?xml version="1.0" encoding="utf-8"?>
 <p:sld xmlns:a="http://schemas.openxmlformats.org/drawingml/2006/main" xmlns:r="http://schemas.openxmlformats.org/officeDocument/2006/relationships" xmlns:p="http://schemas.openxmlformats.org/presentationml/2006/main" show="0">
   <p:cSld>
     <p:spTree>
@@ -12535,7 +12420,7 @@
 </p:sld>
 </file>
 
-<file path=ppt/slides/slide13.xml><?xml version="1.0" encoding="utf-8"?>
+<file path=ppt/slides/slide12.xml><?xml version="1.0" encoding="utf-8"?>
 <p:sld xmlns:a="http://schemas.openxmlformats.org/drawingml/2006/main" xmlns:r="http://schemas.openxmlformats.org/officeDocument/2006/relationships" xmlns:p="http://schemas.openxmlformats.org/presentationml/2006/main">
   <p:cSld>
     <p:spTree>
@@ -12601,7 +12486,7 @@
 </p:sld>
 </file>
 
-<file path=ppt/slides/slide14.xml><?xml version="1.0" encoding="utf-8"?>
+<file path=ppt/slides/slide13.xml><?xml version="1.0" encoding="utf-8"?>
 <p:sld xmlns:a="http://schemas.openxmlformats.org/drawingml/2006/main" xmlns:r="http://schemas.openxmlformats.org/officeDocument/2006/relationships" xmlns:p="http://schemas.openxmlformats.org/presentationml/2006/main">
   <p:cSld>
     <p:spTree>
@@ -12736,7 +12621,7 @@
 </p:sld>
 </file>
 
-<file path=ppt/slides/slide15.xml><?xml version="1.0" encoding="utf-8"?>
+<file path=ppt/slides/slide14.xml><?xml version="1.0" encoding="utf-8"?>
 <p:sld xmlns:a="http://schemas.openxmlformats.org/drawingml/2006/main" xmlns:r="http://schemas.openxmlformats.org/officeDocument/2006/relationships" xmlns:p="http://schemas.openxmlformats.org/presentationml/2006/main">
   <p:cSld>
     <p:spTree>
@@ -12794,7 +12679,7 @@
 </p:sld>
 </file>
 
-<file path=ppt/slides/slide16.xml><?xml version="1.0" encoding="utf-8"?>
+<file path=ppt/slides/slide15.xml><?xml version="1.0" encoding="utf-8"?>
 <p:sld xmlns:a="http://schemas.openxmlformats.org/drawingml/2006/main" xmlns:r="http://schemas.openxmlformats.org/officeDocument/2006/relationships" xmlns:p="http://schemas.openxmlformats.org/presentationml/2006/main">
   <p:cSld>
     <p:spTree>
@@ -12965,7 +12850,7 @@
 </p:sld>
 </file>
 
-<file path=ppt/slides/slide17.xml><?xml version="1.0" encoding="utf-8"?>
+<file path=ppt/slides/slide16.xml><?xml version="1.0" encoding="utf-8"?>
 <p:sld xmlns:a="http://schemas.openxmlformats.org/drawingml/2006/main" xmlns:r="http://schemas.openxmlformats.org/officeDocument/2006/relationships" xmlns:p="http://schemas.openxmlformats.org/presentationml/2006/main">
   <p:cSld>
     <p:spTree>
@@ -13060,7 +12945,7 @@
 </p:sld>
 </file>
 
-<file path=ppt/slides/slide18.xml><?xml version="1.0" encoding="utf-8"?>
+<file path=ppt/slides/slide17.xml><?xml version="1.0" encoding="utf-8"?>
 <p:sld xmlns:a="http://schemas.openxmlformats.org/drawingml/2006/main" xmlns:r="http://schemas.openxmlformats.org/officeDocument/2006/relationships" xmlns:p="http://schemas.openxmlformats.org/presentationml/2006/main">
   <p:cSld>
     <p:spTree>
@@ -13144,7 +13029,7 @@
 </p:sld>
 </file>
 
-<file path=ppt/slides/slide19.xml><?xml version="1.0" encoding="utf-8"?>
+<file path=ppt/slides/slide18.xml><?xml version="1.0" encoding="utf-8"?>
 <p:sld xmlns:a="http://schemas.openxmlformats.org/drawingml/2006/main" xmlns:r="http://schemas.openxmlformats.org/officeDocument/2006/relationships" xmlns:p="http://schemas.openxmlformats.org/presentationml/2006/main">
   <p:cSld>
     <p:spTree>
@@ -13755,82 +13640,7 @@
 </p:sld>
 </file>
 
-<file path=ppt/slides/slide2.xml><?xml version="1.0" encoding="utf-8"?>
-<p:sld xmlns:a="http://schemas.openxmlformats.org/drawingml/2006/main" xmlns:r="http://schemas.openxmlformats.org/officeDocument/2006/relationships" xmlns:p="http://schemas.openxmlformats.org/presentationml/2006/main">
-  <p:cSld>
-    <p:spTree>
-      <p:nvGrpSpPr>
-        <p:cNvPr id="1" name=""/>
-        <p:cNvGrpSpPr/>
-        <p:nvPr/>
-      </p:nvGrpSpPr>
-      <p:grpSpPr>
-        <a:xfrm>
-          <a:off x="0" y="0"/>
-          <a:ext cx="0" cy="0"/>
-          <a:chOff x="0" y="0"/>
-          <a:chExt cx="0" cy="0"/>
-        </a:xfrm>
-      </p:grpSpPr>
-      <p:sp>
-        <p:nvSpPr>
-          <p:cNvPr id="4" name="Text Placeholder 3">
-            <a:extLst>
-              <a:ext uri="{FF2B5EF4-FFF2-40B4-BE49-F238E27FC236}">
-                <a16:creationId xmlns:a16="http://schemas.microsoft.com/office/drawing/2014/main" id="{5E600BA7-FA45-884F-9820-9E5F2CB7AA48}"/>
-              </a:ext>
-            </a:extLst>
-          </p:cNvPr>
-          <p:cNvSpPr>
-            <a:spLocks noGrp="1"/>
-          </p:cNvSpPr>
-          <p:nvPr>
-            <p:ph type="body" idx="1"/>
-          </p:nvPr>
-        </p:nvSpPr>
-        <p:spPr>
-          <a:xfrm>
-            <a:off x="415650" y="2724664"/>
-            <a:ext cx="11360700" cy="1408672"/>
-          </a:xfrm>
-        </p:spPr>
-        <p:txBody>
-          <a:bodyPr/>
-          <a:lstStyle/>
-          <a:p>
-            <a:pPr marL="76200" indent="0" algn="ctr">
-              <a:buNone/>
-            </a:pPr>
-            <a:r>
-              <a:rPr lang="en-US" sz="4800" dirty="0"/>
-              <a:t>Please Sit with </a:t>
-            </a:r>
-          </a:p>
-          <a:p>
-            <a:pPr marL="76200" indent="0" algn="ctr">
-              <a:buNone/>
-            </a:pPr>
-            <a:r>
-              <a:rPr lang="en-US" sz="4800" dirty="0"/>
-              <a:t>Your Project Teams</a:t>
-            </a:r>
-          </a:p>
-        </p:txBody>
-      </p:sp>
-    </p:spTree>
-    <p:extLst>
-      <p:ext uri="{BB962C8B-B14F-4D97-AF65-F5344CB8AC3E}">
-        <p14:creationId xmlns:p14="http://schemas.microsoft.com/office/powerpoint/2010/main" val="134665013"/>
-      </p:ext>
-    </p:extLst>
-  </p:cSld>
-  <p:clrMapOvr>
-    <a:masterClrMapping/>
-  </p:clrMapOvr>
-</p:sld>
-</file>
-
-<file path=ppt/slides/slide20.xml><?xml version="1.0" encoding="utf-8"?>
+<file path=ppt/slides/slide19.xml><?xml version="1.0" encoding="utf-8"?>
 <p:sld xmlns:a="http://schemas.openxmlformats.org/drawingml/2006/main" xmlns:r="http://schemas.openxmlformats.org/officeDocument/2006/relationships" xmlns:p="http://schemas.openxmlformats.org/presentationml/2006/main">
   <p:cSld>
     <p:spTree>
@@ -13976,7 +13786,82 @@
 </p:sld>
 </file>
 
-<file path=ppt/slides/slide21.xml><?xml version="1.0" encoding="utf-8"?>
+<file path=ppt/slides/slide2.xml><?xml version="1.0" encoding="utf-8"?>
+<p:sld xmlns:a="http://schemas.openxmlformats.org/drawingml/2006/main" xmlns:r="http://schemas.openxmlformats.org/officeDocument/2006/relationships" xmlns:p="http://schemas.openxmlformats.org/presentationml/2006/main">
+  <p:cSld>
+    <p:spTree>
+      <p:nvGrpSpPr>
+        <p:cNvPr id="1" name=""/>
+        <p:cNvGrpSpPr/>
+        <p:nvPr/>
+      </p:nvGrpSpPr>
+      <p:grpSpPr>
+        <a:xfrm>
+          <a:off x="0" y="0"/>
+          <a:ext cx="0" cy="0"/>
+          <a:chOff x="0" y="0"/>
+          <a:chExt cx="0" cy="0"/>
+        </a:xfrm>
+      </p:grpSpPr>
+      <p:sp>
+        <p:nvSpPr>
+          <p:cNvPr id="4" name="Text Placeholder 3">
+            <a:extLst>
+              <a:ext uri="{FF2B5EF4-FFF2-40B4-BE49-F238E27FC236}">
+                <a16:creationId xmlns:a16="http://schemas.microsoft.com/office/drawing/2014/main" id="{5E600BA7-FA45-884F-9820-9E5F2CB7AA48}"/>
+              </a:ext>
+            </a:extLst>
+          </p:cNvPr>
+          <p:cNvSpPr>
+            <a:spLocks noGrp="1"/>
+          </p:cNvSpPr>
+          <p:nvPr>
+            <p:ph type="body" idx="1"/>
+          </p:nvPr>
+        </p:nvSpPr>
+        <p:spPr>
+          <a:xfrm>
+            <a:off x="415650" y="2724664"/>
+            <a:ext cx="11360700" cy="1408672"/>
+          </a:xfrm>
+        </p:spPr>
+        <p:txBody>
+          <a:bodyPr/>
+          <a:lstStyle/>
+          <a:p>
+            <a:pPr marL="76200" indent="0" algn="ctr">
+              <a:buNone/>
+            </a:pPr>
+            <a:r>
+              <a:rPr lang="en-US" sz="4800" dirty="0"/>
+              <a:t>Please Sit with </a:t>
+            </a:r>
+          </a:p>
+          <a:p>
+            <a:pPr marL="76200" indent="0" algn="ctr">
+              <a:buNone/>
+            </a:pPr>
+            <a:r>
+              <a:rPr lang="en-US" sz="4800" dirty="0"/>
+              <a:t>Your Project Teams</a:t>
+            </a:r>
+          </a:p>
+        </p:txBody>
+      </p:sp>
+    </p:spTree>
+    <p:extLst>
+      <p:ext uri="{BB962C8B-B14F-4D97-AF65-F5344CB8AC3E}">
+        <p14:creationId xmlns:p14="http://schemas.microsoft.com/office/powerpoint/2010/main" val="134665013"/>
+      </p:ext>
+    </p:extLst>
+  </p:cSld>
+  <p:clrMapOvr>
+    <a:masterClrMapping/>
+  </p:clrMapOvr>
+</p:sld>
+</file>
+
+<file path=ppt/slides/slide20.xml><?xml version="1.0" encoding="utf-8"?>
 <p:sld xmlns:a="http://schemas.openxmlformats.org/drawingml/2006/main" xmlns:r="http://schemas.openxmlformats.org/officeDocument/2006/relationships" xmlns:p="http://schemas.openxmlformats.org/presentationml/2006/main">
   <p:cSld>
     <p:spTree>
@@ -14098,7 +13983,7 @@
 </p:sld>
 </file>
 
-<file path=ppt/slides/slide22.xml><?xml version="1.0" encoding="utf-8"?>
+<file path=ppt/slides/slide21.xml><?xml version="1.0" encoding="utf-8"?>
 <p:sld xmlns:a="http://schemas.openxmlformats.org/drawingml/2006/main" xmlns:r="http://schemas.openxmlformats.org/officeDocument/2006/relationships" xmlns:p="http://schemas.openxmlformats.org/presentationml/2006/main">
   <p:cSld>
     <p:spTree>
@@ -14158,7 +14043,7 @@
 </p:sld>
 </file>
 
-<file path=ppt/slides/slide23.xml><?xml version="1.0" encoding="utf-8"?>
+<file path=ppt/slides/slide22.xml><?xml version="1.0" encoding="utf-8"?>
 <p:sld xmlns:a="http://schemas.openxmlformats.org/drawingml/2006/main" xmlns:r="http://schemas.openxmlformats.org/officeDocument/2006/relationships" xmlns:p="http://schemas.openxmlformats.org/presentationml/2006/main">
   <p:cSld>
     <p:spTree>
@@ -14235,7 +14120,7 @@
 </p:sld>
 </file>
 
-<file path=ppt/slides/slide24.xml><?xml version="1.0" encoding="utf-8"?>
+<file path=ppt/slides/slide23.xml><?xml version="1.0" encoding="utf-8"?>
 <p:sld xmlns:a="http://schemas.openxmlformats.org/drawingml/2006/main" xmlns:r="http://schemas.openxmlformats.org/officeDocument/2006/relationships" xmlns:p="http://schemas.openxmlformats.org/presentationml/2006/main">
   <p:cSld>
     <p:spTree>
@@ -14350,7 +14235,7 @@
 </p:sld>
 </file>
 
-<file path=ppt/slides/slide25.xml><?xml version="1.0" encoding="utf-8"?>
+<file path=ppt/slides/slide24.xml><?xml version="1.0" encoding="utf-8"?>
 <p:sld xmlns:a="http://schemas.openxmlformats.org/drawingml/2006/main" xmlns:r="http://schemas.openxmlformats.org/officeDocument/2006/relationships" xmlns:p="http://schemas.openxmlformats.org/presentationml/2006/main">
   <p:cSld>
     <p:spTree>
@@ -14425,7 +14310,7 @@
 </p:sld>
 </file>
 
-<file path=ppt/slides/slide26.xml><?xml version="1.0" encoding="utf-8"?>
+<file path=ppt/slides/slide25.xml><?xml version="1.0" encoding="utf-8"?>
 <p:sld xmlns:a="http://schemas.openxmlformats.org/drawingml/2006/main" xmlns:r="http://schemas.openxmlformats.org/officeDocument/2006/relationships" xmlns:p="http://schemas.openxmlformats.org/presentationml/2006/main">
   <p:cSld>
     <p:spTree>
@@ -14549,7 +14434,7 @@
 </p:sld>
 </file>
 
-<file path=ppt/slides/slide27.xml><?xml version="1.0" encoding="utf-8"?>
+<file path=ppt/slides/slide26.xml><?xml version="1.0" encoding="utf-8"?>
 <p:sld xmlns:a="http://schemas.openxmlformats.org/drawingml/2006/main" xmlns:r="http://schemas.openxmlformats.org/officeDocument/2006/relationships" xmlns:p="http://schemas.openxmlformats.org/presentationml/2006/main">
   <p:cSld>
     <p:spTree>
@@ -14695,7 +14580,7 @@
 </p:sld>
 </file>
 
-<file path=ppt/slides/slide28.xml><?xml version="1.0" encoding="utf-8"?>
+<file path=ppt/slides/slide27.xml><?xml version="1.0" encoding="utf-8"?>
 <p:sld xmlns:a="http://schemas.openxmlformats.org/drawingml/2006/main" xmlns:r="http://schemas.openxmlformats.org/officeDocument/2006/relationships" xmlns:p="http://schemas.openxmlformats.org/presentationml/2006/main">
   <p:cSld>
     <p:spTree>
@@ -14858,13 +14743,8 @@
             </a:r>
             <a:r>
               <a:rPr lang="en-US" dirty="0"/>
-              <a:t>assignment on </a:t>
+              <a:t>assignment on canvas </a:t>
             </a:r>
-            <a:r>
-              <a:rPr lang="en-US"/>
-              <a:t>canvas </a:t>
-            </a:r>
-            <a:endParaRPr lang="en-US" dirty="0"/>
           </a:p>
         </p:txBody>
       </p:sp>
@@ -15087,101 +14967,6 @@
       </p:grpSpPr>
       <p:sp>
         <p:nvSpPr>
-          <p:cNvPr id="3" name="Title 2">
-            <a:extLst>
-              <a:ext uri="{FF2B5EF4-FFF2-40B4-BE49-F238E27FC236}">
-                <a16:creationId xmlns:a16="http://schemas.microsoft.com/office/drawing/2014/main" id="{9323871C-7CA8-1448-8FFC-1AE6E1838941}"/>
-              </a:ext>
-            </a:extLst>
-          </p:cNvPr>
-          <p:cNvSpPr>
-            <a:spLocks noGrp="1"/>
-          </p:cNvSpPr>
-          <p:nvPr>
-            <p:ph type="title"/>
-          </p:nvPr>
-        </p:nvSpPr>
-        <p:spPr/>
-        <p:txBody>
-          <a:bodyPr/>
-          <a:lstStyle/>
-          <a:p>
-            <a:r>
-              <a:rPr lang="en-US" dirty="0"/>
-              <a:t>Reminder: Office Hours</a:t>
-            </a:r>
-          </a:p>
-        </p:txBody>
-      </p:sp>
-      <p:sp>
-        <p:nvSpPr>
-          <p:cNvPr id="4" name="Text Placeholder 3">
-            <a:extLst>
-              <a:ext uri="{FF2B5EF4-FFF2-40B4-BE49-F238E27FC236}">
-                <a16:creationId xmlns:a16="http://schemas.microsoft.com/office/drawing/2014/main" id="{5E600BA7-FA45-884F-9820-9E5F2CB7AA48}"/>
-              </a:ext>
-            </a:extLst>
-          </p:cNvPr>
-          <p:cNvSpPr>
-            <a:spLocks noGrp="1"/>
-          </p:cNvSpPr>
-          <p:nvPr>
-            <p:ph type="body" idx="1"/>
-          </p:nvPr>
-        </p:nvSpPr>
-        <p:spPr/>
-        <p:txBody>
-          <a:bodyPr/>
-          <a:lstStyle/>
-          <a:p>
-            <a:pPr lvl="1"/>
-            <a:r>
-              <a:rPr lang="en-US" sz="2400" dirty="0"/>
-              <a:t>Rayid (in GHC 8023):</a:t>
-            </a:r>
-          </a:p>
-          <a:p>
-            <a:pPr lvl="1"/>
-            <a:r>
-              <a:rPr lang="en-US" sz="2400" dirty="0"/>
-              <a:t>Catalina:</a:t>
-            </a:r>
-            <a:endParaRPr lang="en-US" dirty="0"/>
-          </a:p>
-        </p:txBody>
-      </p:sp>
-    </p:spTree>
-    <p:extLst>
-      <p:ext uri="{BB962C8B-B14F-4D97-AF65-F5344CB8AC3E}">
-        <p14:creationId xmlns:p14="http://schemas.microsoft.com/office/powerpoint/2010/main" val="1285932549"/>
-      </p:ext>
-    </p:extLst>
-  </p:cSld>
-  <p:clrMapOvr>
-    <a:masterClrMapping/>
-  </p:clrMapOvr>
-</p:sld>
-</file>
-
-<file path=ppt/slides/slide5.xml><?xml version="1.0" encoding="utf-8"?>
-<p:sld xmlns:a="http://schemas.openxmlformats.org/drawingml/2006/main" xmlns:r="http://schemas.openxmlformats.org/officeDocument/2006/relationships" xmlns:p="http://schemas.openxmlformats.org/presentationml/2006/main">
-  <p:cSld>
-    <p:spTree>
-      <p:nvGrpSpPr>
-        <p:cNvPr id="1" name=""/>
-        <p:cNvGrpSpPr/>
-        <p:nvPr/>
-      </p:nvGrpSpPr>
-      <p:grpSpPr>
-        <a:xfrm>
-          <a:off x="0" y="0"/>
-          <a:ext cx="0" cy="0"/>
-          <a:chOff x="0" y="0"/>
-          <a:chExt cx="0" cy="0"/>
-        </a:xfrm>
-      </p:grpSpPr>
-      <p:sp>
-        <p:nvSpPr>
           <p:cNvPr id="4" name="Text Placeholder 3">
             <a:extLst>
               <a:ext uri="{FF2B5EF4-FFF2-40B4-BE49-F238E27FC236}">
@@ -15220,16 +15005,7 @@
             </a:pPr>
             <a:r>
               <a:rPr lang="en-US" sz="4800" dirty="0"/>
-              <a:t>Have you already accessed </a:t>
-            </a:r>
-          </a:p>
-          <a:p>
-            <a:pPr marL="76200" indent="0" algn="ctr">
-              <a:buNone/>
-            </a:pPr>
-            <a:r>
-              <a:rPr lang="en-US" sz="4800" dirty="0"/>
-              <a:t>your project data?</a:t>
+              <a:t>Have you already accessed and started looking at  your project data?</a:t>
             </a:r>
           </a:p>
           <a:p>
@@ -15266,7 +15042,7 @@
 </p:sld>
 </file>
 
-<file path=ppt/slides/slide6.xml><?xml version="1.0" encoding="utf-8"?>
+<file path=ppt/slides/slide5.xml><?xml version="1.0" encoding="utf-8"?>
 <p:sld xmlns:a="http://schemas.openxmlformats.org/drawingml/2006/main" xmlns:r="http://schemas.openxmlformats.org/officeDocument/2006/relationships" xmlns:p="http://schemas.openxmlformats.org/presentationml/2006/main" show="0">
   <p:cSld>
     <p:spTree>
@@ -15389,7 +15165,7 @@
 </p:sld>
 </file>
 
-<file path=ppt/slides/slide7.xml><?xml version="1.0" encoding="utf-8"?>
+<file path=ppt/slides/slide6.xml><?xml version="1.0" encoding="utf-8"?>
 <p:sld xmlns:a="http://schemas.openxmlformats.org/drawingml/2006/main" xmlns:r="http://schemas.openxmlformats.org/officeDocument/2006/relationships" xmlns:p="http://schemas.openxmlformats.org/presentationml/2006/main" show="0">
   <p:cSld>
     <p:spTree>
@@ -15455,7 +15231,7 @@
 </p:sld>
 </file>
 
-<file path=ppt/slides/slide8.xml><?xml version="1.0" encoding="utf-8"?>
+<file path=ppt/slides/slide7.xml><?xml version="1.0" encoding="utf-8"?>
 <p:sld xmlns:a="http://schemas.openxmlformats.org/drawingml/2006/main" xmlns:r="http://schemas.openxmlformats.org/officeDocument/2006/relationships" xmlns:p="http://schemas.openxmlformats.org/presentationml/2006/main" show="0">
   <p:cSld>
     <p:spTree>
@@ -15613,7 +15389,7 @@
 </p:sld>
 </file>
 
-<file path=ppt/slides/slide9.xml><?xml version="1.0" encoding="utf-8"?>
+<file path=ppt/slides/slide8.xml><?xml version="1.0" encoding="utf-8"?>
 <p:sld xmlns:a="http://schemas.openxmlformats.org/drawingml/2006/main" xmlns:r="http://schemas.openxmlformats.org/officeDocument/2006/relationships" xmlns:p="http://schemas.openxmlformats.org/presentationml/2006/main" show="0">
   <p:cSld>
     <p:spTree>
@@ -15741,6 +15517,120 @@
     <p:extLst>
       <p:ext uri="{BB962C8B-B14F-4D97-AF65-F5344CB8AC3E}">
         <p14:creationId xmlns:p14="http://schemas.microsoft.com/office/powerpoint/2010/main" val="2143740766"/>
+      </p:ext>
+    </p:extLst>
+  </p:cSld>
+  <p:clrMapOvr>
+    <a:masterClrMapping/>
+  </p:clrMapOvr>
+</p:sld>
+</file>
+
+<file path=ppt/slides/slide9.xml><?xml version="1.0" encoding="utf-8"?>
+<p:sld xmlns:a="http://schemas.openxmlformats.org/drawingml/2006/main" xmlns:r="http://schemas.openxmlformats.org/officeDocument/2006/relationships" xmlns:p="http://schemas.openxmlformats.org/presentationml/2006/main" show="0">
+  <p:cSld>
+    <p:spTree>
+      <p:nvGrpSpPr>
+        <p:cNvPr id="1" name=""/>
+        <p:cNvGrpSpPr/>
+        <p:nvPr/>
+      </p:nvGrpSpPr>
+      <p:grpSpPr>
+        <a:xfrm>
+          <a:off x="0" y="0"/>
+          <a:ext cx="0" cy="0"/>
+          <a:chOff x="0" y="0"/>
+          <a:chExt cx="0" cy="0"/>
+        </a:xfrm>
+      </p:grpSpPr>
+      <p:sp>
+        <p:nvSpPr>
+          <p:cNvPr id="8194" name="Rectangle 2"/>
+          <p:cNvSpPr>
+            <a:spLocks noGrp="1" noChangeArrowheads="1"/>
+          </p:cNvSpPr>
+          <p:nvPr>
+            <p:ph type="title"/>
+          </p:nvPr>
+        </p:nvSpPr>
+        <p:spPr/>
+        <p:txBody>
+          <a:bodyPr/>
+          <a:lstStyle/>
+          <a:p>
+            <a:r>
+              <a:rPr lang="en-US" altLang="en-US" dirty="0"/>
+              <a:t> Working with Your Project Team</a:t>
+            </a:r>
+          </a:p>
+        </p:txBody>
+      </p:sp>
+      <p:sp>
+        <p:nvSpPr>
+          <p:cNvPr id="8195" name="Rectangle 3"/>
+          <p:cNvSpPr>
+            <a:spLocks noGrp="1" noChangeArrowheads="1"/>
+          </p:cNvSpPr>
+          <p:nvPr>
+            <p:ph type="body" idx="1"/>
+          </p:nvPr>
+        </p:nvSpPr>
+        <p:spPr>
+          <a:xfrm>
+            <a:off x="207750" y="1548990"/>
+            <a:ext cx="11776400" cy="4555200"/>
+          </a:xfrm>
+        </p:spPr>
+        <p:txBody>
+          <a:bodyPr/>
+          <a:lstStyle/>
+          <a:p>
+            <a:pPr>
+              <a:lnSpc>
+                <a:spcPct val="150000"/>
+              </a:lnSpc>
+            </a:pPr>
+            <a:r>
+              <a:rPr lang="en-US" altLang="en-US" dirty="0"/>
+              <a:t>Active participation in the group work throughout the entire semester is required by all the team members, and a very large component of your grade</a:t>
+            </a:r>
+            <a:br>
+              <a:rPr lang="en-US" altLang="en-US" dirty="0"/>
+            </a:br>
+            <a:endParaRPr lang="en-US" altLang="en-US" dirty="0"/>
+          </a:p>
+          <a:p>
+            <a:pPr>
+              <a:lnSpc>
+                <a:spcPct val="150000"/>
+              </a:lnSpc>
+            </a:pPr>
+            <a:r>
+              <a:rPr lang="en-US" altLang="en-US" dirty="0"/>
+              <a:t>Collaboration is encouraged, both within and across teams! Learning from each others’ strengths is a big benefit of group work, and you should feel free to discuss strategies and approaches with other teams (i.e., it’s not a competition)</a:t>
+            </a:r>
+            <a:br>
+              <a:rPr lang="en-US" altLang="en-US" dirty="0"/>
+            </a:br>
+            <a:endParaRPr lang="en-US" altLang="en-US" dirty="0"/>
+          </a:p>
+          <a:p>
+            <a:pPr>
+              <a:lnSpc>
+                <a:spcPct val="150000"/>
+              </a:lnSpc>
+            </a:pPr>
+            <a:r>
+              <a:rPr lang="en-US" altLang="en-US" dirty="0"/>
+              <a:t>Pacing your work is important. You won’t be able to do everything the week before the final report, and if everyone tries to, you’ll break the server.</a:t>
+            </a:r>
+          </a:p>
+        </p:txBody>
+      </p:sp>
+    </p:spTree>
+    <p:extLst>
+      <p:ext uri="{BB962C8B-B14F-4D97-AF65-F5344CB8AC3E}">
+        <p14:creationId xmlns:p14="http://schemas.microsoft.com/office/powerpoint/2010/main" val="2457927461"/>
       </p:ext>
     </p:extLst>
   </p:cSld>
